--- a/TRFigures.pptx
+++ b/TRFigures.pptx
@@ -6,11 +6,12 @@
   </p:sldMasterIdLst>
   <p:sldIdLst>
     <p:sldId id="256" r:id="rId2"/>
-    <p:sldId id="257" r:id="rId3"/>
-    <p:sldId id="258" r:id="rId4"/>
-    <p:sldId id="259" r:id="rId5"/>
-    <p:sldId id="260" r:id="rId6"/>
-    <p:sldId id="261" r:id="rId7"/>
+    <p:sldId id="262" r:id="rId3"/>
+    <p:sldId id="257" r:id="rId4"/>
+    <p:sldId id="258" r:id="rId5"/>
+    <p:sldId id="259" r:id="rId6"/>
+    <p:sldId id="260" r:id="rId7"/>
+    <p:sldId id="261" r:id="rId8"/>
   </p:sldIdLst>
   <p:sldSz cx="12192000" cy="6858000"/>
   <p:notesSz cx="6858000" cy="9144000"/>
@@ -109,7 +110,1241 @@
       </a:defRPr>
     </a:lvl9pPr>
   </p:defaultTextStyle>
+  <p:extLst>
+    <p:ext uri="{EFAFB233-063F-42B5-8137-9DF3F51BA10A}">
+      <p15:sldGuideLst xmlns:p15="http://schemas.microsoft.com/office/powerpoint/2012/main"/>
+    </p:ext>
+  </p:extLst>
 </p:presentation>
+</file>
+
+<file path=ppt/changesInfos/changesInfo1.xml><?xml version="1.0" encoding="utf-8"?>
+<pc:chgInfo xmlns:a="http://schemas.openxmlformats.org/drawingml/2006/main" xmlns:r="http://schemas.openxmlformats.org/officeDocument/2006/relationships" xmlns:ac="http://schemas.microsoft.com/office/drawing/2013/main/command" xmlns:pc="http://schemas.microsoft.com/office/powerpoint/2013/main/command">
+  <pc:docChgLst>
+    <pc:chgData name="Ryan Taylor" userId="d8e9bb2a620fd165" providerId="LiveId" clId="{75F59A67-119A-47EF-BF0A-974FACE50850}"/>
+    <pc:docChg chg="undo redo custSel addSld modSld">
+      <pc:chgData name="Ryan Taylor" userId="d8e9bb2a620fd165" providerId="LiveId" clId="{75F59A67-119A-47EF-BF0A-974FACE50850}" dt="2020-04-22T00:41:42.640" v="1146" actId="164"/>
+      <pc:docMkLst>
+        <pc:docMk/>
+      </pc:docMkLst>
+      <pc:sldChg chg="addSp delSp modSp add">
+        <pc:chgData name="Ryan Taylor" userId="d8e9bb2a620fd165" providerId="LiveId" clId="{75F59A67-119A-47EF-BF0A-974FACE50850}" dt="2020-04-22T00:41:42.640" v="1146" actId="164"/>
+        <pc:sldMkLst>
+          <pc:docMk/>
+          <pc:sldMk cId="1093288604" sldId="262"/>
+        </pc:sldMkLst>
+        <pc:spChg chg="add del mod">
+          <ac:chgData name="Ryan Taylor" userId="d8e9bb2a620fd165" providerId="LiveId" clId="{75F59A67-119A-47EF-BF0A-974FACE50850}" dt="2020-04-21T22:53:25.306" v="9" actId="478"/>
+          <ac:spMkLst>
+            <pc:docMk/>
+            <pc:sldMk cId="1093288604" sldId="262"/>
+            <ac:spMk id="3" creationId="{A920091A-57B7-4CDF-8D6B-0B3B6ACFA341}"/>
+          </ac:spMkLst>
+        </pc:spChg>
+        <pc:spChg chg="del">
+          <ac:chgData name="Ryan Taylor" userId="d8e9bb2a620fd165" providerId="LiveId" clId="{75F59A67-119A-47EF-BF0A-974FACE50850}" dt="2020-04-21T22:53:28.548" v="12" actId="478"/>
+          <ac:spMkLst>
+            <pc:docMk/>
+            <pc:sldMk cId="1093288604" sldId="262"/>
+            <ac:spMk id="4" creationId="{31DB9ACE-7CDE-4D8B-8D89-15163896359E}"/>
+          </ac:spMkLst>
+        </pc:spChg>
+        <pc:spChg chg="del mod">
+          <ac:chgData name="Ryan Taylor" userId="d8e9bb2a620fd165" providerId="LiveId" clId="{75F59A67-119A-47EF-BF0A-974FACE50850}" dt="2020-04-21T22:53:27.749" v="11" actId="478"/>
+          <ac:spMkLst>
+            <pc:docMk/>
+            <pc:sldMk cId="1093288604" sldId="262"/>
+            <ac:spMk id="5" creationId="{4FC22B60-DC1B-4D87-9A01-1C852D9583A3}"/>
+          </ac:spMkLst>
+        </pc:spChg>
+        <pc:spChg chg="del">
+          <ac:chgData name="Ryan Taylor" userId="d8e9bb2a620fd165" providerId="LiveId" clId="{75F59A67-119A-47EF-BF0A-974FACE50850}" dt="2020-04-21T22:53:20.757" v="5" actId="478"/>
+          <ac:spMkLst>
+            <pc:docMk/>
+            <pc:sldMk cId="1093288604" sldId="262"/>
+            <ac:spMk id="6" creationId="{C81B15E7-F178-491A-B077-6E561AE57A86}"/>
+          </ac:spMkLst>
+        </pc:spChg>
+        <pc:spChg chg="add del mod">
+          <ac:chgData name="Ryan Taylor" userId="d8e9bb2a620fd165" providerId="LiveId" clId="{75F59A67-119A-47EF-BF0A-974FACE50850}" dt="2020-04-21T22:53:21.831" v="6" actId="478"/>
+          <ac:spMkLst>
+            <pc:docMk/>
+            <pc:sldMk cId="1093288604" sldId="262"/>
+            <ac:spMk id="7" creationId="{AF444CC7-0F33-4246-A8A5-B65760741B82}"/>
+          </ac:spMkLst>
+        </pc:spChg>
+        <pc:spChg chg="add del">
+          <ac:chgData name="Ryan Taylor" userId="d8e9bb2a620fd165" providerId="LiveId" clId="{75F59A67-119A-47EF-BF0A-974FACE50850}" dt="2020-04-21T22:53:16.073" v="2" actId="478"/>
+          <ac:spMkLst>
+            <pc:docMk/>
+            <pc:sldMk cId="1093288604" sldId="262"/>
+            <ac:spMk id="8" creationId="{D7FFF560-D327-41C3-84C5-31A49A100D6B}"/>
+          </ac:spMkLst>
+        </pc:spChg>
+        <pc:spChg chg="add del mod">
+          <ac:chgData name="Ryan Taylor" userId="d8e9bb2a620fd165" providerId="LiveId" clId="{75F59A67-119A-47EF-BF0A-974FACE50850}" dt="2020-04-21T22:54:21.035" v="49" actId="478"/>
+          <ac:spMkLst>
+            <pc:docMk/>
+            <pc:sldMk cId="1093288604" sldId="262"/>
+            <ac:spMk id="11" creationId="{F4BE307B-8AB8-4179-B30E-C494ADA05DF7}"/>
+          </ac:spMkLst>
+        </pc:spChg>
+        <pc:spChg chg="add del mod">
+          <ac:chgData name="Ryan Taylor" userId="d8e9bb2a620fd165" providerId="LiveId" clId="{75F59A67-119A-47EF-BF0A-974FACE50850}" dt="2020-04-21T22:59:47.087" v="82" actId="478"/>
+          <ac:spMkLst>
+            <pc:docMk/>
+            <pc:sldMk cId="1093288604" sldId="262"/>
+            <ac:spMk id="12" creationId="{174D4893-7F2E-4AC2-ACBD-32B3D47EC961}"/>
+          </ac:spMkLst>
+        </pc:spChg>
+        <pc:spChg chg="add del">
+          <ac:chgData name="Ryan Taylor" userId="d8e9bb2a620fd165" providerId="LiveId" clId="{75F59A67-119A-47EF-BF0A-974FACE50850}" dt="2020-04-21T22:53:16.073" v="2" actId="478"/>
+          <ac:spMkLst>
+            <pc:docMk/>
+            <pc:sldMk cId="1093288604" sldId="262"/>
+            <ac:spMk id="13" creationId="{E9228914-D937-473B-976D-CA8B42DEB46C}"/>
+          </ac:spMkLst>
+        </pc:spChg>
+        <pc:spChg chg="add del">
+          <ac:chgData name="Ryan Taylor" userId="d8e9bb2a620fd165" providerId="LiveId" clId="{75F59A67-119A-47EF-BF0A-974FACE50850}" dt="2020-04-21T22:53:23.259" v="7" actId="478"/>
+          <ac:spMkLst>
+            <pc:docMk/>
+            <pc:sldMk cId="1093288604" sldId="262"/>
+            <ac:spMk id="15" creationId="{808F70A7-3D29-4DEA-B134-2CCC792AE4B3}"/>
+          </ac:spMkLst>
+        </pc:spChg>
+        <pc:spChg chg="add del">
+          <ac:chgData name="Ryan Taylor" userId="d8e9bb2a620fd165" providerId="LiveId" clId="{75F59A67-119A-47EF-BF0A-974FACE50850}" dt="2020-04-21T22:53:16.073" v="2" actId="478"/>
+          <ac:spMkLst>
+            <pc:docMk/>
+            <pc:sldMk cId="1093288604" sldId="262"/>
+            <ac:spMk id="16" creationId="{11654BE2-7191-4501-9B8E-05D35386875E}"/>
+          </ac:spMkLst>
+        </pc:spChg>
+        <pc:spChg chg="add del">
+          <ac:chgData name="Ryan Taylor" userId="d8e9bb2a620fd165" providerId="LiveId" clId="{75F59A67-119A-47EF-BF0A-974FACE50850}" dt="2020-04-21T22:53:16.073" v="2" actId="478"/>
+          <ac:spMkLst>
+            <pc:docMk/>
+            <pc:sldMk cId="1093288604" sldId="262"/>
+            <ac:spMk id="19" creationId="{EF9EC2E3-33CE-47FC-BEBA-5C2E1B375785}"/>
+          </ac:spMkLst>
+        </pc:spChg>
+        <pc:spChg chg="add del">
+          <ac:chgData name="Ryan Taylor" userId="d8e9bb2a620fd165" providerId="LiveId" clId="{75F59A67-119A-47EF-BF0A-974FACE50850}" dt="2020-04-21T22:53:16.073" v="2" actId="478"/>
+          <ac:spMkLst>
+            <pc:docMk/>
+            <pc:sldMk cId="1093288604" sldId="262"/>
+            <ac:spMk id="20" creationId="{1482E641-51E0-43B1-86D4-4CFC9BC49EB3}"/>
+          </ac:spMkLst>
+        </pc:spChg>
+        <pc:spChg chg="add del mod">
+          <ac:chgData name="Ryan Taylor" userId="d8e9bb2a620fd165" providerId="LiveId" clId="{75F59A67-119A-47EF-BF0A-974FACE50850}" dt="2020-04-21T23:03:20.650" v="229" actId="21"/>
+          <ac:spMkLst>
+            <pc:docMk/>
+            <pc:sldMk cId="1093288604" sldId="262"/>
+            <ac:spMk id="22" creationId="{6A99059C-8F61-4470-87CA-256C974E6069}"/>
+          </ac:spMkLst>
+        </pc:spChg>
+        <pc:spChg chg="add del">
+          <ac:chgData name="Ryan Taylor" userId="d8e9bb2a620fd165" providerId="LiveId" clId="{75F59A67-119A-47EF-BF0A-974FACE50850}" dt="2020-04-21T22:53:16.073" v="2" actId="478"/>
+          <ac:spMkLst>
+            <pc:docMk/>
+            <pc:sldMk cId="1093288604" sldId="262"/>
+            <ac:spMk id="26" creationId="{A1BB80A1-06CB-4ECC-86C7-1485C2621345}"/>
+          </ac:spMkLst>
+        </pc:spChg>
+        <pc:spChg chg="add del">
+          <ac:chgData name="Ryan Taylor" userId="d8e9bb2a620fd165" providerId="LiveId" clId="{75F59A67-119A-47EF-BF0A-974FACE50850}" dt="2020-04-21T22:53:16.073" v="2" actId="478"/>
+          <ac:spMkLst>
+            <pc:docMk/>
+            <pc:sldMk cId="1093288604" sldId="262"/>
+            <ac:spMk id="28" creationId="{5247C767-BB02-416E-A654-86E04E5578D5}"/>
+          </ac:spMkLst>
+        </pc:spChg>
+        <pc:spChg chg="add del">
+          <ac:chgData name="Ryan Taylor" userId="d8e9bb2a620fd165" providerId="LiveId" clId="{75F59A67-119A-47EF-BF0A-974FACE50850}" dt="2020-04-21T22:53:24.209" v="8" actId="478"/>
+          <ac:spMkLst>
+            <pc:docMk/>
+            <pc:sldMk cId="1093288604" sldId="262"/>
+            <ac:spMk id="31" creationId="{9BF75855-A623-438E-BD50-5C01AA162017}"/>
+          </ac:spMkLst>
+        </pc:spChg>
+        <pc:spChg chg="add del mod">
+          <ac:chgData name="Ryan Taylor" userId="d8e9bb2a620fd165" providerId="LiveId" clId="{75F59A67-119A-47EF-BF0A-974FACE50850}" dt="2020-04-21T23:03:20.650" v="229" actId="21"/>
+          <ac:spMkLst>
+            <pc:docMk/>
+            <pc:sldMk cId="1093288604" sldId="262"/>
+            <ac:spMk id="32" creationId="{2A0B24C9-FC40-4BD8-BFF0-8A21BB794C98}"/>
+          </ac:spMkLst>
+        </pc:spChg>
+        <pc:spChg chg="add del mod">
+          <ac:chgData name="Ryan Taylor" userId="d8e9bb2a620fd165" providerId="LiveId" clId="{75F59A67-119A-47EF-BF0A-974FACE50850}" dt="2020-04-21T23:03:20.650" v="229" actId="21"/>
+          <ac:spMkLst>
+            <pc:docMk/>
+            <pc:sldMk cId="1093288604" sldId="262"/>
+            <ac:spMk id="33" creationId="{22563194-E51B-4877-ABA5-1A52E0CE12DC}"/>
+          </ac:spMkLst>
+        </pc:spChg>
+        <pc:spChg chg="add del mod">
+          <ac:chgData name="Ryan Taylor" userId="d8e9bb2a620fd165" providerId="LiveId" clId="{75F59A67-119A-47EF-BF0A-974FACE50850}" dt="2020-04-21T23:03:20.650" v="229" actId="21"/>
+          <ac:spMkLst>
+            <pc:docMk/>
+            <pc:sldMk cId="1093288604" sldId="262"/>
+            <ac:spMk id="41" creationId="{0ACF4E66-83F1-432A-B9FE-D2E94B57CAC3}"/>
+          </ac:spMkLst>
+        </pc:spChg>
+        <pc:spChg chg="add del mod">
+          <ac:chgData name="Ryan Taylor" userId="d8e9bb2a620fd165" providerId="LiveId" clId="{75F59A67-119A-47EF-BF0A-974FACE50850}" dt="2020-04-21T23:03:20.650" v="229" actId="21"/>
+          <ac:spMkLst>
+            <pc:docMk/>
+            <pc:sldMk cId="1093288604" sldId="262"/>
+            <ac:spMk id="42" creationId="{6D655719-5CEB-4B55-8289-649D7015A710}"/>
+          </ac:spMkLst>
+        </pc:spChg>
+        <pc:spChg chg="add del">
+          <ac:chgData name="Ryan Taylor" userId="d8e9bb2a620fd165" providerId="LiveId" clId="{75F59A67-119A-47EF-BF0A-974FACE50850}" dt="2020-04-21T23:01:45.472" v="224" actId="11529"/>
+          <ac:spMkLst>
+            <pc:docMk/>
+            <pc:sldMk cId="1093288604" sldId="262"/>
+            <ac:spMk id="43" creationId="{1BE12BBE-8A88-4156-BDB1-00B3BCFCB43A}"/>
+          </ac:spMkLst>
+        </pc:spChg>
+        <pc:spChg chg="add del mod">
+          <ac:chgData name="Ryan Taylor" userId="d8e9bb2a620fd165" providerId="LiveId" clId="{75F59A67-119A-47EF-BF0A-974FACE50850}" dt="2020-04-21T23:02:19.095" v="227" actId="478"/>
+          <ac:spMkLst>
+            <pc:docMk/>
+            <pc:sldMk cId="1093288604" sldId="262"/>
+            <ac:spMk id="44" creationId="{A65ADF1D-2D2A-4370-9037-D8A352EC5388}"/>
+          </ac:spMkLst>
+        </pc:spChg>
+        <pc:spChg chg="add del">
+          <ac:chgData name="Ryan Taylor" userId="d8e9bb2a620fd165" providerId="LiveId" clId="{75F59A67-119A-47EF-BF0A-974FACE50850}" dt="2020-04-21T23:03:20.650" v="229" actId="21"/>
+          <ac:spMkLst>
+            <pc:docMk/>
+            <pc:sldMk cId="1093288604" sldId="262"/>
+            <ac:spMk id="45" creationId="{9C25F708-C2DA-400B-983C-2D37A73D5678}"/>
+          </ac:spMkLst>
+        </pc:spChg>
+        <pc:spChg chg="add del mod ord">
+          <ac:chgData name="Ryan Taylor" userId="d8e9bb2a620fd165" providerId="LiveId" clId="{75F59A67-119A-47EF-BF0A-974FACE50850}" dt="2020-04-22T00:41:42.640" v="1146" actId="164"/>
+          <ac:spMkLst>
+            <pc:docMk/>
+            <pc:sldMk cId="1093288604" sldId="262"/>
+            <ac:spMk id="46" creationId="{4914C9AF-184B-4FDA-97B9-3F55C42C080B}"/>
+          </ac:spMkLst>
+        </pc:spChg>
+        <pc:spChg chg="add mod">
+          <ac:chgData name="Ryan Taylor" userId="d8e9bb2a620fd165" providerId="LiveId" clId="{75F59A67-119A-47EF-BF0A-974FACE50850}" dt="2020-04-22T00:41:42.640" v="1146" actId="164"/>
+          <ac:spMkLst>
+            <pc:docMk/>
+            <pc:sldMk cId="1093288604" sldId="262"/>
+            <ac:spMk id="47" creationId="{91B6B08C-DE09-4DB0-8C58-00ECF927D768}"/>
+          </ac:spMkLst>
+        </pc:spChg>
+        <pc:spChg chg="add mod">
+          <ac:chgData name="Ryan Taylor" userId="d8e9bb2a620fd165" providerId="LiveId" clId="{75F59A67-119A-47EF-BF0A-974FACE50850}" dt="2020-04-22T00:41:42.640" v="1146" actId="164"/>
+          <ac:spMkLst>
+            <pc:docMk/>
+            <pc:sldMk cId="1093288604" sldId="262"/>
+            <ac:spMk id="48" creationId="{69D7FC80-3774-47E0-B609-2D675ECD138C}"/>
+          </ac:spMkLst>
+        </pc:spChg>
+        <pc:spChg chg="add mod">
+          <ac:chgData name="Ryan Taylor" userId="d8e9bb2a620fd165" providerId="LiveId" clId="{75F59A67-119A-47EF-BF0A-974FACE50850}" dt="2020-04-22T00:41:42.640" v="1146" actId="164"/>
+          <ac:spMkLst>
+            <pc:docMk/>
+            <pc:sldMk cId="1093288604" sldId="262"/>
+            <ac:spMk id="52" creationId="{B06D321A-9D97-44F2-993C-167C86DD8D5C}"/>
+          </ac:spMkLst>
+        </pc:spChg>
+        <pc:spChg chg="add del mod">
+          <ac:chgData name="Ryan Taylor" userId="d8e9bb2a620fd165" providerId="LiveId" clId="{75F59A67-119A-47EF-BF0A-974FACE50850}" dt="2020-04-22T00:29:58.105" v="1020" actId="478"/>
+          <ac:spMkLst>
+            <pc:docMk/>
+            <pc:sldMk cId="1093288604" sldId="262"/>
+            <ac:spMk id="53" creationId="{C3040B48-B90A-4B15-9D04-BE9BE189FA93}"/>
+          </ac:spMkLst>
+        </pc:spChg>
+        <pc:spChg chg="add del mod">
+          <ac:chgData name="Ryan Taylor" userId="d8e9bb2a620fd165" providerId="LiveId" clId="{75F59A67-119A-47EF-BF0A-974FACE50850}" dt="2020-04-21T23:41:28.299" v="373" actId="478"/>
+          <ac:spMkLst>
+            <pc:docMk/>
+            <pc:sldMk cId="1093288604" sldId="262"/>
+            <ac:spMk id="54" creationId="{64F07945-E215-47B1-8F7D-C1495F312E42}"/>
+          </ac:spMkLst>
+        </pc:spChg>
+        <pc:spChg chg="add del mod ord">
+          <ac:chgData name="Ryan Taylor" userId="d8e9bb2a620fd165" providerId="LiveId" clId="{75F59A67-119A-47EF-BF0A-974FACE50850}" dt="2020-04-22T00:36:58.392" v="1097" actId="164"/>
+          <ac:spMkLst>
+            <pc:docMk/>
+            <pc:sldMk cId="1093288604" sldId="262"/>
+            <ac:spMk id="55" creationId="{D34F094D-9755-4A43-B875-D0D7F2ECC4E1}"/>
+          </ac:spMkLst>
+        </pc:spChg>
+        <pc:spChg chg="add del mod">
+          <ac:chgData name="Ryan Taylor" userId="d8e9bb2a620fd165" providerId="LiveId" clId="{75F59A67-119A-47EF-BF0A-974FACE50850}" dt="2020-04-22T00:36:58.392" v="1097" actId="164"/>
+          <ac:spMkLst>
+            <pc:docMk/>
+            <pc:sldMk cId="1093288604" sldId="262"/>
+            <ac:spMk id="56" creationId="{CDAE94EE-E5CC-4218-B50C-A5BE3A42C718}"/>
+          </ac:spMkLst>
+        </pc:spChg>
+        <pc:spChg chg="add del">
+          <ac:chgData name="Ryan Taylor" userId="d8e9bb2a620fd165" providerId="LiveId" clId="{75F59A67-119A-47EF-BF0A-974FACE50850}" dt="2020-04-21T23:24:06.211" v="262" actId="478"/>
+          <ac:spMkLst>
+            <pc:docMk/>
+            <pc:sldMk cId="1093288604" sldId="262"/>
+            <ac:spMk id="60" creationId="{15A24E14-C0D9-4311-80C6-C4260F8B0B57}"/>
+          </ac:spMkLst>
+        </pc:spChg>
+        <pc:spChg chg="add del mod">
+          <ac:chgData name="Ryan Taylor" userId="d8e9bb2a620fd165" providerId="LiveId" clId="{75F59A67-119A-47EF-BF0A-974FACE50850}" dt="2020-04-21T23:41:26.663" v="372" actId="478"/>
+          <ac:spMkLst>
+            <pc:docMk/>
+            <pc:sldMk cId="1093288604" sldId="262"/>
+            <ac:spMk id="120" creationId="{F58BFDF3-06A0-4956-AA09-78E5097B2F25}"/>
+          </ac:spMkLst>
+        </pc:spChg>
+        <pc:spChg chg="add mod">
+          <ac:chgData name="Ryan Taylor" userId="d8e9bb2a620fd165" providerId="LiveId" clId="{75F59A67-119A-47EF-BF0A-974FACE50850}" dt="2020-04-22T00:41:42.640" v="1146" actId="164"/>
+          <ac:spMkLst>
+            <pc:docMk/>
+            <pc:sldMk cId="1093288604" sldId="262"/>
+            <ac:spMk id="121" creationId="{616AB92E-F779-4695-9BE6-A2DD422E79BD}"/>
+          </ac:spMkLst>
+        </pc:spChg>
+        <pc:spChg chg="add del">
+          <ac:chgData name="Ryan Taylor" userId="d8e9bb2a620fd165" providerId="LiveId" clId="{75F59A67-119A-47EF-BF0A-974FACE50850}" dt="2020-04-21T23:55:47.310" v="597" actId="478"/>
+          <ac:spMkLst>
+            <pc:docMk/>
+            <pc:sldMk cId="1093288604" sldId="262"/>
+            <ac:spMk id="241" creationId="{9330100D-244B-46B0-BE2A-B3ED01C39570}"/>
+          </ac:spMkLst>
+        </pc:spChg>
+        <pc:spChg chg="add del">
+          <ac:chgData name="Ryan Taylor" userId="d8e9bb2a620fd165" providerId="LiveId" clId="{75F59A67-119A-47EF-BF0A-974FACE50850}" dt="2020-04-21T23:57:08.788" v="600" actId="478"/>
+          <ac:spMkLst>
+            <pc:docMk/>
+            <pc:sldMk cId="1093288604" sldId="262"/>
+            <ac:spMk id="242" creationId="{64BEDEAA-103C-483F-94D9-6B466DB7125B}"/>
+          </ac:spMkLst>
+        </pc:spChg>
+        <pc:spChg chg="add del mod">
+          <ac:chgData name="Ryan Taylor" userId="d8e9bb2a620fd165" providerId="LiveId" clId="{75F59A67-119A-47EF-BF0A-974FACE50850}" dt="2020-04-22T00:02:03.309" v="631" actId="478"/>
+          <ac:spMkLst>
+            <pc:docMk/>
+            <pc:sldMk cId="1093288604" sldId="262"/>
+            <ac:spMk id="243" creationId="{8B068E89-27C2-4B8D-AD32-8F5906A44AD5}"/>
+          </ac:spMkLst>
+        </pc:spChg>
+        <pc:spChg chg="add del mod">
+          <ac:chgData name="Ryan Taylor" userId="d8e9bb2a620fd165" providerId="LiveId" clId="{75F59A67-119A-47EF-BF0A-974FACE50850}" dt="2020-04-22T00:02:04.291" v="632" actId="478"/>
+          <ac:spMkLst>
+            <pc:docMk/>
+            <pc:sldMk cId="1093288604" sldId="262"/>
+            <ac:spMk id="246" creationId="{A652C373-A88E-43F3-B1FF-DD128221D9CC}"/>
+          </ac:spMkLst>
+        </pc:spChg>
+        <pc:spChg chg="add del mod">
+          <ac:chgData name="Ryan Taylor" userId="d8e9bb2a620fd165" providerId="LiveId" clId="{75F59A67-119A-47EF-BF0A-974FACE50850}" dt="2020-04-22T00:02:06.130" v="633" actId="478"/>
+          <ac:spMkLst>
+            <pc:docMk/>
+            <pc:sldMk cId="1093288604" sldId="262"/>
+            <ac:spMk id="250" creationId="{3295CE06-4CC7-4B55-B769-C3528AC53FE2}"/>
+          </ac:spMkLst>
+        </pc:spChg>
+        <pc:spChg chg="add mod">
+          <ac:chgData name="Ryan Taylor" userId="d8e9bb2a620fd165" providerId="LiveId" clId="{75F59A67-119A-47EF-BF0A-974FACE50850}" dt="2020-04-22T00:35:48.155" v="1085"/>
+          <ac:spMkLst>
+            <pc:docMk/>
+            <pc:sldMk cId="1093288604" sldId="262"/>
+            <ac:spMk id="251" creationId="{757B461F-7432-4842-AAE1-77CCE665F332}"/>
+          </ac:spMkLst>
+        </pc:spChg>
+        <pc:spChg chg="add mod">
+          <ac:chgData name="Ryan Taylor" userId="d8e9bb2a620fd165" providerId="LiveId" clId="{75F59A67-119A-47EF-BF0A-974FACE50850}" dt="2020-04-22T00:41:02.448" v="1138" actId="207"/>
+          <ac:spMkLst>
+            <pc:docMk/>
+            <pc:sldMk cId="1093288604" sldId="262"/>
+            <ac:spMk id="255" creationId="{ACC54FE0-6197-496E-AC6D-95F3F408C531}"/>
+          </ac:spMkLst>
+        </pc:spChg>
+        <pc:spChg chg="add del">
+          <ac:chgData name="Ryan Taylor" userId="d8e9bb2a620fd165" providerId="LiveId" clId="{75F59A67-119A-47EF-BF0A-974FACE50850}" dt="2020-04-22T00:04:09.961" v="682"/>
+          <ac:spMkLst>
+            <pc:docMk/>
+            <pc:sldMk cId="1093288604" sldId="262"/>
+            <ac:spMk id="257" creationId="{59CD1057-11C7-4B0E-AE65-5B08486B23F4}"/>
+          </ac:spMkLst>
+        </pc:spChg>
+        <pc:spChg chg="add mod">
+          <ac:chgData name="Ryan Taylor" userId="d8e9bb2a620fd165" providerId="LiveId" clId="{75F59A67-119A-47EF-BF0A-974FACE50850}" dt="2020-04-22T00:33:10.885" v="1051" actId="207"/>
+          <ac:spMkLst>
+            <pc:docMk/>
+            <pc:sldMk cId="1093288604" sldId="262"/>
+            <ac:spMk id="258" creationId="{77B8422B-2E6A-45BF-962F-893C8527705D}"/>
+          </ac:spMkLst>
+        </pc:spChg>
+        <pc:spChg chg="add mod">
+          <ac:chgData name="Ryan Taylor" userId="d8e9bb2a620fd165" providerId="LiveId" clId="{75F59A67-119A-47EF-BF0A-974FACE50850}" dt="2020-04-22T00:20:57.440" v="889" actId="164"/>
+          <ac:spMkLst>
+            <pc:docMk/>
+            <pc:sldMk cId="1093288604" sldId="262"/>
+            <ac:spMk id="259" creationId="{A72E4F6A-71F3-4183-BC6D-CF52A6D93762}"/>
+          </ac:spMkLst>
+        </pc:spChg>
+        <pc:spChg chg="add mod">
+          <ac:chgData name="Ryan Taylor" userId="d8e9bb2a620fd165" providerId="LiveId" clId="{75F59A67-119A-47EF-BF0A-974FACE50850}" dt="2020-04-22T00:20:57.440" v="889" actId="164"/>
+          <ac:spMkLst>
+            <pc:docMk/>
+            <pc:sldMk cId="1093288604" sldId="262"/>
+            <ac:spMk id="260" creationId="{903D5B25-F555-408D-B0AB-FE2D8577FABF}"/>
+          </ac:spMkLst>
+        </pc:spChg>
+        <pc:spChg chg="add del">
+          <ac:chgData name="Ryan Taylor" userId="d8e9bb2a620fd165" providerId="LiveId" clId="{75F59A67-119A-47EF-BF0A-974FACE50850}" dt="2020-04-22T00:09:28.272" v="793" actId="11529"/>
+          <ac:spMkLst>
+            <pc:docMk/>
+            <pc:sldMk cId="1093288604" sldId="262"/>
+            <ac:spMk id="267" creationId="{72B5933C-33A7-4E67-9595-0DC82257F2ED}"/>
+          </ac:spMkLst>
+        </pc:spChg>
+        <pc:spChg chg="add del">
+          <ac:chgData name="Ryan Taylor" userId="d8e9bb2a620fd165" providerId="LiveId" clId="{75F59A67-119A-47EF-BF0A-974FACE50850}" dt="2020-04-22T00:24:37.548" v="932" actId="478"/>
+          <ac:spMkLst>
+            <pc:docMk/>
+            <pc:sldMk cId="1093288604" sldId="262"/>
+            <ac:spMk id="297" creationId="{7F264CF9-FA4F-4983-B215-F10672B15112}"/>
+          </ac:spMkLst>
+        </pc:spChg>
+        <pc:spChg chg="add del mod">
+          <ac:chgData name="Ryan Taylor" userId="d8e9bb2a620fd165" providerId="LiveId" clId="{75F59A67-119A-47EF-BF0A-974FACE50850}" dt="2020-04-22T00:25:56.503" v="949"/>
+          <ac:spMkLst>
+            <pc:docMk/>
+            <pc:sldMk cId="1093288604" sldId="262"/>
+            <ac:spMk id="298" creationId="{A60A7407-2C12-41C1-9442-74282F02F021}"/>
+          </ac:spMkLst>
+        </pc:spChg>
+        <pc:spChg chg="add del mod">
+          <ac:chgData name="Ryan Taylor" userId="d8e9bb2a620fd165" providerId="LiveId" clId="{75F59A67-119A-47EF-BF0A-974FACE50850}" dt="2020-04-22T00:25:56.504" v="951"/>
+          <ac:spMkLst>
+            <pc:docMk/>
+            <pc:sldMk cId="1093288604" sldId="262"/>
+            <ac:spMk id="299" creationId="{1E57E583-4E22-4863-84A3-14B82246B959}"/>
+          </ac:spMkLst>
+        </pc:spChg>
+        <pc:spChg chg="add del">
+          <ac:chgData name="Ryan Taylor" userId="d8e9bb2a620fd165" providerId="LiveId" clId="{75F59A67-119A-47EF-BF0A-974FACE50850}" dt="2020-04-22T00:27:16.279" v="972" actId="11529"/>
+          <ac:spMkLst>
+            <pc:docMk/>
+            <pc:sldMk cId="1093288604" sldId="262"/>
+            <ac:spMk id="300" creationId="{5BE2A53B-BF3A-4E00-AA40-67A97301F4FD}"/>
+          </ac:spMkLst>
+        </pc:spChg>
+        <pc:spChg chg="add del mod">
+          <ac:chgData name="Ryan Taylor" userId="d8e9bb2a620fd165" providerId="LiveId" clId="{75F59A67-119A-47EF-BF0A-974FACE50850}" dt="2020-04-22T00:27:14.802" v="970" actId="767"/>
+          <ac:spMkLst>
+            <pc:docMk/>
+            <pc:sldMk cId="1093288604" sldId="262"/>
+            <ac:spMk id="301" creationId="{3D23FEA3-6671-48E5-B0A7-3AE47C9EA9F7}"/>
+          </ac:spMkLst>
+        </pc:spChg>
+        <pc:spChg chg="add del">
+          <ac:chgData name="Ryan Taylor" userId="d8e9bb2a620fd165" providerId="LiveId" clId="{75F59A67-119A-47EF-BF0A-974FACE50850}" dt="2020-04-22T00:27:46.905" v="976" actId="478"/>
+          <ac:spMkLst>
+            <pc:docMk/>
+            <pc:sldMk cId="1093288604" sldId="262"/>
+            <ac:spMk id="302" creationId="{78B41A73-3F87-4DE5-83A2-9FF7C2EA0764}"/>
+          </ac:spMkLst>
+        </pc:spChg>
+        <pc:spChg chg="add mod">
+          <ac:chgData name="Ryan Taylor" userId="d8e9bb2a620fd165" providerId="LiveId" clId="{75F59A67-119A-47EF-BF0A-974FACE50850}" dt="2020-04-22T00:41:42.640" v="1146" actId="164"/>
+          <ac:spMkLst>
+            <pc:docMk/>
+            <pc:sldMk cId="1093288604" sldId="262"/>
+            <ac:spMk id="303" creationId="{E6CD0FE1-55D8-40ED-8B74-151CFAC664F3}"/>
+          </ac:spMkLst>
+        </pc:spChg>
+        <pc:spChg chg="add mod">
+          <ac:chgData name="Ryan Taylor" userId="d8e9bb2a620fd165" providerId="LiveId" clId="{75F59A67-119A-47EF-BF0A-974FACE50850}" dt="2020-04-22T00:31:21.135" v="1038" actId="164"/>
+          <ac:spMkLst>
+            <pc:docMk/>
+            <pc:sldMk cId="1093288604" sldId="262"/>
+            <ac:spMk id="307" creationId="{0B1B1C9B-C048-4A86-8B50-26ECC4879A33}"/>
+          </ac:spMkLst>
+        </pc:spChg>
+        <pc:spChg chg="add del mod ord">
+          <ac:chgData name="Ryan Taylor" userId="d8e9bb2a620fd165" providerId="LiveId" clId="{75F59A67-119A-47EF-BF0A-974FACE50850}" dt="2020-04-22T00:33:47.073" v="1068" actId="478"/>
+          <ac:spMkLst>
+            <pc:docMk/>
+            <pc:sldMk cId="1093288604" sldId="262"/>
+            <ac:spMk id="329" creationId="{6E55C57F-5401-4C14-8E0A-A5A6BABEF600}"/>
+          </ac:spMkLst>
+        </pc:spChg>
+        <pc:spChg chg="add del mod ord">
+          <ac:chgData name="Ryan Taylor" userId="d8e9bb2a620fd165" providerId="LiveId" clId="{75F59A67-119A-47EF-BF0A-974FACE50850}" dt="2020-04-22T00:33:48.225" v="1069" actId="478"/>
+          <ac:spMkLst>
+            <pc:docMk/>
+            <pc:sldMk cId="1093288604" sldId="262"/>
+            <ac:spMk id="330" creationId="{96D4B335-7CBD-4FD5-AB0B-B2F970FA72D2}"/>
+          </ac:spMkLst>
+        </pc:spChg>
+        <pc:spChg chg="add del mod ord">
+          <ac:chgData name="Ryan Taylor" userId="d8e9bb2a620fd165" providerId="LiveId" clId="{75F59A67-119A-47EF-BF0A-974FACE50850}" dt="2020-04-22T00:33:49.674" v="1070" actId="478"/>
+          <ac:spMkLst>
+            <pc:docMk/>
+            <pc:sldMk cId="1093288604" sldId="262"/>
+            <ac:spMk id="331" creationId="{DF2ADEC4-C99A-461F-AFBA-4E2B0BD703F3}"/>
+          </ac:spMkLst>
+        </pc:spChg>
+        <pc:spChg chg="add del mod ord">
+          <ac:chgData name="Ryan Taylor" userId="d8e9bb2a620fd165" providerId="LiveId" clId="{75F59A67-119A-47EF-BF0A-974FACE50850}" dt="2020-04-22T00:33:50.672" v="1071" actId="478"/>
+          <ac:spMkLst>
+            <pc:docMk/>
+            <pc:sldMk cId="1093288604" sldId="262"/>
+            <ac:spMk id="332" creationId="{092D3600-4ECC-4FA3-8B39-94650B4585A5}"/>
+          </ac:spMkLst>
+        </pc:spChg>
+        <pc:spChg chg="add del mod ord">
+          <ac:chgData name="Ryan Taylor" userId="d8e9bb2a620fd165" providerId="LiveId" clId="{75F59A67-119A-47EF-BF0A-974FACE50850}" dt="2020-04-22T00:41:42.640" v="1146" actId="164"/>
+          <ac:spMkLst>
+            <pc:docMk/>
+            <pc:sldMk cId="1093288604" sldId="262"/>
+            <ac:spMk id="347" creationId="{561E4806-37E3-42BB-B3B5-C456765777AC}"/>
+          </ac:spMkLst>
+        </pc:spChg>
+        <pc:spChg chg="add del mod">
+          <ac:chgData name="Ryan Taylor" userId="d8e9bb2a620fd165" providerId="LiveId" clId="{75F59A67-119A-47EF-BF0A-974FACE50850}" dt="2020-04-22T00:41:42.640" v="1146" actId="164"/>
+          <ac:spMkLst>
+            <pc:docMk/>
+            <pc:sldMk cId="1093288604" sldId="262"/>
+            <ac:spMk id="348" creationId="{C8A99366-507F-46F3-9A0A-4CCE50D6D4B1}"/>
+          </ac:spMkLst>
+        </pc:spChg>
+        <pc:grpChg chg="add mod">
+          <ac:chgData name="Ryan Taylor" userId="d8e9bb2a620fd165" providerId="LiveId" clId="{75F59A67-119A-47EF-BF0A-974FACE50850}" dt="2020-04-21T23:30:04.094" v="301" actId="164"/>
+          <ac:grpSpMkLst>
+            <pc:docMk/>
+            <pc:sldMk cId="1093288604" sldId="262"/>
+            <ac:grpSpMk id="85" creationId="{04E2F4FA-B611-4629-986B-1A7B3D15103E}"/>
+          </ac:grpSpMkLst>
+        </pc:grpChg>
+        <pc:grpChg chg="add del mod ord">
+          <ac:chgData name="Ryan Taylor" userId="d8e9bb2a620fd165" providerId="LiveId" clId="{75F59A67-119A-47EF-BF0A-974FACE50850}" dt="2020-04-21T23:46:24.214" v="464" actId="478"/>
+          <ac:grpSpMkLst>
+            <pc:docMk/>
+            <pc:sldMk cId="1093288604" sldId="262"/>
+            <ac:grpSpMk id="91" creationId="{A6782A9C-9AFC-4192-A8D8-CDD6218FA300}"/>
+          </ac:grpSpMkLst>
+        </pc:grpChg>
+        <pc:grpChg chg="add mod">
+          <ac:chgData name="Ryan Taylor" userId="d8e9bb2a620fd165" providerId="LiveId" clId="{75F59A67-119A-47EF-BF0A-974FACE50850}" dt="2020-04-22T00:41:42.640" v="1146" actId="164"/>
+          <ac:grpSpMkLst>
+            <pc:docMk/>
+            <pc:sldMk cId="1093288604" sldId="262"/>
+            <ac:grpSpMk id="178" creationId="{F939BF0F-EC5A-4A50-B6E8-0021DE6993FF}"/>
+          </ac:grpSpMkLst>
+        </pc:grpChg>
+        <pc:grpChg chg="add del mod">
+          <ac:chgData name="Ryan Taylor" userId="d8e9bb2a620fd165" providerId="LiveId" clId="{75F59A67-119A-47EF-BF0A-974FACE50850}" dt="2020-04-21T23:52:20.744" v="553" actId="164"/>
+          <ac:grpSpMkLst>
+            <pc:docMk/>
+            <pc:sldMk cId="1093288604" sldId="262"/>
+            <ac:grpSpMk id="181" creationId="{16A8B887-724A-484E-B2DD-BC62FF536481}"/>
+          </ac:grpSpMkLst>
+        </pc:grpChg>
+        <pc:grpChg chg="add mod">
+          <ac:chgData name="Ryan Taylor" userId="d8e9bb2a620fd165" providerId="LiveId" clId="{75F59A67-119A-47EF-BF0A-974FACE50850}" dt="2020-04-22T00:41:42.640" v="1146" actId="164"/>
+          <ac:grpSpMkLst>
+            <pc:docMk/>
+            <pc:sldMk cId="1093288604" sldId="262"/>
+            <ac:grpSpMk id="239" creationId="{4722D507-A058-4BC0-AA64-84446789F389}"/>
+          </ac:grpSpMkLst>
+        </pc:grpChg>
+        <pc:grpChg chg="add mod">
+          <ac:chgData name="Ryan Taylor" userId="d8e9bb2a620fd165" providerId="LiveId" clId="{75F59A67-119A-47EF-BF0A-974FACE50850}" dt="2020-04-22T00:41:42.640" v="1146" actId="164"/>
+          <ac:grpSpMkLst>
+            <pc:docMk/>
+            <pc:sldMk cId="1093288604" sldId="262"/>
+            <ac:grpSpMk id="290" creationId="{C5CA1517-52D6-4997-AFAC-662B0D663AA8}"/>
+          </ac:grpSpMkLst>
+        </pc:grpChg>
+        <pc:grpChg chg="add mod">
+          <ac:chgData name="Ryan Taylor" userId="d8e9bb2a620fd165" providerId="LiveId" clId="{75F59A67-119A-47EF-BF0A-974FACE50850}" dt="2020-04-22T00:41:42.640" v="1146" actId="164"/>
+          <ac:grpSpMkLst>
+            <pc:docMk/>
+            <pc:sldMk cId="1093288604" sldId="262"/>
+            <ac:grpSpMk id="326" creationId="{BBB4EC8E-4261-4314-9E8D-216E059394C5}"/>
+          </ac:grpSpMkLst>
+        </pc:grpChg>
+        <pc:grpChg chg="add mod">
+          <ac:chgData name="Ryan Taylor" userId="d8e9bb2a620fd165" providerId="LiveId" clId="{75F59A67-119A-47EF-BF0A-974FACE50850}" dt="2020-04-22T00:41:42.640" v="1146" actId="164"/>
+          <ac:grpSpMkLst>
+            <pc:docMk/>
+            <pc:sldMk cId="1093288604" sldId="262"/>
+            <ac:grpSpMk id="343" creationId="{04B77F7F-021E-43E6-8256-1DB4619824A7}"/>
+          </ac:grpSpMkLst>
+        </pc:grpChg>
+        <pc:grpChg chg="add mod ord">
+          <ac:chgData name="Ryan Taylor" userId="d8e9bb2a620fd165" providerId="LiveId" clId="{75F59A67-119A-47EF-BF0A-974FACE50850}" dt="2020-04-22T00:41:42.640" v="1146" actId="164"/>
+          <ac:grpSpMkLst>
+            <pc:docMk/>
+            <pc:sldMk cId="1093288604" sldId="262"/>
+            <ac:grpSpMk id="344" creationId="{076CD16C-7C87-4479-B521-B675A0F65102}"/>
+          </ac:grpSpMkLst>
+        </pc:grpChg>
+        <pc:grpChg chg="add mod">
+          <ac:chgData name="Ryan Taylor" userId="d8e9bb2a620fd165" providerId="LiveId" clId="{75F59A67-119A-47EF-BF0A-974FACE50850}" dt="2020-04-22T00:41:42.640" v="1146" actId="164"/>
+          <ac:grpSpMkLst>
+            <pc:docMk/>
+            <pc:sldMk cId="1093288604" sldId="262"/>
+            <ac:grpSpMk id="379" creationId="{F3479614-73CD-4306-8CB2-B3EA09F6E0B1}"/>
+          </ac:grpSpMkLst>
+        </pc:grpChg>
+        <pc:cxnChg chg="add del mod">
+          <ac:chgData name="Ryan Taylor" userId="d8e9bb2a620fd165" providerId="LiveId" clId="{75F59A67-119A-47EF-BF0A-974FACE50850}" dt="2020-04-21T22:53:59.319" v="39" actId="478"/>
+          <ac:cxnSpMkLst>
+            <pc:docMk/>
+            <pc:sldMk cId="1093288604" sldId="262"/>
+            <ac:cxnSpMk id="9" creationId="{D8740D8E-BDDB-4405-9658-A454FA96EF3A}"/>
+          </ac:cxnSpMkLst>
+        </pc:cxnChg>
+        <pc:cxnChg chg="add del mod">
+          <ac:chgData name="Ryan Taylor" userId="d8e9bb2a620fd165" providerId="LiveId" clId="{75F59A67-119A-47EF-BF0A-974FACE50850}" dt="2020-04-21T22:54:00.559" v="40" actId="478"/>
+          <ac:cxnSpMkLst>
+            <pc:docMk/>
+            <pc:sldMk cId="1093288604" sldId="262"/>
+            <ac:cxnSpMk id="10" creationId="{E0A67F62-345C-41E7-8B79-FC56D0DACB83}"/>
+          </ac:cxnSpMkLst>
+        </pc:cxnChg>
+        <pc:cxnChg chg="add del">
+          <ac:chgData name="Ryan Taylor" userId="d8e9bb2a620fd165" providerId="LiveId" clId="{75F59A67-119A-47EF-BF0A-974FACE50850}" dt="2020-04-21T22:53:18.616" v="3" actId="478"/>
+          <ac:cxnSpMkLst>
+            <pc:docMk/>
+            <pc:sldMk cId="1093288604" sldId="262"/>
+            <ac:cxnSpMk id="14" creationId="{DC9E8553-AC6B-40F6-9F3E-BC23DD557631}"/>
+          </ac:cxnSpMkLst>
+        </pc:cxnChg>
+        <pc:cxnChg chg="add del">
+          <ac:chgData name="Ryan Taylor" userId="d8e9bb2a620fd165" providerId="LiveId" clId="{75F59A67-119A-47EF-BF0A-974FACE50850}" dt="2020-04-21T22:53:16.073" v="2" actId="478"/>
+          <ac:cxnSpMkLst>
+            <pc:docMk/>
+            <pc:sldMk cId="1093288604" sldId="262"/>
+            <ac:cxnSpMk id="17" creationId="{4AD64F5B-E2CB-4FAD-88DA-6576D42B3A6F}"/>
+          </ac:cxnSpMkLst>
+        </pc:cxnChg>
+        <pc:cxnChg chg="add del mod">
+          <ac:chgData name="Ryan Taylor" userId="d8e9bb2a620fd165" providerId="LiveId" clId="{75F59A67-119A-47EF-BF0A-974FACE50850}" dt="2020-04-21T22:53:16.073" v="2" actId="478"/>
+          <ac:cxnSpMkLst>
+            <pc:docMk/>
+            <pc:sldMk cId="1093288604" sldId="262"/>
+            <ac:cxnSpMk id="18" creationId="{4B5D7328-82E5-4F9F-9783-38A07946E2C8}"/>
+          </ac:cxnSpMkLst>
+        </pc:cxnChg>
+        <pc:cxnChg chg="add del mod">
+          <ac:chgData name="Ryan Taylor" userId="d8e9bb2a620fd165" providerId="LiveId" clId="{75F59A67-119A-47EF-BF0A-974FACE50850}" dt="2020-04-21T22:53:57.162" v="38" actId="478"/>
+          <ac:cxnSpMkLst>
+            <pc:docMk/>
+            <pc:sldMk cId="1093288604" sldId="262"/>
+            <ac:cxnSpMk id="21" creationId="{AA4F74E9-815C-4459-8BFE-5C8D74ADDB32}"/>
+          </ac:cxnSpMkLst>
+        </pc:cxnChg>
+        <pc:cxnChg chg="add del mod">
+          <ac:chgData name="Ryan Taylor" userId="d8e9bb2a620fd165" providerId="LiveId" clId="{75F59A67-119A-47EF-BF0A-974FACE50850}" dt="2020-04-21T22:53:16.073" v="2" actId="478"/>
+          <ac:cxnSpMkLst>
+            <pc:docMk/>
+            <pc:sldMk cId="1093288604" sldId="262"/>
+            <ac:cxnSpMk id="23" creationId="{75DFA111-E9BD-4AAA-BA77-7B3ACDE324A8}"/>
+          </ac:cxnSpMkLst>
+        </pc:cxnChg>
+        <pc:cxnChg chg="add del mod">
+          <ac:chgData name="Ryan Taylor" userId="d8e9bb2a620fd165" providerId="LiveId" clId="{75F59A67-119A-47EF-BF0A-974FACE50850}" dt="2020-04-21T22:53:16.073" v="2" actId="478"/>
+          <ac:cxnSpMkLst>
+            <pc:docMk/>
+            <pc:sldMk cId="1093288604" sldId="262"/>
+            <ac:cxnSpMk id="24" creationId="{829ECDB2-BDE1-43D0-9C45-9C9A8C17847E}"/>
+          </ac:cxnSpMkLst>
+        </pc:cxnChg>
+        <pc:cxnChg chg="add del mod">
+          <ac:chgData name="Ryan Taylor" userId="d8e9bb2a620fd165" providerId="LiveId" clId="{75F59A67-119A-47EF-BF0A-974FACE50850}" dt="2020-04-21T22:53:16.073" v="2" actId="478"/>
+          <ac:cxnSpMkLst>
+            <pc:docMk/>
+            <pc:sldMk cId="1093288604" sldId="262"/>
+            <ac:cxnSpMk id="25" creationId="{F7C334AE-4913-4141-BE14-99CC4F318812}"/>
+          </ac:cxnSpMkLst>
+        </pc:cxnChg>
+        <pc:cxnChg chg="add del mod">
+          <ac:chgData name="Ryan Taylor" userId="d8e9bb2a620fd165" providerId="LiveId" clId="{75F59A67-119A-47EF-BF0A-974FACE50850}" dt="2020-04-21T22:53:16.073" v="2" actId="478"/>
+          <ac:cxnSpMkLst>
+            <pc:docMk/>
+            <pc:sldMk cId="1093288604" sldId="262"/>
+            <ac:cxnSpMk id="27" creationId="{3709B599-9B34-4787-9C9A-901EB9561A99}"/>
+          </ac:cxnSpMkLst>
+        </pc:cxnChg>
+        <pc:cxnChg chg="add del mod">
+          <ac:chgData name="Ryan Taylor" userId="d8e9bb2a620fd165" providerId="LiveId" clId="{75F59A67-119A-47EF-BF0A-974FACE50850}" dt="2020-04-21T22:53:16.073" v="2" actId="478"/>
+          <ac:cxnSpMkLst>
+            <pc:docMk/>
+            <pc:sldMk cId="1093288604" sldId="262"/>
+            <ac:cxnSpMk id="29" creationId="{1DCDFC22-099E-4185-AB3E-7AFE6B570858}"/>
+          </ac:cxnSpMkLst>
+        </pc:cxnChg>
+        <pc:cxnChg chg="add del mod">
+          <ac:chgData name="Ryan Taylor" userId="d8e9bb2a620fd165" providerId="LiveId" clId="{75F59A67-119A-47EF-BF0A-974FACE50850}" dt="2020-04-21T22:53:16.073" v="2" actId="478"/>
+          <ac:cxnSpMkLst>
+            <pc:docMk/>
+            <pc:sldMk cId="1093288604" sldId="262"/>
+            <ac:cxnSpMk id="30" creationId="{7F180D29-F213-496C-8475-9A68E1F0737F}"/>
+          </ac:cxnSpMkLst>
+        </pc:cxnChg>
+        <pc:cxnChg chg="add del mod">
+          <ac:chgData name="Ryan Taylor" userId="d8e9bb2a620fd165" providerId="LiveId" clId="{75F59A67-119A-47EF-BF0A-974FACE50850}" dt="2020-04-21T23:03:20.650" v="229" actId="21"/>
+          <ac:cxnSpMkLst>
+            <pc:docMk/>
+            <pc:sldMk cId="1093288604" sldId="262"/>
+            <ac:cxnSpMk id="35" creationId="{7E192406-226E-451B-AF42-FBD3C97D9FF5}"/>
+          </ac:cxnSpMkLst>
+        </pc:cxnChg>
+        <pc:cxnChg chg="add del mod">
+          <ac:chgData name="Ryan Taylor" userId="d8e9bb2a620fd165" providerId="LiveId" clId="{75F59A67-119A-47EF-BF0A-974FACE50850}" dt="2020-04-21T23:03:20.650" v="229" actId="21"/>
+          <ac:cxnSpMkLst>
+            <pc:docMk/>
+            <pc:sldMk cId="1093288604" sldId="262"/>
+            <ac:cxnSpMk id="39" creationId="{DB614598-6FD3-400E-860A-7EE85B1DBCCD}"/>
+          </ac:cxnSpMkLst>
+        </pc:cxnChg>
+        <pc:cxnChg chg="add del mod">
+          <ac:chgData name="Ryan Taylor" userId="d8e9bb2a620fd165" providerId="LiveId" clId="{75F59A67-119A-47EF-BF0A-974FACE50850}" dt="2020-04-21T23:03:20.650" v="229" actId="21"/>
+          <ac:cxnSpMkLst>
+            <pc:docMk/>
+            <pc:sldMk cId="1093288604" sldId="262"/>
+            <ac:cxnSpMk id="40" creationId="{7F15C5DA-6ECB-45FB-9470-661FE71227FC}"/>
+          </ac:cxnSpMkLst>
+        </pc:cxnChg>
+        <pc:cxnChg chg="add mod ord">
+          <ac:chgData name="Ryan Taylor" userId="d8e9bb2a620fd165" providerId="LiveId" clId="{75F59A67-119A-47EF-BF0A-974FACE50850}" dt="2020-04-22T00:41:42.640" v="1146" actId="164"/>
+          <ac:cxnSpMkLst>
+            <pc:docMk/>
+            <pc:sldMk cId="1093288604" sldId="262"/>
+            <ac:cxnSpMk id="49" creationId="{6EFB05B8-9226-4010-807D-8B42EB2B2ADA}"/>
+          </ac:cxnSpMkLst>
+        </pc:cxnChg>
+        <pc:cxnChg chg="add del mod">
+          <ac:chgData name="Ryan Taylor" userId="d8e9bb2a620fd165" providerId="LiveId" clId="{75F59A67-119A-47EF-BF0A-974FACE50850}" dt="2020-04-22T00:18:11.828" v="852" actId="478"/>
+          <ac:cxnSpMkLst>
+            <pc:docMk/>
+            <pc:sldMk cId="1093288604" sldId="262"/>
+            <ac:cxnSpMk id="50" creationId="{968927A9-AB36-4AB5-A9AF-480AE749D4A3}"/>
+          </ac:cxnSpMkLst>
+        </pc:cxnChg>
+        <pc:cxnChg chg="add del mod">
+          <ac:chgData name="Ryan Taylor" userId="d8e9bb2a620fd165" providerId="LiveId" clId="{75F59A67-119A-47EF-BF0A-974FACE50850}" dt="2020-04-22T00:18:51.058" v="867" actId="478"/>
+          <ac:cxnSpMkLst>
+            <pc:docMk/>
+            <pc:sldMk cId="1093288604" sldId="262"/>
+            <ac:cxnSpMk id="51" creationId="{56EE7E7B-02D0-457D-9178-656DC0E6A4A4}"/>
+          </ac:cxnSpMkLst>
+        </pc:cxnChg>
+        <pc:cxnChg chg="add mod">
+          <ac:chgData name="Ryan Taylor" userId="d8e9bb2a620fd165" providerId="LiveId" clId="{75F59A67-119A-47EF-BF0A-974FACE50850}" dt="2020-04-22T00:33:00.929" v="1049" actId="208"/>
+          <ac:cxnSpMkLst>
+            <pc:docMk/>
+            <pc:sldMk cId="1093288604" sldId="262"/>
+            <ac:cxnSpMk id="62" creationId="{932F8DF8-1A69-4680-ADD8-D859B50D5041}"/>
+          </ac:cxnSpMkLst>
+        </pc:cxnChg>
+        <pc:cxnChg chg="add del mod">
+          <ac:chgData name="Ryan Taylor" userId="d8e9bb2a620fd165" providerId="LiveId" clId="{75F59A67-119A-47EF-BF0A-974FACE50850}" dt="2020-04-21T23:33:49.174" v="341" actId="478"/>
+          <ac:cxnSpMkLst>
+            <pc:docMk/>
+            <pc:sldMk cId="1093288604" sldId="262"/>
+            <ac:cxnSpMk id="64" creationId="{DEAA648E-5B61-40D3-9249-2B682E9C50BB}"/>
+          </ac:cxnSpMkLst>
+        </pc:cxnChg>
+        <pc:cxnChg chg="add del mod">
+          <ac:chgData name="Ryan Taylor" userId="d8e9bb2a620fd165" providerId="LiveId" clId="{75F59A67-119A-47EF-BF0A-974FACE50850}" dt="2020-04-21T23:43:34.068" v="410" actId="478"/>
+          <ac:cxnSpMkLst>
+            <pc:docMk/>
+            <pc:sldMk cId="1093288604" sldId="262"/>
+            <ac:cxnSpMk id="67" creationId="{C398CF15-DDCC-4C32-828B-9939A21A9D4F}"/>
+          </ac:cxnSpMkLst>
+        </pc:cxnChg>
+        <pc:cxnChg chg="add del mod">
+          <ac:chgData name="Ryan Taylor" userId="d8e9bb2a620fd165" providerId="LiveId" clId="{75F59A67-119A-47EF-BF0A-974FACE50850}" dt="2020-04-21T23:44:32.126" v="434" actId="478"/>
+          <ac:cxnSpMkLst>
+            <pc:docMk/>
+            <pc:sldMk cId="1093288604" sldId="262"/>
+            <ac:cxnSpMk id="69" creationId="{806AA83C-994D-4D29-8394-D0D4F87E05E4}"/>
+          </ac:cxnSpMkLst>
+        </pc:cxnChg>
+        <pc:cxnChg chg="add del mod">
+          <ac:chgData name="Ryan Taylor" userId="d8e9bb2a620fd165" providerId="LiveId" clId="{75F59A67-119A-47EF-BF0A-974FACE50850}" dt="2020-04-21T23:45:23.233" v="447" actId="478"/>
+          <ac:cxnSpMkLst>
+            <pc:docMk/>
+            <pc:sldMk cId="1093288604" sldId="262"/>
+            <ac:cxnSpMk id="74" creationId="{5E9C9536-7212-4EA6-9A64-76D8EC947E92}"/>
+          </ac:cxnSpMkLst>
+        </pc:cxnChg>
+        <pc:cxnChg chg="add del">
+          <ac:chgData name="Ryan Taylor" userId="d8e9bb2a620fd165" providerId="LiveId" clId="{75F59A67-119A-47EF-BF0A-974FACE50850}" dt="2020-04-21T23:27:02.451" v="287"/>
+          <ac:cxnSpMkLst>
+            <pc:docMk/>
+            <pc:sldMk cId="1093288604" sldId="262"/>
+            <ac:cxnSpMk id="76" creationId="{AEA900BD-7FCE-416F-B87E-58CBD5E6E488}"/>
+          </ac:cxnSpMkLst>
+        </pc:cxnChg>
+        <pc:cxnChg chg="add del">
+          <ac:chgData name="Ryan Taylor" userId="d8e9bb2a620fd165" providerId="LiveId" clId="{75F59A67-119A-47EF-BF0A-974FACE50850}" dt="2020-04-21T23:27:02.451" v="287"/>
+          <ac:cxnSpMkLst>
+            <pc:docMk/>
+            <pc:sldMk cId="1093288604" sldId="262"/>
+            <ac:cxnSpMk id="77" creationId="{F5543588-91EA-45FE-BFD3-53EE3870DB2B}"/>
+          </ac:cxnSpMkLst>
+        </pc:cxnChg>
+        <pc:cxnChg chg="add del">
+          <ac:chgData name="Ryan Taylor" userId="d8e9bb2a620fd165" providerId="LiveId" clId="{75F59A67-119A-47EF-BF0A-974FACE50850}" dt="2020-04-21T23:27:02.451" v="287"/>
+          <ac:cxnSpMkLst>
+            <pc:docMk/>
+            <pc:sldMk cId="1093288604" sldId="262"/>
+            <ac:cxnSpMk id="78" creationId="{9A229C0F-9DF6-4363-8033-222DB38E7E25}"/>
+          </ac:cxnSpMkLst>
+        </pc:cxnChg>
+        <pc:cxnChg chg="add del">
+          <ac:chgData name="Ryan Taylor" userId="d8e9bb2a620fd165" providerId="LiveId" clId="{75F59A67-119A-47EF-BF0A-974FACE50850}" dt="2020-04-21T23:27:02.451" v="287"/>
+          <ac:cxnSpMkLst>
+            <pc:docMk/>
+            <pc:sldMk cId="1093288604" sldId="262"/>
+            <ac:cxnSpMk id="79" creationId="{EA84539F-C08A-4721-9A56-DEEE68A92618}"/>
+          </ac:cxnSpMkLst>
+        </pc:cxnChg>
+        <pc:cxnChg chg="add del">
+          <ac:chgData name="Ryan Taylor" userId="d8e9bb2a620fd165" providerId="LiveId" clId="{75F59A67-119A-47EF-BF0A-974FACE50850}" dt="2020-04-21T23:27:02.451" v="287"/>
+          <ac:cxnSpMkLst>
+            <pc:docMk/>
+            <pc:sldMk cId="1093288604" sldId="262"/>
+            <ac:cxnSpMk id="80" creationId="{ABF67A4A-D896-412C-885C-678DC0C71D4D}"/>
+          </ac:cxnSpMkLst>
+        </pc:cxnChg>
+        <pc:cxnChg chg="add del">
+          <ac:chgData name="Ryan Taylor" userId="d8e9bb2a620fd165" providerId="LiveId" clId="{75F59A67-119A-47EF-BF0A-974FACE50850}" dt="2020-04-21T23:27:02.451" v="287"/>
+          <ac:cxnSpMkLst>
+            <pc:docMk/>
+            <pc:sldMk cId="1093288604" sldId="262"/>
+            <ac:cxnSpMk id="81" creationId="{2D1E416E-DF18-4A77-A7D5-A605B16B2506}"/>
+          </ac:cxnSpMkLst>
+        </pc:cxnChg>
+        <pc:cxnChg chg="add mod">
+          <ac:chgData name="Ryan Taylor" userId="d8e9bb2a620fd165" providerId="LiveId" clId="{75F59A67-119A-47EF-BF0A-974FACE50850}" dt="2020-04-21T23:33:21.794" v="332" actId="14100"/>
+          <ac:cxnSpMkLst>
+            <pc:docMk/>
+            <pc:sldMk cId="1093288604" sldId="262"/>
+            <ac:cxnSpMk id="82" creationId="{1F845990-FEC1-457B-A0F7-FFD02F7E6AD3}"/>
+          </ac:cxnSpMkLst>
+        </pc:cxnChg>
+        <pc:cxnChg chg="add mod">
+          <ac:chgData name="Ryan Taylor" userId="d8e9bb2a620fd165" providerId="LiveId" clId="{75F59A67-119A-47EF-BF0A-974FACE50850}" dt="2020-04-21T23:31:58.588" v="319" actId="14100"/>
+          <ac:cxnSpMkLst>
+            <pc:docMk/>
+            <pc:sldMk cId="1093288604" sldId="262"/>
+            <ac:cxnSpMk id="83" creationId="{798123B2-2789-451B-B346-277992D94836}"/>
+          </ac:cxnSpMkLst>
+        </pc:cxnChg>
+        <pc:cxnChg chg="add mod">
+          <ac:chgData name="Ryan Taylor" userId="d8e9bb2a620fd165" providerId="LiveId" clId="{75F59A67-119A-47EF-BF0A-974FACE50850}" dt="2020-04-21T23:31:18.448" v="312" actId="14100"/>
+          <ac:cxnSpMkLst>
+            <pc:docMk/>
+            <pc:sldMk cId="1093288604" sldId="262"/>
+            <ac:cxnSpMk id="84" creationId="{ACC9F7DD-98F5-4EE0-9153-9E39BE1C74DB}"/>
+          </ac:cxnSpMkLst>
+        </pc:cxnChg>
+        <pc:cxnChg chg="add mod">
+          <ac:chgData name="Ryan Taylor" userId="d8e9bb2a620fd165" providerId="LiveId" clId="{75F59A67-119A-47EF-BF0A-974FACE50850}" dt="2020-04-21T23:30:52.591" v="309" actId="208"/>
+          <ac:cxnSpMkLst>
+            <pc:docMk/>
+            <pc:sldMk cId="1093288604" sldId="262"/>
+            <ac:cxnSpMk id="87" creationId="{0999224C-B2CD-4BDC-8721-B777E371E6CF}"/>
+          </ac:cxnSpMkLst>
+        </pc:cxnChg>
+        <pc:cxnChg chg="add del mod">
+          <ac:chgData name="Ryan Taylor" userId="d8e9bb2a620fd165" providerId="LiveId" clId="{75F59A67-119A-47EF-BF0A-974FACE50850}" dt="2020-04-21T23:46:25.543" v="465" actId="478"/>
+          <ac:cxnSpMkLst>
+            <pc:docMk/>
+            <pc:sldMk cId="1093288604" sldId="262"/>
+            <ac:cxnSpMk id="96" creationId="{9F8EFA5C-E422-4C07-AC93-2394D8504DAE}"/>
+          </ac:cxnSpMkLst>
+        </pc:cxnChg>
+        <pc:cxnChg chg="add del mod">
+          <ac:chgData name="Ryan Taylor" userId="d8e9bb2a620fd165" providerId="LiveId" clId="{75F59A67-119A-47EF-BF0A-974FACE50850}" dt="2020-04-21T23:42:01.712" v="384" actId="478"/>
+          <ac:cxnSpMkLst>
+            <pc:docMk/>
+            <pc:sldMk cId="1093288604" sldId="262"/>
+            <ac:cxnSpMk id="112" creationId="{D4A56C47-EC1A-42B5-AAF7-FAD7B98AE850}"/>
+          </ac:cxnSpMkLst>
+        </pc:cxnChg>
+        <pc:cxnChg chg="add del mod">
+          <ac:chgData name="Ryan Taylor" userId="d8e9bb2a620fd165" providerId="LiveId" clId="{75F59A67-119A-47EF-BF0A-974FACE50850}" dt="2020-04-21T23:43:35.358" v="411" actId="478"/>
+          <ac:cxnSpMkLst>
+            <pc:docMk/>
+            <pc:sldMk cId="1093288604" sldId="262"/>
+            <ac:cxnSpMk id="117" creationId="{C6BCDC01-E6E4-426D-B1BD-6C765E2CCAD4}"/>
+          </ac:cxnSpMkLst>
+        </pc:cxnChg>
+        <pc:cxnChg chg="add del mod">
+          <ac:chgData name="Ryan Taylor" userId="d8e9bb2a620fd165" providerId="LiveId" clId="{75F59A67-119A-47EF-BF0A-974FACE50850}" dt="2020-04-21T23:53:22.868" v="558" actId="478"/>
+          <ac:cxnSpMkLst>
+            <pc:docMk/>
+            <pc:sldMk cId="1093288604" sldId="262"/>
+            <ac:cxnSpMk id="118" creationId="{8637C64F-E416-4511-907A-9E776019DE30}"/>
+          </ac:cxnSpMkLst>
+        </pc:cxnChg>
+        <pc:cxnChg chg="add mod">
+          <ac:chgData name="Ryan Taylor" userId="d8e9bb2a620fd165" providerId="LiveId" clId="{75F59A67-119A-47EF-BF0A-974FACE50850}" dt="2020-04-22T00:33:00.929" v="1049" actId="208"/>
+          <ac:cxnSpMkLst>
+            <pc:docMk/>
+            <pc:sldMk cId="1093288604" sldId="262"/>
+            <ac:cxnSpMk id="126" creationId="{2E5454B3-E201-4C73-BA06-9B7605284273}"/>
+          </ac:cxnSpMkLst>
+        </pc:cxnChg>
+        <pc:cxnChg chg="add mod">
+          <ac:chgData name="Ryan Taylor" userId="d8e9bb2a620fd165" providerId="LiveId" clId="{75F59A67-119A-47EF-BF0A-974FACE50850}" dt="2020-04-22T00:33:00.929" v="1049" actId="208"/>
+          <ac:cxnSpMkLst>
+            <pc:docMk/>
+            <pc:sldMk cId="1093288604" sldId="262"/>
+            <ac:cxnSpMk id="129" creationId="{263F2301-109E-4C0E-8469-64D580E8944C}"/>
+          </ac:cxnSpMkLst>
+        </pc:cxnChg>
+        <pc:cxnChg chg="add mod">
+          <ac:chgData name="Ryan Taylor" userId="d8e9bb2a620fd165" providerId="LiveId" clId="{75F59A67-119A-47EF-BF0A-974FACE50850}" dt="2020-04-22T00:33:00.929" v="1049" actId="208"/>
+          <ac:cxnSpMkLst>
+            <pc:docMk/>
+            <pc:sldMk cId="1093288604" sldId="262"/>
+            <ac:cxnSpMk id="130" creationId="{F776F369-1881-4DB1-B1FF-EFB15889122E}"/>
+          </ac:cxnSpMkLst>
+        </pc:cxnChg>
+        <pc:cxnChg chg="add mod">
+          <ac:chgData name="Ryan Taylor" userId="d8e9bb2a620fd165" providerId="LiveId" clId="{75F59A67-119A-47EF-BF0A-974FACE50850}" dt="2020-04-22T00:33:00.929" v="1049" actId="208"/>
+          <ac:cxnSpMkLst>
+            <pc:docMk/>
+            <pc:sldMk cId="1093288604" sldId="262"/>
+            <ac:cxnSpMk id="138" creationId="{0EB60C85-003E-42C9-B5E3-14B3EE26FC4D}"/>
+          </ac:cxnSpMkLst>
+        </pc:cxnChg>
+        <pc:cxnChg chg="add mod">
+          <ac:chgData name="Ryan Taylor" userId="d8e9bb2a620fd165" providerId="LiveId" clId="{75F59A67-119A-47EF-BF0A-974FACE50850}" dt="2020-04-22T00:33:00.929" v="1049" actId="208"/>
+          <ac:cxnSpMkLst>
+            <pc:docMk/>
+            <pc:sldMk cId="1093288604" sldId="262"/>
+            <ac:cxnSpMk id="139" creationId="{AD40CA38-C71A-4751-A01C-35D88BCAA783}"/>
+          </ac:cxnSpMkLst>
+        </pc:cxnChg>
+        <pc:cxnChg chg="add del mod">
+          <ac:chgData name="Ryan Taylor" userId="d8e9bb2a620fd165" providerId="LiveId" clId="{75F59A67-119A-47EF-BF0A-974FACE50850}" dt="2020-04-22T00:33:00.929" v="1049" actId="208"/>
+          <ac:cxnSpMkLst>
+            <pc:docMk/>
+            <pc:sldMk cId="1093288604" sldId="262"/>
+            <ac:cxnSpMk id="143" creationId="{C02EADC2-E910-4CB3-8CA8-91A678BBC3FC}"/>
+          </ac:cxnSpMkLst>
+        </pc:cxnChg>
+        <pc:cxnChg chg="add mod">
+          <ac:chgData name="Ryan Taylor" userId="d8e9bb2a620fd165" providerId="LiveId" clId="{75F59A67-119A-47EF-BF0A-974FACE50850}" dt="2020-04-22T00:33:00.929" v="1049" actId="208"/>
+          <ac:cxnSpMkLst>
+            <pc:docMk/>
+            <pc:sldMk cId="1093288604" sldId="262"/>
+            <ac:cxnSpMk id="160" creationId="{52E2F4CF-1B76-4303-8D11-0F134B83AD6D}"/>
+          </ac:cxnSpMkLst>
+        </pc:cxnChg>
+        <pc:cxnChg chg="add del mod">
+          <ac:chgData name="Ryan Taylor" userId="d8e9bb2a620fd165" providerId="LiveId" clId="{75F59A67-119A-47EF-BF0A-974FACE50850}" dt="2020-04-21T23:45:58.248" v="456" actId="478"/>
+          <ac:cxnSpMkLst>
+            <pc:docMk/>
+            <pc:sldMk cId="1093288604" sldId="262"/>
+            <ac:cxnSpMk id="162" creationId="{457468AC-D5F2-4E26-9BB4-2593C1902B4C}"/>
+          </ac:cxnSpMkLst>
+        </pc:cxnChg>
+        <pc:cxnChg chg="add del mod">
+          <ac:chgData name="Ryan Taylor" userId="d8e9bb2a620fd165" providerId="LiveId" clId="{75F59A67-119A-47EF-BF0A-974FACE50850}" dt="2020-04-21T23:46:19.220" v="463" actId="478"/>
+          <ac:cxnSpMkLst>
+            <pc:docMk/>
+            <pc:sldMk cId="1093288604" sldId="262"/>
+            <ac:cxnSpMk id="168" creationId="{51E6C6BB-A4D0-4EA3-942A-DBE4D08D10D7}"/>
+          </ac:cxnSpMkLst>
+        </pc:cxnChg>
+        <pc:cxnChg chg="add del">
+          <ac:chgData name="Ryan Taylor" userId="d8e9bb2a620fd165" providerId="LiveId" clId="{75F59A67-119A-47EF-BF0A-974FACE50850}" dt="2020-04-21T23:46:30.898" v="467"/>
+          <ac:cxnSpMkLst>
+            <pc:docMk/>
+            <pc:sldMk cId="1093288604" sldId="262"/>
+            <ac:cxnSpMk id="171" creationId="{CA57C83C-62EB-46AF-8183-23F525C02F3E}"/>
+          </ac:cxnSpMkLst>
+        </pc:cxnChg>
+        <pc:cxnChg chg="add del">
+          <ac:chgData name="Ryan Taylor" userId="d8e9bb2a620fd165" providerId="LiveId" clId="{75F59A67-119A-47EF-BF0A-974FACE50850}" dt="2020-04-21T23:46:30.898" v="467"/>
+          <ac:cxnSpMkLst>
+            <pc:docMk/>
+            <pc:sldMk cId="1093288604" sldId="262"/>
+            <ac:cxnSpMk id="172" creationId="{B2B10B2E-010D-4367-8B3C-D1E03E1C8027}"/>
+          </ac:cxnSpMkLst>
+        </pc:cxnChg>
+        <pc:cxnChg chg="add del">
+          <ac:chgData name="Ryan Taylor" userId="d8e9bb2a620fd165" providerId="LiveId" clId="{75F59A67-119A-47EF-BF0A-974FACE50850}" dt="2020-04-21T23:46:30.898" v="467"/>
+          <ac:cxnSpMkLst>
+            <pc:docMk/>
+            <pc:sldMk cId="1093288604" sldId="262"/>
+            <ac:cxnSpMk id="173" creationId="{C102CAE1-89AC-405A-9B4A-87A5D4BCA7EE}"/>
+          </ac:cxnSpMkLst>
+        </pc:cxnChg>
+        <pc:cxnChg chg="add del">
+          <ac:chgData name="Ryan Taylor" userId="d8e9bb2a620fd165" providerId="LiveId" clId="{75F59A67-119A-47EF-BF0A-974FACE50850}" dt="2020-04-21T23:46:30.898" v="467"/>
+          <ac:cxnSpMkLst>
+            <pc:docMk/>
+            <pc:sldMk cId="1093288604" sldId="262"/>
+            <ac:cxnSpMk id="174" creationId="{FE9368DE-2FAA-4A5B-B8CC-355A0351857C}"/>
+          </ac:cxnSpMkLst>
+        </pc:cxnChg>
+        <pc:cxnChg chg="add del">
+          <ac:chgData name="Ryan Taylor" userId="d8e9bb2a620fd165" providerId="LiveId" clId="{75F59A67-119A-47EF-BF0A-974FACE50850}" dt="2020-04-21T23:46:30.898" v="467"/>
+          <ac:cxnSpMkLst>
+            <pc:docMk/>
+            <pc:sldMk cId="1093288604" sldId="262"/>
+            <ac:cxnSpMk id="175" creationId="{2E5B802A-C5F4-4AB2-8440-14DFA90DE200}"/>
+          </ac:cxnSpMkLst>
+        </pc:cxnChg>
+        <pc:cxnChg chg="add del">
+          <ac:chgData name="Ryan Taylor" userId="d8e9bb2a620fd165" providerId="LiveId" clId="{75F59A67-119A-47EF-BF0A-974FACE50850}" dt="2020-04-21T23:46:30.898" v="467"/>
+          <ac:cxnSpMkLst>
+            <pc:docMk/>
+            <pc:sldMk cId="1093288604" sldId="262"/>
+            <ac:cxnSpMk id="176" creationId="{2E17094B-8BA4-419F-B483-98C9F9987A1C}"/>
+          </ac:cxnSpMkLst>
+        </pc:cxnChg>
+        <pc:cxnChg chg="add del">
+          <ac:chgData name="Ryan Taylor" userId="d8e9bb2a620fd165" providerId="LiveId" clId="{75F59A67-119A-47EF-BF0A-974FACE50850}" dt="2020-04-21T23:46:30.898" v="467"/>
+          <ac:cxnSpMkLst>
+            <pc:docMk/>
+            <pc:sldMk cId="1093288604" sldId="262"/>
+            <ac:cxnSpMk id="177" creationId="{2D833D47-AC32-487F-B270-D46817F9F49F}"/>
+          </ac:cxnSpMkLst>
+        </pc:cxnChg>
+        <pc:cxnChg chg="del mod">
+          <ac:chgData name="Ryan Taylor" userId="d8e9bb2a620fd165" providerId="LiveId" clId="{75F59A67-119A-47EF-BF0A-974FACE50850}" dt="2020-04-21T23:48:19.834" v="492" actId="478"/>
+          <ac:cxnSpMkLst>
+            <pc:docMk/>
+            <pc:sldMk cId="1093288604" sldId="262"/>
+            <ac:cxnSpMk id="182" creationId="{7EA84E47-80BD-444A-8FAE-8C77F7E66C00}"/>
+          </ac:cxnSpMkLst>
+        </pc:cxnChg>
+        <pc:cxnChg chg="del mod">
+          <ac:chgData name="Ryan Taylor" userId="d8e9bb2a620fd165" providerId="LiveId" clId="{75F59A67-119A-47EF-BF0A-974FACE50850}" dt="2020-04-21T23:48:21.065" v="493" actId="478"/>
+          <ac:cxnSpMkLst>
+            <pc:docMk/>
+            <pc:sldMk cId="1093288604" sldId="262"/>
+            <ac:cxnSpMk id="183" creationId="{EB6E5CD2-02C1-4BA1-800B-B557B2D6F8C2}"/>
+          </ac:cxnSpMkLst>
+        </pc:cxnChg>
+        <pc:cxnChg chg="del mod">
+          <ac:chgData name="Ryan Taylor" userId="d8e9bb2a620fd165" providerId="LiveId" clId="{75F59A67-119A-47EF-BF0A-974FACE50850}" dt="2020-04-21T23:48:24.746" v="496" actId="478"/>
+          <ac:cxnSpMkLst>
+            <pc:docMk/>
+            <pc:sldMk cId="1093288604" sldId="262"/>
+            <ac:cxnSpMk id="184" creationId="{5203B677-E58A-476B-ACB4-AAD6BB231920}"/>
+          </ac:cxnSpMkLst>
+        </pc:cxnChg>
+        <pc:cxnChg chg="del mod">
+          <ac:chgData name="Ryan Taylor" userId="d8e9bb2a620fd165" providerId="LiveId" clId="{75F59A67-119A-47EF-BF0A-974FACE50850}" dt="2020-04-21T23:48:15.705" v="491" actId="478"/>
+          <ac:cxnSpMkLst>
+            <pc:docMk/>
+            <pc:sldMk cId="1093288604" sldId="262"/>
+            <ac:cxnSpMk id="185" creationId="{56B8DE69-A065-48FD-B112-78FB2B5767C7}"/>
+          </ac:cxnSpMkLst>
+        </pc:cxnChg>
+        <pc:cxnChg chg="mod">
+          <ac:chgData name="Ryan Taylor" userId="d8e9bb2a620fd165" providerId="LiveId" clId="{75F59A67-119A-47EF-BF0A-974FACE50850}" dt="2020-04-22T00:04:01.891" v="680" actId="208"/>
+          <ac:cxnSpMkLst>
+            <pc:docMk/>
+            <pc:sldMk cId="1093288604" sldId="262"/>
+            <ac:cxnSpMk id="186" creationId="{7AE2E12C-0E22-4D19-995B-0EA3C2044454}"/>
+          </ac:cxnSpMkLst>
+        </pc:cxnChg>
+        <pc:cxnChg chg="add del mod">
+          <ac:chgData name="Ryan Taylor" userId="d8e9bb2a620fd165" providerId="LiveId" clId="{75F59A67-119A-47EF-BF0A-974FACE50850}" dt="2020-04-22T00:07:39.190" v="773" actId="14100"/>
+          <ac:cxnSpMkLst>
+            <pc:docMk/>
+            <pc:sldMk cId="1093288604" sldId="262"/>
+            <ac:cxnSpMk id="187" creationId="{7994A936-3AA1-425C-A7D3-72809F63324D}"/>
+          </ac:cxnSpMkLst>
+        </pc:cxnChg>
+        <pc:cxnChg chg="mod">
+          <ac:chgData name="Ryan Taylor" userId="d8e9bb2a620fd165" providerId="LiveId" clId="{75F59A67-119A-47EF-BF0A-974FACE50850}" dt="2020-04-22T00:07:42.585" v="774" actId="14100"/>
+          <ac:cxnSpMkLst>
+            <pc:docMk/>
+            <pc:sldMk cId="1093288604" sldId="262"/>
+            <ac:cxnSpMk id="188" creationId="{37E82826-8DB9-4E61-B1DD-8C036A668F88}"/>
+          </ac:cxnSpMkLst>
+        </pc:cxnChg>
+        <pc:cxnChg chg="del mod">
+          <ac:chgData name="Ryan Taylor" userId="d8e9bb2a620fd165" providerId="LiveId" clId="{75F59A67-119A-47EF-BF0A-974FACE50850}" dt="2020-04-21T23:51:15.789" v="537" actId="478"/>
+          <ac:cxnSpMkLst>
+            <pc:docMk/>
+            <pc:sldMk cId="1093288604" sldId="262"/>
+            <ac:cxnSpMk id="189" creationId="{CE5CDB32-D2B6-48A2-9477-21357B648624}"/>
+          </ac:cxnSpMkLst>
+        </pc:cxnChg>
+        <pc:cxnChg chg="add mod">
+          <ac:chgData name="Ryan Taylor" userId="d8e9bb2a620fd165" providerId="LiveId" clId="{75F59A67-119A-47EF-BF0A-974FACE50850}" dt="2020-04-22T00:04:01.891" v="680" actId="208"/>
+          <ac:cxnSpMkLst>
+            <pc:docMk/>
+            <pc:sldMk cId="1093288604" sldId="262"/>
+            <ac:cxnSpMk id="228" creationId="{BAAEB2A3-F962-4ED5-8E76-4648F9F70295}"/>
+          </ac:cxnSpMkLst>
+        </pc:cxnChg>
+        <pc:cxnChg chg="add del mod">
+          <ac:chgData name="Ryan Taylor" userId="d8e9bb2a620fd165" providerId="LiveId" clId="{75F59A67-119A-47EF-BF0A-974FACE50850}" dt="2020-04-21T23:51:34.734" v="543" actId="478"/>
+          <ac:cxnSpMkLst>
+            <pc:docMk/>
+            <pc:sldMk cId="1093288604" sldId="262"/>
+            <ac:cxnSpMk id="230" creationId="{17380AD0-3608-4089-B74E-016B93433A5C}"/>
+          </ac:cxnSpMkLst>
+        </pc:cxnChg>
+        <pc:cxnChg chg="add mod">
+          <ac:chgData name="Ryan Taylor" userId="d8e9bb2a620fd165" providerId="LiveId" clId="{75F59A67-119A-47EF-BF0A-974FACE50850}" dt="2020-04-22T00:04:01.891" v="680" actId="208"/>
+          <ac:cxnSpMkLst>
+            <pc:docMk/>
+            <pc:sldMk cId="1093288604" sldId="262"/>
+            <ac:cxnSpMk id="236" creationId="{51448533-D4D4-46E9-B1E4-EA2AB6F59365}"/>
+          </ac:cxnSpMkLst>
+        </pc:cxnChg>
+        <pc:cxnChg chg="add mod">
+          <ac:chgData name="Ryan Taylor" userId="d8e9bb2a620fd165" providerId="LiveId" clId="{75F59A67-119A-47EF-BF0A-974FACE50850}" dt="2020-04-22T00:41:10.404" v="1139" actId="208"/>
+          <ac:cxnSpMkLst>
+            <pc:docMk/>
+            <pc:sldMk cId="1093288604" sldId="262"/>
+            <ac:cxnSpMk id="245" creationId="{F56642F6-F2ED-4F37-B20E-F9CBF56058BC}"/>
+          </ac:cxnSpMkLst>
+        </pc:cxnChg>
+        <pc:cxnChg chg="add mod">
+          <ac:chgData name="Ryan Taylor" userId="d8e9bb2a620fd165" providerId="LiveId" clId="{75F59A67-119A-47EF-BF0A-974FACE50850}" dt="2020-04-22T00:41:42.640" v="1146" actId="164"/>
+          <ac:cxnSpMkLst>
+            <pc:docMk/>
+            <pc:sldMk cId="1093288604" sldId="262"/>
+            <ac:cxnSpMk id="269" creationId="{F516FE2B-BD20-43AC-AF54-620DDF3BA21F}"/>
+          </ac:cxnSpMkLst>
+        </pc:cxnChg>
+        <pc:cxnChg chg="add mod">
+          <ac:chgData name="Ryan Taylor" userId="d8e9bb2a620fd165" providerId="LiveId" clId="{75F59A67-119A-47EF-BF0A-974FACE50850}" dt="2020-04-22T00:41:42.640" v="1146" actId="164"/>
+          <ac:cxnSpMkLst>
+            <pc:docMk/>
+            <pc:sldMk cId="1093288604" sldId="262"/>
+            <ac:cxnSpMk id="274" creationId="{CE650794-43F8-4420-8453-A06076DF474E}"/>
+          </ac:cxnSpMkLst>
+        </pc:cxnChg>
+        <pc:cxnChg chg="add mod">
+          <ac:chgData name="Ryan Taylor" userId="d8e9bb2a620fd165" providerId="LiveId" clId="{75F59A67-119A-47EF-BF0A-974FACE50850}" dt="2020-04-22T00:41:42.640" v="1146" actId="164"/>
+          <ac:cxnSpMkLst>
+            <pc:docMk/>
+            <pc:sldMk cId="1093288604" sldId="262"/>
+            <ac:cxnSpMk id="277" creationId="{6D379B1D-3FEB-4393-9C32-9C90CB50C25E}"/>
+          </ac:cxnSpMkLst>
+        </pc:cxnChg>
+        <pc:cxnChg chg="add mod">
+          <ac:chgData name="Ryan Taylor" userId="d8e9bb2a620fd165" providerId="LiveId" clId="{75F59A67-119A-47EF-BF0A-974FACE50850}" dt="2020-04-22T00:41:42.640" v="1146" actId="164"/>
+          <ac:cxnSpMkLst>
+            <pc:docMk/>
+            <pc:sldMk cId="1093288604" sldId="262"/>
+            <ac:cxnSpMk id="278" creationId="{B1EC21EE-D2C9-4244-9987-70882CB02D35}"/>
+          </ac:cxnSpMkLst>
+        </pc:cxnChg>
+        <pc:cxnChg chg="add del mod">
+          <ac:chgData name="Ryan Taylor" userId="d8e9bb2a620fd165" providerId="LiveId" clId="{75F59A67-119A-47EF-BF0A-974FACE50850}" dt="2020-04-22T00:18:43.925" v="863" actId="478"/>
+          <ac:cxnSpMkLst>
+            <pc:docMk/>
+            <pc:sldMk cId="1093288604" sldId="262"/>
+            <ac:cxnSpMk id="279" creationId="{137A3549-8E1F-4CCC-B9CE-E8F454A8AC52}"/>
+          </ac:cxnSpMkLst>
+        </pc:cxnChg>
+        <pc:cxnChg chg="add del mod">
+          <ac:chgData name="Ryan Taylor" userId="d8e9bb2a620fd165" providerId="LiveId" clId="{75F59A67-119A-47EF-BF0A-974FACE50850}" dt="2020-04-22T00:18:30.791" v="857" actId="478"/>
+          <ac:cxnSpMkLst>
+            <pc:docMk/>
+            <pc:sldMk cId="1093288604" sldId="262"/>
+            <ac:cxnSpMk id="280" creationId="{C8F337E1-13C8-4E4B-BD86-D327774FE083}"/>
+          </ac:cxnSpMkLst>
+        </pc:cxnChg>
+        <pc:cxnChg chg="add del">
+          <ac:chgData name="Ryan Taylor" userId="d8e9bb2a620fd165" providerId="LiveId" clId="{75F59A67-119A-47EF-BF0A-974FACE50850}" dt="2020-04-22T00:18:40.082" v="860" actId="478"/>
+          <ac:cxnSpMkLst>
+            <pc:docMk/>
+            <pc:sldMk cId="1093288604" sldId="262"/>
+            <ac:cxnSpMk id="281" creationId="{1EC2067D-15E1-4094-8F65-98D5C407E2DF}"/>
+          </ac:cxnSpMkLst>
+        </pc:cxnChg>
+        <pc:cxnChg chg="add del mod">
+          <ac:chgData name="Ryan Taylor" userId="d8e9bb2a620fd165" providerId="LiveId" clId="{75F59A67-119A-47EF-BF0A-974FACE50850}" dt="2020-04-22T00:20:10.903" v="884" actId="478"/>
+          <ac:cxnSpMkLst>
+            <pc:docMk/>
+            <pc:sldMk cId="1093288604" sldId="262"/>
+            <ac:cxnSpMk id="282" creationId="{47005E9F-A36F-412E-BC4B-D32F0D3C8887}"/>
+          </ac:cxnSpMkLst>
+        </pc:cxnChg>
+        <pc:cxnChg chg="add del mod">
+          <ac:chgData name="Ryan Taylor" userId="d8e9bb2a620fd165" providerId="LiveId" clId="{75F59A67-119A-47EF-BF0A-974FACE50850}" dt="2020-04-22T00:19:54.925" v="880" actId="478"/>
+          <ac:cxnSpMkLst>
+            <pc:docMk/>
+            <pc:sldMk cId="1093288604" sldId="262"/>
+            <ac:cxnSpMk id="283" creationId="{3A376EA0-275D-49F0-9F38-97803209F765}"/>
+          </ac:cxnSpMkLst>
+        </pc:cxnChg>
+        <pc:cxnChg chg="add mod">
+          <ac:chgData name="Ryan Taylor" userId="d8e9bb2a620fd165" providerId="LiveId" clId="{75F59A67-119A-47EF-BF0A-974FACE50850}" dt="2020-04-22T00:31:21.135" v="1038" actId="164"/>
+          <ac:cxnSpMkLst>
+            <pc:docMk/>
+            <pc:sldMk cId="1093288604" sldId="262"/>
+            <ac:cxnSpMk id="288" creationId="{BFD97516-9950-47A2-B073-74F760795BF7}"/>
+          </ac:cxnSpMkLst>
+        </pc:cxnChg>
+        <pc:cxnChg chg="add mod">
+          <ac:chgData name="Ryan Taylor" userId="d8e9bb2a620fd165" providerId="LiveId" clId="{75F59A67-119A-47EF-BF0A-974FACE50850}" dt="2020-04-22T00:41:42.640" v="1146" actId="164"/>
+          <ac:cxnSpMkLst>
+            <pc:docMk/>
+            <pc:sldMk cId="1093288604" sldId="262"/>
+            <ac:cxnSpMk id="289" creationId="{2192E00D-090C-42EA-9021-80F656259F6A}"/>
+          </ac:cxnSpMkLst>
+        </pc:cxnChg>
+        <pc:cxnChg chg="add del">
+          <ac:chgData name="Ryan Taylor" userId="d8e9bb2a620fd165" providerId="LiveId" clId="{75F59A67-119A-47EF-BF0A-974FACE50850}" dt="2020-04-22T00:32:05.077" v="1042" actId="478"/>
+          <ac:cxnSpMkLst>
+            <pc:docMk/>
+            <pc:sldMk cId="1093288604" sldId="262"/>
+            <ac:cxnSpMk id="328" creationId="{111D7305-111A-40B8-8BD8-DD0EEC0D7B20}"/>
+          </ac:cxnSpMkLst>
+        </pc:cxnChg>
+        <pc:cxnChg chg="add del mod">
+          <ac:chgData name="Ryan Taylor" userId="d8e9bb2a620fd165" providerId="LiveId" clId="{75F59A67-119A-47EF-BF0A-974FACE50850}" dt="2020-04-22T00:37:01.221" v="1098" actId="478"/>
+          <ac:cxnSpMkLst>
+            <pc:docMk/>
+            <pc:sldMk cId="1093288604" sldId="262"/>
+            <ac:cxnSpMk id="334" creationId="{17510409-87E6-4F16-9A4B-82DB0BB4A38B}"/>
+          </ac:cxnSpMkLst>
+        </pc:cxnChg>
+        <pc:cxnChg chg="add del mod">
+          <ac:chgData name="Ryan Taylor" userId="d8e9bb2a620fd165" providerId="LiveId" clId="{75F59A67-119A-47EF-BF0A-974FACE50850}" dt="2020-04-22T00:36:40.341" v="1093" actId="478"/>
+          <ac:cxnSpMkLst>
+            <pc:docMk/>
+            <pc:sldMk cId="1093288604" sldId="262"/>
+            <ac:cxnSpMk id="335" creationId="{49837C7C-2C42-4439-92AC-B4D09926DAB1}"/>
+          </ac:cxnSpMkLst>
+        </pc:cxnChg>
+        <pc:cxnChg chg="add del mod">
+          <ac:chgData name="Ryan Taylor" userId="d8e9bb2a620fd165" providerId="LiveId" clId="{75F59A67-119A-47EF-BF0A-974FACE50850}" dt="2020-04-22T00:38:23.917" v="1117" actId="478"/>
+          <ac:cxnSpMkLst>
+            <pc:docMk/>
+            <pc:sldMk cId="1093288604" sldId="262"/>
+            <ac:cxnSpMk id="336" creationId="{C238FD49-6E6B-4817-BF94-65C1C0BB6C25}"/>
+          </ac:cxnSpMkLst>
+        </pc:cxnChg>
+      </pc:sldChg>
+    </pc:docChg>
+  </pc:docChgLst>
+</pc:chgInfo>
 </file>
 
 <file path=ppt/slideLayouts/slideLayout1.xml><?xml version="1.0" encoding="utf-8"?>
@@ -259,7 +1494,7 @@
           <a:p>
             <a:fld id="{5F8A3AD5-B0D3-4CFC-B7F2-54C9D912026E}" type="datetimeFigureOut">
               <a:rPr lang="en-US" smtClean="0"/>
-              <a:t>4/16/2020</a:t>
+              <a:t>4/21/2020</a:t>
             </a:fld>
             <a:endParaRPr lang="en-US"/>
           </a:p>
@@ -457,7 +1692,7 @@
           <a:p>
             <a:fld id="{5F8A3AD5-B0D3-4CFC-B7F2-54C9D912026E}" type="datetimeFigureOut">
               <a:rPr lang="en-US" smtClean="0"/>
-              <a:t>4/16/2020</a:t>
+              <a:t>4/21/2020</a:t>
             </a:fld>
             <a:endParaRPr lang="en-US"/>
           </a:p>
@@ -665,7 +1900,7 @@
           <a:p>
             <a:fld id="{5F8A3AD5-B0D3-4CFC-B7F2-54C9D912026E}" type="datetimeFigureOut">
               <a:rPr lang="en-US" smtClean="0"/>
-              <a:t>4/16/2020</a:t>
+              <a:t>4/21/2020</a:t>
             </a:fld>
             <a:endParaRPr lang="en-US"/>
           </a:p>
@@ -863,7 +2098,7 @@
           <a:p>
             <a:fld id="{5F8A3AD5-B0D3-4CFC-B7F2-54C9D912026E}" type="datetimeFigureOut">
               <a:rPr lang="en-US" smtClean="0"/>
-              <a:t>4/16/2020</a:t>
+              <a:t>4/21/2020</a:t>
             </a:fld>
             <a:endParaRPr lang="en-US"/>
           </a:p>
@@ -1138,7 +2373,7 @@
           <a:p>
             <a:fld id="{5F8A3AD5-B0D3-4CFC-B7F2-54C9D912026E}" type="datetimeFigureOut">
               <a:rPr lang="en-US" smtClean="0"/>
-              <a:t>4/16/2020</a:t>
+              <a:t>4/21/2020</a:t>
             </a:fld>
             <a:endParaRPr lang="en-US"/>
           </a:p>
@@ -1403,7 +2638,7 @@
           <a:p>
             <a:fld id="{5F8A3AD5-B0D3-4CFC-B7F2-54C9D912026E}" type="datetimeFigureOut">
               <a:rPr lang="en-US" smtClean="0"/>
-              <a:t>4/16/2020</a:t>
+              <a:t>4/21/2020</a:t>
             </a:fld>
             <a:endParaRPr lang="en-US"/>
           </a:p>
@@ -1815,7 +3050,7 @@
           <a:p>
             <a:fld id="{5F8A3AD5-B0D3-4CFC-B7F2-54C9D912026E}" type="datetimeFigureOut">
               <a:rPr lang="en-US" smtClean="0"/>
-              <a:t>4/16/2020</a:t>
+              <a:t>4/21/2020</a:t>
             </a:fld>
             <a:endParaRPr lang="en-US"/>
           </a:p>
@@ -1956,7 +3191,7 @@
           <a:p>
             <a:fld id="{5F8A3AD5-B0D3-4CFC-B7F2-54C9D912026E}" type="datetimeFigureOut">
               <a:rPr lang="en-US" smtClean="0"/>
-              <a:t>4/16/2020</a:t>
+              <a:t>4/21/2020</a:t>
             </a:fld>
             <a:endParaRPr lang="en-US"/>
           </a:p>
@@ -2069,7 +3304,7 @@
           <a:p>
             <a:fld id="{5F8A3AD5-B0D3-4CFC-B7F2-54C9D912026E}" type="datetimeFigureOut">
               <a:rPr lang="en-US" smtClean="0"/>
-              <a:t>4/16/2020</a:t>
+              <a:t>4/21/2020</a:t>
             </a:fld>
             <a:endParaRPr lang="en-US"/>
           </a:p>
@@ -2380,7 +3615,7 @@
           <a:p>
             <a:fld id="{5F8A3AD5-B0D3-4CFC-B7F2-54C9D912026E}" type="datetimeFigureOut">
               <a:rPr lang="en-US" smtClean="0"/>
-              <a:t>4/16/2020</a:t>
+              <a:t>4/21/2020</a:t>
             </a:fld>
             <a:endParaRPr lang="en-US"/>
           </a:p>
@@ -2668,7 +3903,7 @@
           <a:p>
             <a:fld id="{5F8A3AD5-B0D3-4CFC-B7F2-54C9D912026E}" type="datetimeFigureOut">
               <a:rPr lang="en-US" smtClean="0"/>
-              <a:t>4/16/2020</a:t>
+              <a:t>4/21/2020</a:t>
             </a:fld>
             <a:endParaRPr lang="en-US"/>
           </a:p>
@@ -2909,7 +4144,7 @@
           <a:p>
             <a:fld id="{5F8A3AD5-B0D3-4CFC-B7F2-54C9D912026E}" type="datetimeFigureOut">
               <a:rPr lang="en-US" smtClean="0"/>
-              <a:t>4/16/2020</a:t>
+              <a:t>4/21/2020</a:t>
             </a:fld>
             <a:endParaRPr lang="en-US"/>
           </a:p>
@@ -6444,6 +7679,4121 @@
 </file>
 
 <file path=ppt/slides/slide2.xml><?xml version="1.0" encoding="utf-8"?>
+<p:sld xmlns:a="http://schemas.openxmlformats.org/drawingml/2006/main" xmlns:r="http://schemas.openxmlformats.org/officeDocument/2006/relationships" xmlns:p="http://schemas.openxmlformats.org/presentationml/2006/main">
+  <p:cSld>
+    <p:spTree>
+      <p:nvGrpSpPr>
+        <p:cNvPr id="1" name=""/>
+        <p:cNvGrpSpPr/>
+        <p:nvPr/>
+      </p:nvGrpSpPr>
+      <p:grpSpPr>
+        <a:xfrm>
+          <a:off x="0" y="0"/>
+          <a:ext cx="0" cy="0"/>
+          <a:chOff x="0" y="0"/>
+          <a:chExt cx="0" cy="0"/>
+        </a:xfrm>
+      </p:grpSpPr>
+      <p:grpSp>
+        <p:nvGrpSpPr>
+          <p:cNvPr id="379" name="Group 378">
+            <a:extLst>
+              <a:ext uri="{FF2B5EF4-FFF2-40B4-BE49-F238E27FC236}">
+                <a16:creationId xmlns:a16="http://schemas.microsoft.com/office/drawing/2014/main" id="{F3479614-73CD-4306-8CB2-B3EA09F6E0B1}"/>
+              </a:ext>
+            </a:extLst>
+          </p:cNvPr>
+          <p:cNvGrpSpPr/>
+          <p:nvPr/>
+        </p:nvGrpSpPr>
+        <p:grpSpPr>
+          <a:xfrm>
+            <a:off x="1465282" y="524659"/>
+            <a:ext cx="9494153" cy="5287835"/>
+            <a:chOff x="1465282" y="524659"/>
+            <a:chExt cx="9494153" cy="5287835"/>
+          </a:xfrm>
+        </p:grpSpPr>
+        <p:sp>
+          <p:nvSpPr>
+            <p:cNvPr id="347" name="Rectangle 346">
+              <a:extLst>
+                <a:ext uri="{FF2B5EF4-FFF2-40B4-BE49-F238E27FC236}">
+                  <a16:creationId xmlns:a16="http://schemas.microsoft.com/office/drawing/2014/main" id="{561E4806-37E3-42BB-B3B5-C456765777AC}"/>
+                </a:ext>
+              </a:extLst>
+            </p:cNvPr>
+            <p:cNvSpPr/>
+            <p:nvPr/>
+          </p:nvSpPr>
+          <p:spPr>
+            <a:xfrm>
+              <a:off x="3250066" y="4852227"/>
+              <a:ext cx="4132792" cy="960267"/>
+            </a:xfrm>
+            <a:prstGeom prst="rect">
+              <a:avLst/>
+            </a:prstGeom>
+            <a:solidFill>
+              <a:schemeClr val="accent6">
+                <a:lumMod val="60000"/>
+                <a:lumOff val="40000"/>
+                <a:alpha val="67059"/>
+              </a:schemeClr>
+            </a:solidFill>
+            <a:ln>
+              <a:noFill/>
+            </a:ln>
+          </p:spPr>
+          <p:style>
+            <a:lnRef idx="2">
+              <a:schemeClr val="accent1">
+                <a:shade val="50000"/>
+              </a:schemeClr>
+            </a:lnRef>
+            <a:fillRef idx="1">
+              <a:schemeClr val="accent1"/>
+            </a:fillRef>
+            <a:effectRef idx="0">
+              <a:schemeClr val="accent1"/>
+            </a:effectRef>
+            <a:fontRef idx="minor">
+              <a:schemeClr val="lt1"/>
+            </a:fontRef>
+          </p:style>
+          <p:txBody>
+            <a:bodyPr rtlCol="0" anchor="ctr"/>
+            <a:lstStyle/>
+            <a:p>
+              <a:pPr algn="ctr"/>
+              <a:endParaRPr lang="en-US" dirty="0"/>
+            </a:p>
+          </p:txBody>
+        </p:sp>
+        <p:grpSp>
+          <p:nvGrpSpPr>
+            <p:cNvPr id="344" name="Group 343">
+              <a:extLst>
+                <a:ext uri="{FF2B5EF4-FFF2-40B4-BE49-F238E27FC236}">
+                  <a16:creationId xmlns:a16="http://schemas.microsoft.com/office/drawing/2014/main" id="{076CD16C-7C87-4479-B521-B675A0F65102}"/>
+                </a:ext>
+              </a:extLst>
+            </p:cNvPr>
+            <p:cNvGrpSpPr/>
+            <p:nvPr/>
+          </p:nvGrpSpPr>
+          <p:grpSpPr>
+            <a:xfrm>
+              <a:off x="3253556" y="2940237"/>
+              <a:ext cx="5962650" cy="960267"/>
+              <a:chOff x="3262680" y="1018061"/>
+              <a:chExt cx="5962650" cy="960267"/>
+            </a:xfrm>
+          </p:grpSpPr>
+          <p:sp>
+            <p:nvSpPr>
+              <p:cNvPr id="345" name="Rectangle 344">
+                <a:extLst>
+                  <a:ext uri="{FF2B5EF4-FFF2-40B4-BE49-F238E27FC236}">
+                    <a16:creationId xmlns:a16="http://schemas.microsoft.com/office/drawing/2014/main" id="{3ED6F6C4-65DA-4048-B1CE-F78A9AF4437B}"/>
+                  </a:ext>
+                </a:extLst>
+              </p:cNvPr>
+              <p:cNvSpPr/>
+              <p:nvPr/>
+            </p:nvSpPr>
+            <p:spPr>
+              <a:xfrm>
+                <a:off x="3262680" y="1018061"/>
+                <a:ext cx="4132792" cy="960267"/>
+              </a:xfrm>
+              <a:prstGeom prst="rect">
+                <a:avLst/>
+              </a:prstGeom>
+              <a:solidFill>
+                <a:schemeClr val="accent6">
+                  <a:lumMod val="60000"/>
+                  <a:lumOff val="40000"/>
+                  <a:alpha val="67059"/>
+                </a:schemeClr>
+              </a:solidFill>
+              <a:ln>
+                <a:noFill/>
+              </a:ln>
+            </p:spPr>
+            <p:style>
+              <a:lnRef idx="2">
+                <a:schemeClr val="accent1">
+                  <a:shade val="50000"/>
+                </a:schemeClr>
+              </a:lnRef>
+              <a:fillRef idx="1">
+                <a:schemeClr val="accent1"/>
+              </a:fillRef>
+              <a:effectRef idx="0">
+                <a:schemeClr val="accent1"/>
+              </a:effectRef>
+              <a:fontRef idx="minor">
+                <a:schemeClr val="lt1"/>
+              </a:fontRef>
+            </p:style>
+            <p:txBody>
+              <a:bodyPr rtlCol="0" anchor="ctr"/>
+              <a:lstStyle/>
+              <a:p>
+                <a:pPr algn="ctr"/>
+                <a:endParaRPr lang="en-US" dirty="0"/>
+              </a:p>
+            </p:txBody>
+          </p:sp>
+          <p:sp>
+            <p:nvSpPr>
+              <p:cNvPr id="346" name="Rectangle 345">
+                <a:extLst>
+                  <a:ext uri="{FF2B5EF4-FFF2-40B4-BE49-F238E27FC236}">
+                    <a16:creationId xmlns:a16="http://schemas.microsoft.com/office/drawing/2014/main" id="{7D6BABC1-7379-4B97-894E-E34EE059D9AA}"/>
+                  </a:ext>
+                </a:extLst>
+              </p:cNvPr>
+              <p:cNvSpPr/>
+              <p:nvPr/>
+            </p:nvSpPr>
+            <p:spPr>
+              <a:xfrm>
+                <a:off x="6459905" y="1018061"/>
+                <a:ext cx="2765425" cy="948554"/>
+              </a:xfrm>
+              <a:prstGeom prst="rect">
+                <a:avLst/>
+              </a:prstGeom>
+              <a:solidFill>
+                <a:srgbClr val="7030A0">
+                  <a:alpha val="25882"/>
+                </a:srgbClr>
+              </a:solidFill>
+              <a:ln>
+                <a:noFill/>
+              </a:ln>
+            </p:spPr>
+            <p:style>
+              <a:lnRef idx="2">
+                <a:schemeClr val="accent1">
+                  <a:shade val="50000"/>
+                </a:schemeClr>
+              </a:lnRef>
+              <a:fillRef idx="1">
+                <a:schemeClr val="accent1"/>
+              </a:fillRef>
+              <a:effectRef idx="0">
+                <a:schemeClr val="accent1"/>
+              </a:effectRef>
+              <a:fontRef idx="minor">
+                <a:schemeClr val="lt1"/>
+              </a:fontRef>
+            </p:style>
+            <p:txBody>
+              <a:bodyPr rtlCol="0" anchor="ctr"/>
+              <a:lstStyle/>
+              <a:p>
+                <a:pPr algn="ctr"/>
+                <a:endParaRPr lang="en-US" dirty="0"/>
+              </a:p>
+            </p:txBody>
+          </p:sp>
+        </p:grpSp>
+        <p:sp>
+          <p:nvSpPr>
+            <p:cNvPr id="46" name="Subtitle 2">
+              <a:extLst>
+                <a:ext uri="{FF2B5EF4-FFF2-40B4-BE49-F238E27FC236}">
+                  <a16:creationId xmlns:a16="http://schemas.microsoft.com/office/drawing/2014/main" id="{4914C9AF-184B-4FDA-97B9-3F55C42C080B}"/>
+                </a:ext>
+              </a:extLst>
+            </p:cNvPr>
+            <p:cNvSpPr txBox="1">
+              <a:spLocks/>
+            </p:cNvSpPr>
+            <p:nvPr/>
+          </p:nvSpPr>
+          <p:spPr>
+            <a:xfrm rot="16200000">
+              <a:off x="1943364" y="644930"/>
+              <a:ext cx="928530" cy="1710107"/>
+            </a:xfrm>
+            <a:prstGeom prst="round2SameRect">
+              <a:avLst>
+                <a:gd name="adj1" fmla="val 35867"/>
+                <a:gd name="adj2" fmla="val 0"/>
+              </a:avLst>
+            </a:prstGeom>
+            <a:ln w="38100">
+              <a:solidFill>
+                <a:schemeClr val="tx1"/>
+              </a:solidFill>
+            </a:ln>
+          </p:spPr>
+          <p:txBody>
+            <a:bodyPr vert="vert" lIns="91440" tIns="45720" rIns="91440" bIns="45720" rtlCol="0" anchor="ctr">
+              <a:normAutofit/>
+            </a:bodyPr>
+            <a:lstStyle>
+              <a:lvl1pPr marL="0" indent="0" algn="ctr" defTabSz="914400" rtl="0" eaLnBrk="1" latinLnBrk="0" hangingPunct="1">
+                <a:lnSpc>
+                  <a:spcPct val="90000"/>
+                </a:lnSpc>
+                <a:spcBef>
+                  <a:spcPts val="1000"/>
+                </a:spcBef>
+                <a:buFont typeface="Arial" panose="020B0604020202020204" pitchFamily="34" charset="0"/>
+                <a:buNone/>
+                <a:defRPr sz="2400" kern="1200">
+                  <a:solidFill>
+                    <a:schemeClr val="tx1"/>
+                  </a:solidFill>
+                  <a:latin typeface="+mn-lt"/>
+                  <a:ea typeface="+mn-ea"/>
+                  <a:cs typeface="+mn-cs"/>
+                </a:defRPr>
+              </a:lvl1pPr>
+              <a:lvl2pPr marL="457200" indent="0" algn="ctr" defTabSz="914400" rtl="0" eaLnBrk="1" latinLnBrk="0" hangingPunct="1">
+                <a:lnSpc>
+                  <a:spcPct val="90000"/>
+                </a:lnSpc>
+                <a:spcBef>
+                  <a:spcPts val="500"/>
+                </a:spcBef>
+                <a:buFont typeface="Arial" panose="020B0604020202020204" pitchFamily="34" charset="0"/>
+                <a:buNone/>
+                <a:defRPr sz="2000" kern="1200">
+                  <a:solidFill>
+                    <a:schemeClr val="tx1"/>
+                  </a:solidFill>
+                  <a:latin typeface="+mn-lt"/>
+                  <a:ea typeface="+mn-ea"/>
+                  <a:cs typeface="+mn-cs"/>
+                </a:defRPr>
+              </a:lvl2pPr>
+              <a:lvl3pPr marL="914400" indent="0" algn="ctr" defTabSz="914400" rtl="0" eaLnBrk="1" latinLnBrk="0" hangingPunct="1">
+                <a:lnSpc>
+                  <a:spcPct val="90000"/>
+                </a:lnSpc>
+                <a:spcBef>
+                  <a:spcPts val="500"/>
+                </a:spcBef>
+                <a:buFont typeface="Arial" panose="020B0604020202020204" pitchFamily="34" charset="0"/>
+                <a:buNone/>
+                <a:defRPr sz="1800" kern="1200">
+                  <a:solidFill>
+                    <a:schemeClr val="tx1"/>
+                  </a:solidFill>
+                  <a:latin typeface="+mn-lt"/>
+                  <a:ea typeface="+mn-ea"/>
+                  <a:cs typeface="+mn-cs"/>
+                </a:defRPr>
+              </a:lvl3pPr>
+              <a:lvl4pPr marL="1371600" indent="0" algn="ctr" defTabSz="914400" rtl="0" eaLnBrk="1" latinLnBrk="0" hangingPunct="1">
+                <a:lnSpc>
+                  <a:spcPct val="90000"/>
+                </a:lnSpc>
+                <a:spcBef>
+                  <a:spcPts val="500"/>
+                </a:spcBef>
+                <a:buFont typeface="Arial" panose="020B0604020202020204" pitchFamily="34" charset="0"/>
+                <a:buNone/>
+                <a:defRPr sz="1600" kern="1200">
+                  <a:solidFill>
+                    <a:schemeClr val="tx1"/>
+                  </a:solidFill>
+                  <a:latin typeface="+mn-lt"/>
+                  <a:ea typeface="+mn-ea"/>
+                  <a:cs typeface="+mn-cs"/>
+                </a:defRPr>
+              </a:lvl4pPr>
+              <a:lvl5pPr marL="1828800" indent="0" algn="ctr" defTabSz="914400" rtl="0" eaLnBrk="1" latinLnBrk="0" hangingPunct="1">
+                <a:lnSpc>
+                  <a:spcPct val="90000"/>
+                </a:lnSpc>
+                <a:spcBef>
+                  <a:spcPts val="500"/>
+                </a:spcBef>
+                <a:buFont typeface="Arial" panose="020B0604020202020204" pitchFamily="34" charset="0"/>
+                <a:buNone/>
+                <a:defRPr sz="1600" kern="1200">
+                  <a:solidFill>
+                    <a:schemeClr val="tx1"/>
+                  </a:solidFill>
+                  <a:latin typeface="+mn-lt"/>
+                  <a:ea typeface="+mn-ea"/>
+                  <a:cs typeface="+mn-cs"/>
+                </a:defRPr>
+              </a:lvl5pPr>
+              <a:lvl6pPr marL="2286000" indent="0" algn="ctr" defTabSz="914400" rtl="0" eaLnBrk="1" latinLnBrk="0" hangingPunct="1">
+                <a:lnSpc>
+                  <a:spcPct val="90000"/>
+                </a:lnSpc>
+                <a:spcBef>
+                  <a:spcPts val="500"/>
+                </a:spcBef>
+                <a:buFont typeface="Arial" panose="020B0604020202020204" pitchFamily="34" charset="0"/>
+                <a:buNone/>
+                <a:defRPr sz="1600" kern="1200">
+                  <a:solidFill>
+                    <a:schemeClr val="tx1"/>
+                  </a:solidFill>
+                  <a:latin typeface="+mn-lt"/>
+                  <a:ea typeface="+mn-ea"/>
+                  <a:cs typeface="+mn-cs"/>
+                </a:defRPr>
+              </a:lvl6pPr>
+              <a:lvl7pPr marL="2743200" indent="0" algn="ctr" defTabSz="914400" rtl="0" eaLnBrk="1" latinLnBrk="0" hangingPunct="1">
+                <a:lnSpc>
+                  <a:spcPct val="90000"/>
+                </a:lnSpc>
+                <a:spcBef>
+                  <a:spcPts val="500"/>
+                </a:spcBef>
+                <a:buFont typeface="Arial" panose="020B0604020202020204" pitchFamily="34" charset="0"/>
+                <a:buNone/>
+                <a:defRPr sz="1600" kern="1200">
+                  <a:solidFill>
+                    <a:schemeClr val="tx1"/>
+                  </a:solidFill>
+                  <a:latin typeface="+mn-lt"/>
+                  <a:ea typeface="+mn-ea"/>
+                  <a:cs typeface="+mn-cs"/>
+                </a:defRPr>
+              </a:lvl7pPr>
+              <a:lvl8pPr marL="3200400" indent="0" algn="ctr" defTabSz="914400" rtl="0" eaLnBrk="1" latinLnBrk="0" hangingPunct="1">
+                <a:lnSpc>
+                  <a:spcPct val="90000"/>
+                </a:lnSpc>
+                <a:spcBef>
+                  <a:spcPts val="500"/>
+                </a:spcBef>
+                <a:buFont typeface="Arial" panose="020B0604020202020204" pitchFamily="34" charset="0"/>
+                <a:buNone/>
+                <a:defRPr sz="1600" kern="1200">
+                  <a:solidFill>
+                    <a:schemeClr val="tx1"/>
+                  </a:solidFill>
+                  <a:latin typeface="+mn-lt"/>
+                  <a:ea typeface="+mn-ea"/>
+                  <a:cs typeface="+mn-cs"/>
+                </a:defRPr>
+              </a:lvl8pPr>
+              <a:lvl9pPr marL="3657600" indent="0" algn="ctr" defTabSz="914400" rtl="0" eaLnBrk="1" latinLnBrk="0" hangingPunct="1">
+                <a:lnSpc>
+                  <a:spcPct val="90000"/>
+                </a:lnSpc>
+                <a:spcBef>
+                  <a:spcPts val="500"/>
+                </a:spcBef>
+                <a:buFont typeface="Arial" panose="020B0604020202020204" pitchFamily="34" charset="0"/>
+                <a:buNone/>
+                <a:defRPr sz="1600" kern="1200">
+                  <a:solidFill>
+                    <a:schemeClr val="tx1"/>
+                  </a:solidFill>
+                  <a:latin typeface="+mn-lt"/>
+                  <a:ea typeface="+mn-ea"/>
+                  <a:cs typeface="+mn-cs"/>
+                </a:defRPr>
+              </a:lvl9pPr>
+            </a:lstStyle>
+            <a:p>
+              <a:r>
+                <a:rPr lang="en-US" b="1" dirty="0"/>
+                <a:t>Timeseries</a:t>
+              </a:r>
+            </a:p>
+          </p:txBody>
+        </p:sp>
+        <p:sp>
+          <p:nvSpPr>
+            <p:cNvPr id="47" name="Subtitle 2">
+              <a:extLst>
+                <a:ext uri="{FF2B5EF4-FFF2-40B4-BE49-F238E27FC236}">
+                  <a16:creationId xmlns:a16="http://schemas.microsoft.com/office/drawing/2014/main" id="{91B6B08C-DE09-4DB0-8C58-00ECF927D768}"/>
+                </a:ext>
+              </a:extLst>
+            </p:cNvPr>
+            <p:cNvSpPr txBox="1">
+              <a:spLocks/>
+            </p:cNvSpPr>
+            <p:nvPr/>
+          </p:nvSpPr>
+          <p:spPr>
+            <a:xfrm>
+              <a:off x="1465282" y="2248614"/>
+              <a:ext cx="1877310" cy="414846"/>
+            </a:xfrm>
+            <a:prstGeom prst="roundRect">
+              <a:avLst/>
+            </a:prstGeom>
+            <a:ln w="28575">
+              <a:solidFill>
+                <a:schemeClr val="accent2"/>
+              </a:solidFill>
+            </a:ln>
+          </p:spPr>
+          <p:style>
+            <a:lnRef idx="2">
+              <a:schemeClr val="accent6"/>
+            </a:lnRef>
+            <a:fillRef idx="1">
+              <a:schemeClr val="lt1"/>
+            </a:fillRef>
+            <a:effectRef idx="0">
+              <a:schemeClr val="accent6"/>
+            </a:effectRef>
+            <a:fontRef idx="minor">
+              <a:schemeClr val="dk1"/>
+            </a:fontRef>
+          </p:style>
+          <p:txBody>
+            <a:bodyPr vert="horz" lIns="91440" tIns="45720" rIns="91440" bIns="45720" rtlCol="0" anchor="ctr">
+              <a:normAutofit fontScale="92500" lnSpcReduction="10000"/>
+            </a:bodyPr>
+            <a:lstStyle>
+              <a:lvl1pPr marL="0" indent="0" algn="ctr" defTabSz="914400" rtl="0" eaLnBrk="1" latinLnBrk="0" hangingPunct="1">
+                <a:lnSpc>
+                  <a:spcPct val="90000"/>
+                </a:lnSpc>
+                <a:spcBef>
+                  <a:spcPts val="1000"/>
+                </a:spcBef>
+                <a:buFont typeface="Arial" panose="020B0604020202020204" pitchFamily="34" charset="0"/>
+                <a:buNone/>
+                <a:defRPr sz="2400" kern="1200">
+                  <a:solidFill>
+                    <a:schemeClr val="tx1"/>
+                  </a:solidFill>
+                  <a:latin typeface="+mn-lt"/>
+                  <a:ea typeface="+mn-ea"/>
+                  <a:cs typeface="+mn-cs"/>
+                </a:defRPr>
+              </a:lvl1pPr>
+              <a:lvl2pPr marL="457200" indent="0" algn="ctr" defTabSz="914400" rtl="0" eaLnBrk="1" latinLnBrk="0" hangingPunct="1">
+                <a:lnSpc>
+                  <a:spcPct val="90000"/>
+                </a:lnSpc>
+                <a:spcBef>
+                  <a:spcPts val="500"/>
+                </a:spcBef>
+                <a:buFont typeface="Arial" panose="020B0604020202020204" pitchFamily="34" charset="0"/>
+                <a:buNone/>
+                <a:defRPr sz="2000" kern="1200">
+                  <a:solidFill>
+                    <a:schemeClr val="tx1"/>
+                  </a:solidFill>
+                  <a:latin typeface="+mn-lt"/>
+                  <a:ea typeface="+mn-ea"/>
+                  <a:cs typeface="+mn-cs"/>
+                </a:defRPr>
+              </a:lvl2pPr>
+              <a:lvl3pPr marL="914400" indent="0" algn="ctr" defTabSz="914400" rtl="0" eaLnBrk="1" latinLnBrk="0" hangingPunct="1">
+                <a:lnSpc>
+                  <a:spcPct val="90000"/>
+                </a:lnSpc>
+                <a:spcBef>
+                  <a:spcPts val="500"/>
+                </a:spcBef>
+                <a:buFont typeface="Arial" panose="020B0604020202020204" pitchFamily="34" charset="0"/>
+                <a:buNone/>
+                <a:defRPr sz="1800" kern="1200">
+                  <a:solidFill>
+                    <a:schemeClr val="tx1"/>
+                  </a:solidFill>
+                  <a:latin typeface="+mn-lt"/>
+                  <a:ea typeface="+mn-ea"/>
+                  <a:cs typeface="+mn-cs"/>
+                </a:defRPr>
+              </a:lvl3pPr>
+              <a:lvl4pPr marL="1371600" indent="0" algn="ctr" defTabSz="914400" rtl="0" eaLnBrk="1" latinLnBrk="0" hangingPunct="1">
+                <a:lnSpc>
+                  <a:spcPct val="90000"/>
+                </a:lnSpc>
+                <a:spcBef>
+                  <a:spcPts val="500"/>
+                </a:spcBef>
+                <a:buFont typeface="Arial" panose="020B0604020202020204" pitchFamily="34" charset="0"/>
+                <a:buNone/>
+                <a:defRPr sz="1600" kern="1200">
+                  <a:solidFill>
+                    <a:schemeClr val="tx1"/>
+                  </a:solidFill>
+                  <a:latin typeface="+mn-lt"/>
+                  <a:ea typeface="+mn-ea"/>
+                  <a:cs typeface="+mn-cs"/>
+                </a:defRPr>
+              </a:lvl4pPr>
+              <a:lvl5pPr marL="1828800" indent="0" algn="ctr" defTabSz="914400" rtl="0" eaLnBrk="1" latinLnBrk="0" hangingPunct="1">
+                <a:lnSpc>
+                  <a:spcPct val="90000"/>
+                </a:lnSpc>
+                <a:spcBef>
+                  <a:spcPts val="500"/>
+                </a:spcBef>
+                <a:buFont typeface="Arial" panose="020B0604020202020204" pitchFamily="34" charset="0"/>
+                <a:buNone/>
+                <a:defRPr sz="1600" kern="1200">
+                  <a:solidFill>
+                    <a:schemeClr val="tx1"/>
+                  </a:solidFill>
+                  <a:latin typeface="+mn-lt"/>
+                  <a:ea typeface="+mn-ea"/>
+                  <a:cs typeface="+mn-cs"/>
+                </a:defRPr>
+              </a:lvl5pPr>
+              <a:lvl6pPr marL="2286000" indent="0" algn="ctr" defTabSz="914400" rtl="0" eaLnBrk="1" latinLnBrk="0" hangingPunct="1">
+                <a:lnSpc>
+                  <a:spcPct val="90000"/>
+                </a:lnSpc>
+                <a:spcBef>
+                  <a:spcPts val="500"/>
+                </a:spcBef>
+                <a:buFont typeface="Arial" panose="020B0604020202020204" pitchFamily="34" charset="0"/>
+                <a:buNone/>
+                <a:defRPr sz="1600" kern="1200">
+                  <a:solidFill>
+                    <a:schemeClr val="tx1"/>
+                  </a:solidFill>
+                  <a:latin typeface="+mn-lt"/>
+                  <a:ea typeface="+mn-ea"/>
+                  <a:cs typeface="+mn-cs"/>
+                </a:defRPr>
+              </a:lvl6pPr>
+              <a:lvl7pPr marL="2743200" indent="0" algn="ctr" defTabSz="914400" rtl="0" eaLnBrk="1" latinLnBrk="0" hangingPunct="1">
+                <a:lnSpc>
+                  <a:spcPct val="90000"/>
+                </a:lnSpc>
+                <a:spcBef>
+                  <a:spcPts val="500"/>
+                </a:spcBef>
+                <a:buFont typeface="Arial" panose="020B0604020202020204" pitchFamily="34" charset="0"/>
+                <a:buNone/>
+                <a:defRPr sz="1600" kern="1200">
+                  <a:solidFill>
+                    <a:schemeClr val="tx1"/>
+                  </a:solidFill>
+                  <a:latin typeface="+mn-lt"/>
+                  <a:ea typeface="+mn-ea"/>
+                  <a:cs typeface="+mn-cs"/>
+                </a:defRPr>
+              </a:lvl7pPr>
+              <a:lvl8pPr marL="3200400" indent="0" algn="ctr" defTabSz="914400" rtl="0" eaLnBrk="1" latinLnBrk="0" hangingPunct="1">
+                <a:lnSpc>
+                  <a:spcPct val="90000"/>
+                </a:lnSpc>
+                <a:spcBef>
+                  <a:spcPts val="500"/>
+                </a:spcBef>
+                <a:buFont typeface="Arial" panose="020B0604020202020204" pitchFamily="34" charset="0"/>
+                <a:buNone/>
+                <a:defRPr sz="1600" kern="1200">
+                  <a:solidFill>
+                    <a:schemeClr val="tx1"/>
+                  </a:solidFill>
+                  <a:latin typeface="+mn-lt"/>
+                  <a:ea typeface="+mn-ea"/>
+                  <a:cs typeface="+mn-cs"/>
+                </a:defRPr>
+              </a:lvl8pPr>
+              <a:lvl9pPr marL="3657600" indent="0" algn="ctr" defTabSz="914400" rtl="0" eaLnBrk="1" latinLnBrk="0" hangingPunct="1">
+                <a:lnSpc>
+                  <a:spcPct val="90000"/>
+                </a:lnSpc>
+                <a:spcBef>
+                  <a:spcPts val="500"/>
+                </a:spcBef>
+                <a:buFont typeface="Arial" panose="020B0604020202020204" pitchFamily="34" charset="0"/>
+                <a:buNone/>
+                <a:defRPr sz="1600" kern="1200">
+                  <a:solidFill>
+                    <a:schemeClr val="tx1"/>
+                  </a:solidFill>
+                  <a:latin typeface="+mn-lt"/>
+                  <a:ea typeface="+mn-ea"/>
+                  <a:cs typeface="+mn-cs"/>
+                </a:defRPr>
+              </a:lvl9pPr>
+            </a:lstStyle>
+            <a:p>
+              <a:r>
+                <a:rPr lang="en-US" i="1" dirty="0" err="1"/>
+                <a:t>wtCNN</a:t>
+              </a:r>
+              <a:endParaRPr lang="en-US" i="1" dirty="0"/>
+            </a:p>
+          </p:txBody>
+        </p:sp>
+        <p:sp>
+          <p:nvSpPr>
+            <p:cNvPr id="48" name="Subtitle 2">
+              <a:extLst>
+                <a:ext uri="{FF2B5EF4-FFF2-40B4-BE49-F238E27FC236}">
+                  <a16:creationId xmlns:a16="http://schemas.microsoft.com/office/drawing/2014/main" id="{69D7FC80-3774-47E0-B609-2D675ECD138C}"/>
+                </a:ext>
+              </a:extLst>
+            </p:cNvPr>
+            <p:cNvSpPr txBox="1">
+              <a:spLocks/>
+            </p:cNvSpPr>
+            <p:nvPr/>
+          </p:nvSpPr>
+          <p:spPr>
+            <a:xfrm>
+              <a:off x="1593850" y="3195914"/>
+              <a:ext cx="1656909" cy="655002"/>
+            </a:xfrm>
+            <a:prstGeom prst="rect">
+              <a:avLst/>
+            </a:prstGeom>
+          </p:spPr>
+          <p:txBody>
+            <a:bodyPr vert="horz" lIns="91440" tIns="45720" rIns="91440" bIns="45720" rtlCol="0">
+              <a:normAutofit/>
+            </a:bodyPr>
+            <a:lstStyle>
+              <a:lvl1pPr marL="0" indent="0" algn="ctr" defTabSz="914400" rtl="0" eaLnBrk="1" latinLnBrk="0" hangingPunct="1">
+                <a:lnSpc>
+                  <a:spcPct val="90000"/>
+                </a:lnSpc>
+                <a:spcBef>
+                  <a:spcPts val="1000"/>
+                </a:spcBef>
+                <a:buFont typeface="Arial" panose="020B0604020202020204" pitchFamily="34" charset="0"/>
+                <a:buNone/>
+                <a:defRPr sz="2400" kern="1200">
+                  <a:solidFill>
+                    <a:schemeClr val="tx1"/>
+                  </a:solidFill>
+                  <a:latin typeface="+mn-lt"/>
+                  <a:ea typeface="+mn-ea"/>
+                  <a:cs typeface="+mn-cs"/>
+                </a:defRPr>
+              </a:lvl1pPr>
+              <a:lvl2pPr marL="457200" indent="0" algn="ctr" defTabSz="914400" rtl="0" eaLnBrk="1" latinLnBrk="0" hangingPunct="1">
+                <a:lnSpc>
+                  <a:spcPct val="90000"/>
+                </a:lnSpc>
+                <a:spcBef>
+                  <a:spcPts val="500"/>
+                </a:spcBef>
+                <a:buFont typeface="Arial" panose="020B0604020202020204" pitchFamily="34" charset="0"/>
+                <a:buNone/>
+                <a:defRPr sz="2000" kern="1200">
+                  <a:solidFill>
+                    <a:schemeClr val="tx1"/>
+                  </a:solidFill>
+                  <a:latin typeface="+mn-lt"/>
+                  <a:ea typeface="+mn-ea"/>
+                  <a:cs typeface="+mn-cs"/>
+                </a:defRPr>
+              </a:lvl2pPr>
+              <a:lvl3pPr marL="914400" indent="0" algn="ctr" defTabSz="914400" rtl="0" eaLnBrk="1" latinLnBrk="0" hangingPunct="1">
+                <a:lnSpc>
+                  <a:spcPct val="90000"/>
+                </a:lnSpc>
+                <a:spcBef>
+                  <a:spcPts val="500"/>
+                </a:spcBef>
+                <a:buFont typeface="Arial" panose="020B0604020202020204" pitchFamily="34" charset="0"/>
+                <a:buNone/>
+                <a:defRPr sz="1800" kern="1200">
+                  <a:solidFill>
+                    <a:schemeClr val="tx1"/>
+                  </a:solidFill>
+                  <a:latin typeface="+mn-lt"/>
+                  <a:ea typeface="+mn-ea"/>
+                  <a:cs typeface="+mn-cs"/>
+                </a:defRPr>
+              </a:lvl3pPr>
+              <a:lvl4pPr marL="1371600" indent="0" algn="ctr" defTabSz="914400" rtl="0" eaLnBrk="1" latinLnBrk="0" hangingPunct="1">
+                <a:lnSpc>
+                  <a:spcPct val="90000"/>
+                </a:lnSpc>
+                <a:spcBef>
+                  <a:spcPts val="500"/>
+                </a:spcBef>
+                <a:buFont typeface="Arial" panose="020B0604020202020204" pitchFamily="34" charset="0"/>
+                <a:buNone/>
+                <a:defRPr sz="1600" kern="1200">
+                  <a:solidFill>
+                    <a:schemeClr val="tx1"/>
+                  </a:solidFill>
+                  <a:latin typeface="+mn-lt"/>
+                  <a:ea typeface="+mn-ea"/>
+                  <a:cs typeface="+mn-cs"/>
+                </a:defRPr>
+              </a:lvl4pPr>
+              <a:lvl5pPr marL="1828800" indent="0" algn="ctr" defTabSz="914400" rtl="0" eaLnBrk="1" latinLnBrk="0" hangingPunct="1">
+                <a:lnSpc>
+                  <a:spcPct val="90000"/>
+                </a:lnSpc>
+                <a:spcBef>
+                  <a:spcPts val="500"/>
+                </a:spcBef>
+                <a:buFont typeface="Arial" panose="020B0604020202020204" pitchFamily="34" charset="0"/>
+                <a:buNone/>
+                <a:defRPr sz="1600" kern="1200">
+                  <a:solidFill>
+                    <a:schemeClr val="tx1"/>
+                  </a:solidFill>
+                  <a:latin typeface="+mn-lt"/>
+                  <a:ea typeface="+mn-ea"/>
+                  <a:cs typeface="+mn-cs"/>
+                </a:defRPr>
+              </a:lvl5pPr>
+              <a:lvl6pPr marL="2286000" indent="0" algn="ctr" defTabSz="914400" rtl="0" eaLnBrk="1" latinLnBrk="0" hangingPunct="1">
+                <a:lnSpc>
+                  <a:spcPct val="90000"/>
+                </a:lnSpc>
+                <a:spcBef>
+                  <a:spcPts val="500"/>
+                </a:spcBef>
+                <a:buFont typeface="Arial" panose="020B0604020202020204" pitchFamily="34" charset="0"/>
+                <a:buNone/>
+                <a:defRPr sz="1600" kern="1200">
+                  <a:solidFill>
+                    <a:schemeClr val="tx1"/>
+                  </a:solidFill>
+                  <a:latin typeface="+mn-lt"/>
+                  <a:ea typeface="+mn-ea"/>
+                  <a:cs typeface="+mn-cs"/>
+                </a:defRPr>
+              </a:lvl6pPr>
+              <a:lvl7pPr marL="2743200" indent="0" algn="ctr" defTabSz="914400" rtl="0" eaLnBrk="1" latinLnBrk="0" hangingPunct="1">
+                <a:lnSpc>
+                  <a:spcPct val="90000"/>
+                </a:lnSpc>
+                <a:spcBef>
+                  <a:spcPts val="500"/>
+                </a:spcBef>
+                <a:buFont typeface="Arial" panose="020B0604020202020204" pitchFamily="34" charset="0"/>
+                <a:buNone/>
+                <a:defRPr sz="1600" kern="1200">
+                  <a:solidFill>
+                    <a:schemeClr val="tx1"/>
+                  </a:solidFill>
+                  <a:latin typeface="+mn-lt"/>
+                  <a:ea typeface="+mn-ea"/>
+                  <a:cs typeface="+mn-cs"/>
+                </a:defRPr>
+              </a:lvl7pPr>
+              <a:lvl8pPr marL="3200400" indent="0" algn="ctr" defTabSz="914400" rtl="0" eaLnBrk="1" latinLnBrk="0" hangingPunct="1">
+                <a:lnSpc>
+                  <a:spcPct val="90000"/>
+                </a:lnSpc>
+                <a:spcBef>
+                  <a:spcPts val="500"/>
+                </a:spcBef>
+                <a:buFont typeface="Arial" panose="020B0604020202020204" pitchFamily="34" charset="0"/>
+                <a:buNone/>
+                <a:defRPr sz="1600" kern="1200">
+                  <a:solidFill>
+                    <a:schemeClr val="tx1"/>
+                  </a:solidFill>
+                  <a:latin typeface="+mn-lt"/>
+                  <a:ea typeface="+mn-ea"/>
+                  <a:cs typeface="+mn-cs"/>
+                </a:defRPr>
+              </a:lvl8pPr>
+              <a:lvl9pPr marL="3657600" indent="0" algn="ctr" defTabSz="914400" rtl="0" eaLnBrk="1" latinLnBrk="0" hangingPunct="1">
+                <a:lnSpc>
+                  <a:spcPct val="90000"/>
+                </a:lnSpc>
+                <a:spcBef>
+                  <a:spcPts val="500"/>
+                </a:spcBef>
+                <a:buFont typeface="Arial" panose="020B0604020202020204" pitchFamily="34" charset="0"/>
+                <a:buNone/>
+                <a:defRPr sz="1600" kern="1200">
+                  <a:solidFill>
+                    <a:schemeClr val="tx1"/>
+                  </a:solidFill>
+                  <a:latin typeface="+mn-lt"/>
+                  <a:ea typeface="+mn-ea"/>
+                  <a:cs typeface="+mn-cs"/>
+                </a:defRPr>
+              </a:lvl9pPr>
+            </a:lstStyle>
+            <a:p>
+              <a:endParaRPr lang="en-US" b="1" dirty="0"/>
+            </a:p>
+          </p:txBody>
+        </p:sp>
+        <p:sp>
+          <p:nvSpPr>
+            <p:cNvPr id="52" name="Subtitle 2">
+              <a:extLst>
+                <a:ext uri="{FF2B5EF4-FFF2-40B4-BE49-F238E27FC236}">
+                  <a16:creationId xmlns:a16="http://schemas.microsoft.com/office/drawing/2014/main" id="{B06D321A-9D97-44F2-993C-167C86DD8D5C}"/>
+                </a:ext>
+              </a:extLst>
+            </p:cNvPr>
+            <p:cNvSpPr txBox="1">
+              <a:spLocks/>
+            </p:cNvSpPr>
+            <p:nvPr/>
+          </p:nvSpPr>
+          <p:spPr>
+            <a:xfrm>
+              <a:off x="1465282" y="4175712"/>
+              <a:ext cx="1877310" cy="414556"/>
+            </a:xfrm>
+            <a:prstGeom prst="roundRect">
+              <a:avLst/>
+            </a:prstGeom>
+            <a:ln w="28575">
+              <a:solidFill>
+                <a:schemeClr val="accent2"/>
+              </a:solidFill>
+            </a:ln>
+          </p:spPr>
+          <p:style>
+            <a:lnRef idx="2">
+              <a:schemeClr val="accent2"/>
+            </a:lnRef>
+            <a:fillRef idx="1">
+              <a:schemeClr val="lt1"/>
+            </a:fillRef>
+            <a:effectRef idx="0">
+              <a:schemeClr val="accent2"/>
+            </a:effectRef>
+            <a:fontRef idx="minor">
+              <a:schemeClr val="dk1"/>
+            </a:fontRef>
+          </p:style>
+          <p:txBody>
+            <a:bodyPr vert="horz" lIns="91440" tIns="45720" rIns="91440" bIns="45720" rtlCol="0" anchor="ctr">
+              <a:normAutofit/>
+            </a:bodyPr>
+            <a:lstStyle>
+              <a:lvl1pPr marL="0" indent="0" algn="ctr" defTabSz="914400" rtl="0" eaLnBrk="1" latinLnBrk="0" hangingPunct="1">
+                <a:lnSpc>
+                  <a:spcPct val="90000"/>
+                </a:lnSpc>
+                <a:spcBef>
+                  <a:spcPts val="1000"/>
+                </a:spcBef>
+                <a:buFont typeface="Arial" panose="020B0604020202020204" pitchFamily="34" charset="0"/>
+                <a:buNone/>
+                <a:defRPr sz="2400" kern="1200">
+                  <a:solidFill>
+                    <a:schemeClr val="tx1"/>
+                  </a:solidFill>
+                  <a:latin typeface="+mn-lt"/>
+                  <a:ea typeface="+mn-ea"/>
+                  <a:cs typeface="+mn-cs"/>
+                </a:defRPr>
+              </a:lvl1pPr>
+              <a:lvl2pPr marL="457200" indent="0" algn="ctr" defTabSz="914400" rtl="0" eaLnBrk="1" latinLnBrk="0" hangingPunct="1">
+                <a:lnSpc>
+                  <a:spcPct val="90000"/>
+                </a:lnSpc>
+                <a:spcBef>
+                  <a:spcPts val="500"/>
+                </a:spcBef>
+                <a:buFont typeface="Arial" panose="020B0604020202020204" pitchFamily="34" charset="0"/>
+                <a:buNone/>
+                <a:defRPr sz="2000" kern="1200">
+                  <a:solidFill>
+                    <a:schemeClr val="tx1"/>
+                  </a:solidFill>
+                  <a:latin typeface="+mn-lt"/>
+                  <a:ea typeface="+mn-ea"/>
+                  <a:cs typeface="+mn-cs"/>
+                </a:defRPr>
+              </a:lvl2pPr>
+              <a:lvl3pPr marL="914400" indent="0" algn="ctr" defTabSz="914400" rtl="0" eaLnBrk="1" latinLnBrk="0" hangingPunct="1">
+                <a:lnSpc>
+                  <a:spcPct val="90000"/>
+                </a:lnSpc>
+                <a:spcBef>
+                  <a:spcPts val="500"/>
+                </a:spcBef>
+                <a:buFont typeface="Arial" panose="020B0604020202020204" pitchFamily="34" charset="0"/>
+                <a:buNone/>
+                <a:defRPr sz="1800" kern="1200">
+                  <a:solidFill>
+                    <a:schemeClr val="tx1"/>
+                  </a:solidFill>
+                  <a:latin typeface="+mn-lt"/>
+                  <a:ea typeface="+mn-ea"/>
+                  <a:cs typeface="+mn-cs"/>
+                </a:defRPr>
+              </a:lvl3pPr>
+              <a:lvl4pPr marL="1371600" indent="0" algn="ctr" defTabSz="914400" rtl="0" eaLnBrk="1" latinLnBrk="0" hangingPunct="1">
+                <a:lnSpc>
+                  <a:spcPct val="90000"/>
+                </a:lnSpc>
+                <a:spcBef>
+                  <a:spcPts val="500"/>
+                </a:spcBef>
+                <a:buFont typeface="Arial" panose="020B0604020202020204" pitchFamily="34" charset="0"/>
+                <a:buNone/>
+                <a:defRPr sz="1600" kern="1200">
+                  <a:solidFill>
+                    <a:schemeClr val="tx1"/>
+                  </a:solidFill>
+                  <a:latin typeface="+mn-lt"/>
+                  <a:ea typeface="+mn-ea"/>
+                  <a:cs typeface="+mn-cs"/>
+                </a:defRPr>
+              </a:lvl4pPr>
+              <a:lvl5pPr marL="1828800" indent="0" algn="ctr" defTabSz="914400" rtl="0" eaLnBrk="1" latinLnBrk="0" hangingPunct="1">
+                <a:lnSpc>
+                  <a:spcPct val="90000"/>
+                </a:lnSpc>
+                <a:spcBef>
+                  <a:spcPts val="500"/>
+                </a:spcBef>
+                <a:buFont typeface="Arial" panose="020B0604020202020204" pitchFamily="34" charset="0"/>
+                <a:buNone/>
+                <a:defRPr sz="1600" kern="1200">
+                  <a:solidFill>
+                    <a:schemeClr val="tx1"/>
+                  </a:solidFill>
+                  <a:latin typeface="+mn-lt"/>
+                  <a:ea typeface="+mn-ea"/>
+                  <a:cs typeface="+mn-cs"/>
+                </a:defRPr>
+              </a:lvl5pPr>
+              <a:lvl6pPr marL="2286000" indent="0" algn="ctr" defTabSz="914400" rtl="0" eaLnBrk="1" latinLnBrk="0" hangingPunct="1">
+                <a:lnSpc>
+                  <a:spcPct val="90000"/>
+                </a:lnSpc>
+                <a:spcBef>
+                  <a:spcPts val="500"/>
+                </a:spcBef>
+                <a:buFont typeface="Arial" panose="020B0604020202020204" pitchFamily="34" charset="0"/>
+                <a:buNone/>
+                <a:defRPr sz="1600" kern="1200">
+                  <a:solidFill>
+                    <a:schemeClr val="tx1"/>
+                  </a:solidFill>
+                  <a:latin typeface="+mn-lt"/>
+                  <a:ea typeface="+mn-ea"/>
+                  <a:cs typeface="+mn-cs"/>
+                </a:defRPr>
+              </a:lvl6pPr>
+              <a:lvl7pPr marL="2743200" indent="0" algn="ctr" defTabSz="914400" rtl="0" eaLnBrk="1" latinLnBrk="0" hangingPunct="1">
+                <a:lnSpc>
+                  <a:spcPct val="90000"/>
+                </a:lnSpc>
+                <a:spcBef>
+                  <a:spcPts val="500"/>
+                </a:spcBef>
+                <a:buFont typeface="Arial" panose="020B0604020202020204" pitchFamily="34" charset="0"/>
+                <a:buNone/>
+                <a:defRPr sz="1600" kern="1200">
+                  <a:solidFill>
+                    <a:schemeClr val="tx1"/>
+                  </a:solidFill>
+                  <a:latin typeface="+mn-lt"/>
+                  <a:ea typeface="+mn-ea"/>
+                  <a:cs typeface="+mn-cs"/>
+                </a:defRPr>
+              </a:lvl7pPr>
+              <a:lvl8pPr marL="3200400" indent="0" algn="ctr" defTabSz="914400" rtl="0" eaLnBrk="1" latinLnBrk="0" hangingPunct="1">
+                <a:lnSpc>
+                  <a:spcPct val="90000"/>
+                </a:lnSpc>
+                <a:spcBef>
+                  <a:spcPts val="500"/>
+                </a:spcBef>
+                <a:buFont typeface="Arial" panose="020B0604020202020204" pitchFamily="34" charset="0"/>
+                <a:buNone/>
+                <a:defRPr sz="1600" kern="1200">
+                  <a:solidFill>
+                    <a:schemeClr val="tx1"/>
+                  </a:solidFill>
+                  <a:latin typeface="+mn-lt"/>
+                  <a:ea typeface="+mn-ea"/>
+                  <a:cs typeface="+mn-cs"/>
+                </a:defRPr>
+              </a:lvl8pPr>
+              <a:lvl9pPr marL="3657600" indent="0" algn="ctr" defTabSz="914400" rtl="0" eaLnBrk="1" latinLnBrk="0" hangingPunct="1">
+                <a:lnSpc>
+                  <a:spcPct val="90000"/>
+                </a:lnSpc>
+                <a:spcBef>
+                  <a:spcPts val="500"/>
+                </a:spcBef>
+                <a:buFont typeface="Arial" panose="020B0604020202020204" pitchFamily="34" charset="0"/>
+                <a:buNone/>
+                <a:defRPr sz="1600" kern="1200">
+                  <a:solidFill>
+                    <a:schemeClr val="tx1"/>
+                  </a:solidFill>
+                  <a:latin typeface="+mn-lt"/>
+                  <a:ea typeface="+mn-ea"/>
+                  <a:cs typeface="+mn-cs"/>
+                </a:defRPr>
+              </a:lvl9pPr>
+            </a:lstStyle>
+            <a:p>
+              <a:r>
+                <a:rPr lang="en-US" sz="1800" i="1" dirty="0"/>
+                <a:t>Outlier Detection</a:t>
+              </a:r>
+            </a:p>
+          </p:txBody>
+        </p:sp>
+        <p:grpSp>
+          <p:nvGrpSpPr>
+            <p:cNvPr id="343" name="Group 342">
+              <a:extLst>
+                <a:ext uri="{FF2B5EF4-FFF2-40B4-BE49-F238E27FC236}">
+                  <a16:creationId xmlns:a16="http://schemas.microsoft.com/office/drawing/2014/main" id="{04B77F7F-021E-43E6-8256-1DB4619824A7}"/>
+                </a:ext>
+              </a:extLst>
+            </p:cNvPr>
+            <p:cNvGrpSpPr/>
+            <p:nvPr/>
+          </p:nvGrpSpPr>
+          <p:grpSpPr>
+            <a:xfrm>
+              <a:off x="3262680" y="1018061"/>
+              <a:ext cx="5962650" cy="960267"/>
+              <a:chOff x="3262680" y="1018061"/>
+              <a:chExt cx="5962650" cy="960267"/>
+            </a:xfrm>
+          </p:grpSpPr>
+          <p:sp>
+            <p:nvSpPr>
+              <p:cNvPr id="55" name="Rectangle 54">
+                <a:extLst>
+                  <a:ext uri="{FF2B5EF4-FFF2-40B4-BE49-F238E27FC236}">
+                    <a16:creationId xmlns:a16="http://schemas.microsoft.com/office/drawing/2014/main" id="{D34F094D-9755-4A43-B875-D0D7F2ECC4E1}"/>
+                  </a:ext>
+                </a:extLst>
+              </p:cNvPr>
+              <p:cNvSpPr/>
+              <p:nvPr/>
+            </p:nvSpPr>
+            <p:spPr>
+              <a:xfrm>
+                <a:off x="3262680" y="1018061"/>
+                <a:ext cx="4132792" cy="960267"/>
+              </a:xfrm>
+              <a:prstGeom prst="rect">
+                <a:avLst/>
+              </a:prstGeom>
+              <a:solidFill>
+                <a:schemeClr val="accent6">
+                  <a:lumMod val="60000"/>
+                  <a:lumOff val="40000"/>
+                  <a:alpha val="67059"/>
+                </a:schemeClr>
+              </a:solidFill>
+              <a:ln>
+                <a:noFill/>
+              </a:ln>
+            </p:spPr>
+            <p:style>
+              <a:lnRef idx="2">
+                <a:schemeClr val="accent1">
+                  <a:shade val="50000"/>
+                </a:schemeClr>
+              </a:lnRef>
+              <a:fillRef idx="1">
+                <a:schemeClr val="accent1"/>
+              </a:fillRef>
+              <a:effectRef idx="0">
+                <a:schemeClr val="accent1"/>
+              </a:effectRef>
+              <a:fontRef idx="minor">
+                <a:schemeClr val="lt1"/>
+              </a:fontRef>
+            </p:style>
+            <p:txBody>
+              <a:bodyPr rtlCol="0" anchor="ctr"/>
+              <a:lstStyle/>
+              <a:p>
+                <a:pPr algn="ctr"/>
+                <a:endParaRPr lang="en-US" dirty="0"/>
+              </a:p>
+            </p:txBody>
+          </p:sp>
+          <p:sp>
+            <p:nvSpPr>
+              <p:cNvPr id="56" name="Rectangle 55">
+                <a:extLst>
+                  <a:ext uri="{FF2B5EF4-FFF2-40B4-BE49-F238E27FC236}">
+                    <a16:creationId xmlns:a16="http://schemas.microsoft.com/office/drawing/2014/main" id="{CDAE94EE-E5CC-4218-B50C-A5BE3A42C718}"/>
+                  </a:ext>
+                </a:extLst>
+              </p:cNvPr>
+              <p:cNvSpPr/>
+              <p:nvPr/>
+            </p:nvSpPr>
+            <p:spPr>
+              <a:xfrm>
+                <a:off x="6459905" y="1018061"/>
+                <a:ext cx="2765425" cy="948554"/>
+              </a:xfrm>
+              <a:prstGeom prst="rect">
+                <a:avLst/>
+              </a:prstGeom>
+              <a:solidFill>
+                <a:srgbClr val="7030A0">
+                  <a:alpha val="25882"/>
+                </a:srgbClr>
+              </a:solidFill>
+              <a:ln>
+                <a:noFill/>
+              </a:ln>
+            </p:spPr>
+            <p:style>
+              <a:lnRef idx="2">
+                <a:schemeClr val="accent1">
+                  <a:shade val="50000"/>
+                </a:schemeClr>
+              </a:lnRef>
+              <a:fillRef idx="1">
+                <a:schemeClr val="accent1"/>
+              </a:fillRef>
+              <a:effectRef idx="0">
+                <a:schemeClr val="accent1"/>
+              </a:effectRef>
+              <a:fontRef idx="minor">
+                <a:schemeClr val="lt1"/>
+              </a:fontRef>
+            </p:style>
+            <p:txBody>
+              <a:bodyPr rtlCol="0" anchor="ctr"/>
+              <a:lstStyle/>
+              <a:p>
+                <a:pPr algn="ctr"/>
+                <a:endParaRPr lang="en-US" dirty="0"/>
+              </a:p>
+            </p:txBody>
+          </p:sp>
+        </p:grpSp>
+        <p:sp>
+          <p:nvSpPr>
+            <p:cNvPr id="121" name="Freeform: Shape 120">
+              <a:extLst>
+                <a:ext uri="{FF2B5EF4-FFF2-40B4-BE49-F238E27FC236}">
+                  <a16:creationId xmlns:a16="http://schemas.microsoft.com/office/drawing/2014/main" id="{616AB92E-F779-4695-9BE6-A2DD422E79BD}"/>
+                </a:ext>
+              </a:extLst>
+            </p:cNvPr>
+            <p:cNvSpPr/>
+            <p:nvPr/>
+          </p:nvSpPr>
+          <p:spPr>
+            <a:xfrm>
+              <a:off x="3280672" y="1171286"/>
+              <a:ext cx="5947833" cy="707909"/>
+            </a:xfrm>
+            <a:custGeom>
+              <a:avLst/>
+              <a:gdLst>
+                <a:gd name="connsiteX0" fmla="*/ 0 w 5947833"/>
+                <a:gd name="connsiteY0" fmla="*/ 512256 h 512256"/>
+                <a:gd name="connsiteX1" fmla="*/ 292100 w 5947833"/>
+                <a:gd name="connsiteY1" fmla="*/ 8489 h 512256"/>
+                <a:gd name="connsiteX2" fmla="*/ 503766 w 5947833"/>
+                <a:gd name="connsiteY2" fmla="*/ 448756 h 512256"/>
+                <a:gd name="connsiteX3" fmla="*/ 800100 w 5947833"/>
+                <a:gd name="connsiteY3" fmla="*/ 21189 h 512256"/>
+                <a:gd name="connsiteX4" fmla="*/ 1079500 w 5947833"/>
+                <a:gd name="connsiteY4" fmla="*/ 444522 h 512256"/>
+                <a:gd name="connsiteX5" fmla="*/ 1371600 w 5947833"/>
+                <a:gd name="connsiteY5" fmla="*/ 8489 h 512256"/>
+                <a:gd name="connsiteX6" fmla="*/ 1676400 w 5947833"/>
+                <a:gd name="connsiteY6" fmla="*/ 436056 h 512256"/>
+                <a:gd name="connsiteX7" fmla="*/ 1938866 w 5947833"/>
+                <a:gd name="connsiteY7" fmla="*/ 38122 h 512256"/>
+                <a:gd name="connsiteX8" fmla="*/ 2222500 w 5947833"/>
+                <a:gd name="connsiteY8" fmla="*/ 423356 h 512256"/>
+                <a:gd name="connsiteX9" fmla="*/ 2506133 w 5947833"/>
+                <a:gd name="connsiteY9" fmla="*/ 42356 h 512256"/>
+                <a:gd name="connsiteX10" fmla="*/ 2760133 w 5947833"/>
+                <a:gd name="connsiteY10" fmla="*/ 444522 h 512256"/>
+                <a:gd name="connsiteX11" fmla="*/ 3056466 w 5947833"/>
+                <a:gd name="connsiteY11" fmla="*/ 55056 h 512256"/>
+                <a:gd name="connsiteX12" fmla="*/ 3200400 w 5947833"/>
+                <a:gd name="connsiteY12" fmla="*/ 67756 h 512256"/>
+                <a:gd name="connsiteX13" fmla="*/ 3251200 w 5947833"/>
+                <a:gd name="connsiteY13" fmla="*/ 431822 h 512256"/>
+                <a:gd name="connsiteX14" fmla="*/ 3314700 w 5947833"/>
+                <a:gd name="connsiteY14" fmla="*/ 59289 h 512256"/>
+                <a:gd name="connsiteX15" fmla="*/ 3627966 w 5947833"/>
+                <a:gd name="connsiteY15" fmla="*/ 389489 h 512256"/>
+                <a:gd name="connsiteX16" fmla="*/ 3691466 w 5947833"/>
+                <a:gd name="connsiteY16" fmla="*/ 46589 h 512256"/>
+                <a:gd name="connsiteX17" fmla="*/ 3742266 w 5947833"/>
+                <a:gd name="connsiteY17" fmla="*/ 385256 h 512256"/>
+                <a:gd name="connsiteX18" fmla="*/ 4085166 w 5947833"/>
+                <a:gd name="connsiteY18" fmla="*/ 88922 h 512256"/>
+                <a:gd name="connsiteX19" fmla="*/ 4161366 w 5947833"/>
+                <a:gd name="connsiteY19" fmla="*/ 385256 h 512256"/>
+                <a:gd name="connsiteX20" fmla="*/ 4191000 w 5947833"/>
+                <a:gd name="connsiteY20" fmla="*/ 12722 h 512256"/>
+                <a:gd name="connsiteX21" fmla="*/ 4233333 w 5947833"/>
+                <a:gd name="connsiteY21" fmla="*/ 465689 h 512256"/>
+                <a:gd name="connsiteX22" fmla="*/ 4279900 w 5947833"/>
+                <a:gd name="connsiteY22" fmla="*/ 29656 h 512256"/>
+                <a:gd name="connsiteX23" fmla="*/ 4318000 w 5947833"/>
+                <a:gd name="connsiteY23" fmla="*/ 465689 h 512256"/>
+                <a:gd name="connsiteX24" fmla="*/ 4356100 w 5947833"/>
+                <a:gd name="connsiteY24" fmla="*/ 4256 h 512256"/>
+                <a:gd name="connsiteX25" fmla="*/ 4377266 w 5947833"/>
+                <a:gd name="connsiteY25" fmla="*/ 465689 h 512256"/>
+                <a:gd name="connsiteX26" fmla="*/ 4423833 w 5947833"/>
+                <a:gd name="connsiteY26" fmla="*/ 16956 h 512256"/>
+                <a:gd name="connsiteX27" fmla="*/ 4453466 w 5947833"/>
+                <a:gd name="connsiteY27" fmla="*/ 457222 h 512256"/>
+                <a:gd name="connsiteX28" fmla="*/ 4495800 w 5947833"/>
+                <a:gd name="connsiteY28" fmla="*/ 29656 h 512256"/>
+                <a:gd name="connsiteX29" fmla="*/ 4529666 w 5947833"/>
+                <a:gd name="connsiteY29" fmla="*/ 444522 h 512256"/>
+                <a:gd name="connsiteX30" fmla="*/ 4580466 w 5947833"/>
+                <a:gd name="connsiteY30" fmla="*/ 29656 h 512256"/>
+                <a:gd name="connsiteX31" fmla="*/ 4614333 w 5947833"/>
+                <a:gd name="connsiteY31" fmla="*/ 410656 h 512256"/>
+                <a:gd name="connsiteX32" fmla="*/ 4648200 w 5947833"/>
+                <a:gd name="connsiteY32" fmla="*/ 29656 h 512256"/>
+                <a:gd name="connsiteX33" fmla="*/ 4690533 w 5947833"/>
+                <a:gd name="connsiteY33" fmla="*/ 410656 h 512256"/>
+                <a:gd name="connsiteX34" fmla="*/ 4724400 w 5947833"/>
+                <a:gd name="connsiteY34" fmla="*/ 25422 h 512256"/>
+                <a:gd name="connsiteX35" fmla="*/ 4749800 w 5947833"/>
+                <a:gd name="connsiteY35" fmla="*/ 440289 h 512256"/>
+                <a:gd name="connsiteX36" fmla="*/ 4792133 w 5947833"/>
+                <a:gd name="connsiteY36" fmla="*/ 33889 h 512256"/>
+                <a:gd name="connsiteX37" fmla="*/ 4834466 w 5947833"/>
+                <a:gd name="connsiteY37" fmla="*/ 423356 h 512256"/>
+                <a:gd name="connsiteX38" fmla="*/ 4881033 w 5947833"/>
+                <a:gd name="connsiteY38" fmla="*/ 29656 h 512256"/>
+                <a:gd name="connsiteX39" fmla="*/ 4906433 w 5947833"/>
+                <a:gd name="connsiteY39" fmla="*/ 402189 h 512256"/>
+                <a:gd name="connsiteX40" fmla="*/ 4957233 w 5947833"/>
+                <a:gd name="connsiteY40" fmla="*/ 21189 h 512256"/>
+                <a:gd name="connsiteX41" fmla="*/ 4995333 w 5947833"/>
+                <a:gd name="connsiteY41" fmla="*/ 444522 h 512256"/>
+                <a:gd name="connsiteX42" fmla="*/ 5037666 w 5947833"/>
+                <a:gd name="connsiteY42" fmla="*/ 55056 h 512256"/>
+                <a:gd name="connsiteX43" fmla="*/ 5080000 w 5947833"/>
+                <a:gd name="connsiteY43" fmla="*/ 436056 h 512256"/>
+                <a:gd name="connsiteX44" fmla="*/ 5126566 w 5947833"/>
+                <a:gd name="connsiteY44" fmla="*/ 16956 h 512256"/>
+                <a:gd name="connsiteX45" fmla="*/ 5164666 w 5947833"/>
+                <a:gd name="connsiteY45" fmla="*/ 414889 h 512256"/>
+                <a:gd name="connsiteX46" fmla="*/ 5211233 w 5947833"/>
+                <a:gd name="connsiteY46" fmla="*/ 33889 h 512256"/>
+                <a:gd name="connsiteX47" fmla="*/ 5253566 w 5947833"/>
+                <a:gd name="connsiteY47" fmla="*/ 419122 h 512256"/>
+                <a:gd name="connsiteX48" fmla="*/ 5291666 w 5947833"/>
+                <a:gd name="connsiteY48" fmla="*/ 33889 h 512256"/>
+                <a:gd name="connsiteX49" fmla="*/ 5325533 w 5947833"/>
+                <a:gd name="connsiteY49" fmla="*/ 423356 h 512256"/>
+                <a:gd name="connsiteX50" fmla="*/ 5372100 w 5947833"/>
+                <a:gd name="connsiteY50" fmla="*/ 21189 h 512256"/>
+                <a:gd name="connsiteX51" fmla="*/ 5393266 w 5947833"/>
+                <a:gd name="connsiteY51" fmla="*/ 427589 h 512256"/>
+                <a:gd name="connsiteX52" fmla="*/ 5448300 w 5947833"/>
+                <a:gd name="connsiteY52" fmla="*/ 22 h 512256"/>
+                <a:gd name="connsiteX53" fmla="*/ 5473700 w 5947833"/>
+                <a:gd name="connsiteY53" fmla="*/ 406422 h 512256"/>
+                <a:gd name="connsiteX54" fmla="*/ 5524500 w 5947833"/>
+                <a:gd name="connsiteY54" fmla="*/ 12722 h 512256"/>
+                <a:gd name="connsiteX55" fmla="*/ 5554133 w 5947833"/>
+                <a:gd name="connsiteY55" fmla="*/ 402189 h 512256"/>
+                <a:gd name="connsiteX56" fmla="*/ 5596466 w 5947833"/>
+                <a:gd name="connsiteY56" fmla="*/ 38122 h 512256"/>
+                <a:gd name="connsiteX57" fmla="*/ 5643033 w 5947833"/>
+                <a:gd name="connsiteY57" fmla="*/ 410656 h 512256"/>
+                <a:gd name="connsiteX58" fmla="*/ 5681133 w 5947833"/>
+                <a:gd name="connsiteY58" fmla="*/ 29656 h 512256"/>
+                <a:gd name="connsiteX59" fmla="*/ 5715000 w 5947833"/>
+                <a:gd name="connsiteY59" fmla="*/ 410656 h 512256"/>
+                <a:gd name="connsiteX60" fmla="*/ 5778500 w 5947833"/>
+                <a:gd name="connsiteY60" fmla="*/ 33889 h 512256"/>
+                <a:gd name="connsiteX61" fmla="*/ 5795433 w 5947833"/>
+                <a:gd name="connsiteY61" fmla="*/ 402189 h 512256"/>
+                <a:gd name="connsiteX62" fmla="*/ 5867400 w 5947833"/>
+                <a:gd name="connsiteY62" fmla="*/ 25422 h 512256"/>
+                <a:gd name="connsiteX63" fmla="*/ 5901266 w 5947833"/>
+                <a:gd name="connsiteY63" fmla="*/ 372556 h 512256"/>
+                <a:gd name="connsiteX64" fmla="*/ 5947833 w 5947833"/>
+                <a:gd name="connsiteY64" fmla="*/ 55056 h 512256"/>
+              </a:gdLst>
+              <a:ahLst/>
+              <a:cxnLst>
+                <a:cxn ang="0">
+                  <a:pos x="connsiteX0" y="connsiteY0"/>
+                </a:cxn>
+                <a:cxn ang="0">
+                  <a:pos x="connsiteX1" y="connsiteY1"/>
+                </a:cxn>
+                <a:cxn ang="0">
+                  <a:pos x="connsiteX2" y="connsiteY2"/>
+                </a:cxn>
+                <a:cxn ang="0">
+                  <a:pos x="connsiteX3" y="connsiteY3"/>
+                </a:cxn>
+                <a:cxn ang="0">
+                  <a:pos x="connsiteX4" y="connsiteY4"/>
+                </a:cxn>
+                <a:cxn ang="0">
+                  <a:pos x="connsiteX5" y="connsiteY5"/>
+                </a:cxn>
+                <a:cxn ang="0">
+                  <a:pos x="connsiteX6" y="connsiteY6"/>
+                </a:cxn>
+                <a:cxn ang="0">
+                  <a:pos x="connsiteX7" y="connsiteY7"/>
+                </a:cxn>
+                <a:cxn ang="0">
+                  <a:pos x="connsiteX8" y="connsiteY8"/>
+                </a:cxn>
+                <a:cxn ang="0">
+                  <a:pos x="connsiteX9" y="connsiteY9"/>
+                </a:cxn>
+                <a:cxn ang="0">
+                  <a:pos x="connsiteX10" y="connsiteY10"/>
+                </a:cxn>
+                <a:cxn ang="0">
+                  <a:pos x="connsiteX11" y="connsiteY11"/>
+                </a:cxn>
+                <a:cxn ang="0">
+                  <a:pos x="connsiteX12" y="connsiteY12"/>
+                </a:cxn>
+                <a:cxn ang="0">
+                  <a:pos x="connsiteX13" y="connsiteY13"/>
+                </a:cxn>
+                <a:cxn ang="0">
+                  <a:pos x="connsiteX14" y="connsiteY14"/>
+                </a:cxn>
+                <a:cxn ang="0">
+                  <a:pos x="connsiteX15" y="connsiteY15"/>
+                </a:cxn>
+                <a:cxn ang="0">
+                  <a:pos x="connsiteX16" y="connsiteY16"/>
+                </a:cxn>
+                <a:cxn ang="0">
+                  <a:pos x="connsiteX17" y="connsiteY17"/>
+                </a:cxn>
+                <a:cxn ang="0">
+                  <a:pos x="connsiteX18" y="connsiteY18"/>
+                </a:cxn>
+                <a:cxn ang="0">
+                  <a:pos x="connsiteX19" y="connsiteY19"/>
+                </a:cxn>
+                <a:cxn ang="0">
+                  <a:pos x="connsiteX20" y="connsiteY20"/>
+                </a:cxn>
+                <a:cxn ang="0">
+                  <a:pos x="connsiteX21" y="connsiteY21"/>
+                </a:cxn>
+                <a:cxn ang="0">
+                  <a:pos x="connsiteX22" y="connsiteY22"/>
+                </a:cxn>
+                <a:cxn ang="0">
+                  <a:pos x="connsiteX23" y="connsiteY23"/>
+                </a:cxn>
+                <a:cxn ang="0">
+                  <a:pos x="connsiteX24" y="connsiteY24"/>
+                </a:cxn>
+                <a:cxn ang="0">
+                  <a:pos x="connsiteX25" y="connsiteY25"/>
+                </a:cxn>
+                <a:cxn ang="0">
+                  <a:pos x="connsiteX26" y="connsiteY26"/>
+                </a:cxn>
+                <a:cxn ang="0">
+                  <a:pos x="connsiteX27" y="connsiteY27"/>
+                </a:cxn>
+                <a:cxn ang="0">
+                  <a:pos x="connsiteX28" y="connsiteY28"/>
+                </a:cxn>
+                <a:cxn ang="0">
+                  <a:pos x="connsiteX29" y="connsiteY29"/>
+                </a:cxn>
+                <a:cxn ang="0">
+                  <a:pos x="connsiteX30" y="connsiteY30"/>
+                </a:cxn>
+                <a:cxn ang="0">
+                  <a:pos x="connsiteX31" y="connsiteY31"/>
+                </a:cxn>
+                <a:cxn ang="0">
+                  <a:pos x="connsiteX32" y="connsiteY32"/>
+                </a:cxn>
+                <a:cxn ang="0">
+                  <a:pos x="connsiteX33" y="connsiteY33"/>
+                </a:cxn>
+                <a:cxn ang="0">
+                  <a:pos x="connsiteX34" y="connsiteY34"/>
+                </a:cxn>
+                <a:cxn ang="0">
+                  <a:pos x="connsiteX35" y="connsiteY35"/>
+                </a:cxn>
+                <a:cxn ang="0">
+                  <a:pos x="connsiteX36" y="connsiteY36"/>
+                </a:cxn>
+                <a:cxn ang="0">
+                  <a:pos x="connsiteX37" y="connsiteY37"/>
+                </a:cxn>
+                <a:cxn ang="0">
+                  <a:pos x="connsiteX38" y="connsiteY38"/>
+                </a:cxn>
+                <a:cxn ang="0">
+                  <a:pos x="connsiteX39" y="connsiteY39"/>
+                </a:cxn>
+                <a:cxn ang="0">
+                  <a:pos x="connsiteX40" y="connsiteY40"/>
+                </a:cxn>
+                <a:cxn ang="0">
+                  <a:pos x="connsiteX41" y="connsiteY41"/>
+                </a:cxn>
+                <a:cxn ang="0">
+                  <a:pos x="connsiteX42" y="connsiteY42"/>
+                </a:cxn>
+                <a:cxn ang="0">
+                  <a:pos x="connsiteX43" y="connsiteY43"/>
+                </a:cxn>
+                <a:cxn ang="0">
+                  <a:pos x="connsiteX44" y="connsiteY44"/>
+                </a:cxn>
+                <a:cxn ang="0">
+                  <a:pos x="connsiteX45" y="connsiteY45"/>
+                </a:cxn>
+                <a:cxn ang="0">
+                  <a:pos x="connsiteX46" y="connsiteY46"/>
+                </a:cxn>
+                <a:cxn ang="0">
+                  <a:pos x="connsiteX47" y="connsiteY47"/>
+                </a:cxn>
+                <a:cxn ang="0">
+                  <a:pos x="connsiteX48" y="connsiteY48"/>
+                </a:cxn>
+                <a:cxn ang="0">
+                  <a:pos x="connsiteX49" y="connsiteY49"/>
+                </a:cxn>
+                <a:cxn ang="0">
+                  <a:pos x="connsiteX50" y="connsiteY50"/>
+                </a:cxn>
+                <a:cxn ang="0">
+                  <a:pos x="connsiteX51" y="connsiteY51"/>
+                </a:cxn>
+                <a:cxn ang="0">
+                  <a:pos x="connsiteX52" y="connsiteY52"/>
+                </a:cxn>
+                <a:cxn ang="0">
+                  <a:pos x="connsiteX53" y="connsiteY53"/>
+                </a:cxn>
+                <a:cxn ang="0">
+                  <a:pos x="connsiteX54" y="connsiteY54"/>
+                </a:cxn>
+                <a:cxn ang="0">
+                  <a:pos x="connsiteX55" y="connsiteY55"/>
+                </a:cxn>
+                <a:cxn ang="0">
+                  <a:pos x="connsiteX56" y="connsiteY56"/>
+                </a:cxn>
+                <a:cxn ang="0">
+                  <a:pos x="connsiteX57" y="connsiteY57"/>
+                </a:cxn>
+                <a:cxn ang="0">
+                  <a:pos x="connsiteX58" y="connsiteY58"/>
+                </a:cxn>
+                <a:cxn ang="0">
+                  <a:pos x="connsiteX59" y="connsiteY59"/>
+                </a:cxn>
+                <a:cxn ang="0">
+                  <a:pos x="connsiteX60" y="connsiteY60"/>
+                </a:cxn>
+                <a:cxn ang="0">
+                  <a:pos x="connsiteX61" y="connsiteY61"/>
+                </a:cxn>
+                <a:cxn ang="0">
+                  <a:pos x="connsiteX62" y="connsiteY62"/>
+                </a:cxn>
+                <a:cxn ang="0">
+                  <a:pos x="connsiteX63" y="connsiteY63"/>
+                </a:cxn>
+                <a:cxn ang="0">
+                  <a:pos x="connsiteX64" y="connsiteY64"/>
+                </a:cxn>
+              </a:cxnLst>
+              <a:rect l="l" t="t" r="r" b="b"/>
+              <a:pathLst>
+                <a:path w="5947833" h="512256">
+                  <a:moveTo>
+                    <a:pt x="0" y="512256"/>
+                  </a:moveTo>
+                  <a:cubicBezTo>
+                    <a:pt x="104069" y="265664"/>
+                    <a:pt x="208139" y="19072"/>
+                    <a:pt x="292100" y="8489"/>
+                  </a:cubicBezTo>
+                  <a:cubicBezTo>
+                    <a:pt x="376061" y="-2094"/>
+                    <a:pt x="419099" y="446639"/>
+                    <a:pt x="503766" y="448756"/>
+                  </a:cubicBezTo>
+                  <a:cubicBezTo>
+                    <a:pt x="588433" y="450873"/>
+                    <a:pt x="704144" y="21895"/>
+                    <a:pt x="800100" y="21189"/>
+                  </a:cubicBezTo>
+                  <a:cubicBezTo>
+                    <a:pt x="896056" y="20483"/>
+                    <a:pt x="984250" y="446639"/>
+                    <a:pt x="1079500" y="444522"/>
+                  </a:cubicBezTo>
+                  <a:cubicBezTo>
+                    <a:pt x="1174750" y="442405"/>
+                    <a:pt x="1272117" y="9900"/>
+                    <a:pt x="1371600" y="8489"/>
+                  </a:cubicBezTo>
+                  <a:cubicBezTo>
+                    <a:pt x="1471083" y="7078"/>
+                    <a:pt x="1581856" y="431117"/>
+                    <a:pt x="1676400" y="436056"/>
+                  </a:cubicBezTo>
+                  <a:cubicBezTo>
+                    <a:pt x="1770944" y="440995"/>
+                    <a:pt x="1847849" y="40239"/>
+                    <a:pt x="1938866" y="38122"/>
+                  </a:cubicBezTo>
+                  <a:cubicBezTo>
+                    <a:pt x="2029883" y="36005"/>
+                    <a:pt x="2127956" y="422650"/>
+                    <a:pt x="2222500" y="423356"/>
+                  </a:cubicBezTo>
+                  <a:cubicBezTo>
+                    <a:pt x="2317045" y="424062"/>
+                    <a:pt x="2416528" y="38828"/>
+                    <a:pt x="2506133" y="42356"/>
+                  </a:cubicBezTo>
+                  <a:cubicBezTo>
+                    <a:pt x="2595738" y="45884"/>
+                    <a:pt x="2668411" y="442405"/>
+                    <a:pt x="2760133" y="444522"/>
+                  </a:cubicBezTo>
+                  <a:cubicBezTo>
+                    <a:pt x="2851855" y="446639"/>
+                    <a:pt x="2983088" y="117850"/>
+                    <a:pt x="3056466" y="55056"/>
+                  </a:cubicBezTo>
+                  <a:cubicBezTo>
+                    <a:pt x="3129844" y="-7738"/>
+                    <a:pt x="3167944" y="4962"/>
+                    <a:pt x="3200400" y="67756"/>
+                  </a:cubicBezTo>
+                  <a:cubicBezTo>
+                    <a:pt x="3232856" y="130550"/>
+                    <a:pt x="3232150" y="433233"/>
+                    <a:pt x="3251200" y="431822"/>
+                  </a:cubicBezTo>
+                  <a:cubicBezTo>
+                    <a:pt x="3270250" y="430411"/>
+                    <a:pt x="3251906" y="66344"/>
+                    <a:pt x="3314700" y="59289"/>
+                  </a:cubicBezTo>
+                  <a:cubicBezTo>
+                    <a:pt x="3377494" y="52234"/>
+                    <a:pt x="3565172" y="391606"/>
+                    <a:pt x="3627966" y="389489"/>
+                  </a:cubicBezTo>
+                  <a:cubicBezTo>
+                    <a:pt x="3690760" y="387372"/>
+                    <a:pt x="3672416" y="47295"/>
+                    <a:pt x="3691466" y="46589"/>
+                  </a:cubicBezTo>
+                  <a:cubicBezTo>
+                    <a:pt x="3710516" y="45883"/>
+                    <a:pt x="3676649" y="378200"/>
+                    <a:pt x="3742266" y="385256"/>
+                  </a:cubicBezTo>
+                  <a:cubicBezTo>
+                    <a:pt x="3807883" y="392311"/>
+                    <a:pt x="4015316" y="88922"/>
+                    <a:pt x="4085166" y="88922"/>
+                  </a:cubicBezTo>
+                  <a:cubicBezTo>
+                    <a:pt x="4155016" y="88922"/>
+                    <a:pt x="4143727" y="397956"/>
+                    <a:pt x="4161366" y="385256"/>
+                  </a:cubicBezTo>
+                  <a:cubicBezTo>
+                    <a:pt x="4179005" y="372556"/>
+                    <a:pt x="4179006" y="-683"/>
+                    <a:pt x="4191000" y="12722"/>
+                  </a:cubicBezTo>
+                  <a:cubicBezTo>
+                    <a:pt x="4202994" y="26127"/>
+                    <a:pt x="4218516" y="462867"/>
+                    <a:pt x="4233333" y="465689"/>
+                  </a:cubicBezTo>
+                  <a:cubicBezTo>
+                    <a:pt x="4248150" y="468511"/>
+                    <a:pt x="4265789" y="29656"/>
+                    <a:pt x="4279900" y="29656"/>
+                  </a:cubicBezTo>
+                  <a:cubicBezTo>
+                    <a:pt x="4294011" y="29656"/>
+                    <a:pt x="4305300" y="469922"/>
+                    <a:pt x="4318000" y="465689"/>
+                  </a:cubicBezTo>
+                  <a:cubicBezTo>
+                    <a:pt x="4330700" y="461456"/>
+                    <a:pt x="4346222" y="4256"/>
+                    <a:pt x="4356100" y="4256"/>
+                  </a:cubicBezTo>
+                  <a:cubicBezTo>
+                    <a:pt x="4365978" y="4256"/>
+                    <a:pt x="4365977" y="463572"/>
+                    <a:pt x="4377266" y="465689"/>
+                  </a:cubicBezTo>
+                  <a:cubicBezTo>
+                    <a:pt x="4388555" y="467806"/>
+                    <a:pt x="4411133" y="18367"/>
+                    <a:pt x="4423833" y="16956"/>
+                  </a:cubicBezTo>
+                  <a:cubicBezTo>
+                    <a:pt x="4436533" y="15545"/>
+                    <a:pt x="4441472" y="455105"/>
+                    <a:pt x="4453466" y="457222"/>
+                  </a:cubicBezTo>
+                  <a:cubicBezTo>
+                    <a:pt x="4465460" y="459339"/>
+                    <a:pt x="4483100" y="31773"/>
+                    <a:pt x="4495800" y="29656"/>
+                  </a:cubicBezTo>
+                  <a:cubicBezTo>
+                    <a:pt x="4508500" y="27539"/>
+                    <a:pt x="4515555" y="444522"/>
+                    <a:pt x="4529666" y="444522"/>
+                  </a:cubicBezTo>
+                  <a:cubicBezTo>
+                    <a:pt x="4543777" y="444522"/>
+                    <a:pt x="4566355" y="35300"/>
+                    <a:pt x="4580466" y="29656"/>
+                  </a:cubicBezTo>
+                  <a:cubicBezTo>
+                    <a:pt x="4594577" y="24012"/>
+                    <a:pt x="4603044" y="410656"/>
+                    <a:pt x="4614333" y="410656"/>
+                  </a:cubicBezTo>
+                  <a:cubicBezTo>
+                    <a:pt x="4625622" y="410656"/>
+                    <a:pt x="4635500" y="29656"/>
+                    <a:pt x="4648200" y="29656"/>
+                  </a:cubicBezTo>
+                  <a:cubicBezTo>
+                    <a:pt x="4660900" y="29656"/>
+                    <a:pt x="4677833" y="411362"/>
+                    <a:pt x="4690533" y="410656"/>
+                  </a:cubicBezTo>
+                  <a:cubicBezTo>
+                    <a:pt x="4703233" y="409950"/>
+                    <a:pt x="4714522" y="20483"/>
+                    <a:pt x="4724400" y="25422"/>
+                  </a:cubicBezTo>
+                  <a:cubicBezTo>
+                    <a:pt x="4734278" y="30361"/>
+                    <a:pt x="4738511" y="438878"/>
+                    <a:pt x="4749800" y="440289"/>
+                  </a:cubicBezTo>
+                  <a:cubicBezTo>
+                    <a:pt x="4761089" y="441700"/>
+                    <a:pt x="4778022" y="36711"/>
+                    <a:pt x="4792133" y="33889"/>
+                  </a:cubicBezTo>
+                  <a:cubicBezTo>
+                    <a:pt x="4806244" y="31067"/>
+                    <a:pt x="4819649" y="424061"/>
+                    <a:pt x="4834466" y="423356"/>
+                  </a:cubicBezTo>
+                  <a:cubicBezTo>
+                    <a:pt x="4849283" y="422651"/>
+                    <a:pt x="4869038" y="33184"/>
+                    <a:pt x="4881033" y="29656"/>
+                  </a:cubicBezTo>
+                  <a:cubicBezTo>
+                    <a:pt x="4893028" y="26128"/>
+                    <a:pt x="4893733" y="403600"/>
+                    <a:pt x="4906433" y="402189"/>
+                  </a:cubicBezTo>
+                  <a:cubicBezTo>
+                    <a:pt x="4919133" y="400778"/>
+                    <a:pt x="4942416" y="14134"/>
+                    <a:pt x="4957233" y="21189"/>
+                  </a:cubicBezTo>
+                  <a:cubicBezTo>
+                    <a:pt x="4972050" y="28244"/>
+                    <a:pt x="4981928" y="438878"/>
+                    <a:pt x="4995333" y="444522"/>
+                  </a:cubicBezTo>
+                  <a:cubicBezTo>
+                    <a:pt x="5008738" y="450166"/>
+                    <a:pt x="5023555" y="56467"/>
+                    <a:pt x="5037666" y="55056"/>
+                  </a:cubicBezTo>
+                  <a:cubicBezTo>
+                    <a:pt x="5051777" y="53645"/>
+                    <a:pt x="5065183" y="442406"/>
+                    <a:pt x="5080000" y="436056"/>
+                  </a:cubicBezTo>
+                  <a:cubicBezTo>
+                    <a:pt x="5094817" y="429706"/>
+                    <a:pt x="5112455" y="20484"/>
+                    <a:pt x="5126566" y="16956"/>
+                  </a:cubicBezTo>
+                  <a:cubicBezTo>
+                    <a:pt x="5140677" y="13428"/>
+                    <a:pt x="5150555" y="412067"/>
+                    <a:pt x="5164666" y="414889"/>
+                  </a:cubicBezTo>
+                  <a:cubicBezTo>
+                    <a:pt x="5178777" y="417711"/>
+                    <a:pt x="5196416" y="33184"/>
+                    <a:pt x="5211233" y="33889"/>
+                  </a:cubicBezTo>
+                  <a:cubicBezTo>
+                    <a:pt x="5226050" y="34594"/>
+                    <a:pt x="5240161" y="419122"/>
+                    <a:pt x="5253566" y="419122"/>
+                  </a:cubicBezTo>
+                  <a:cubicBezTo>
+                    <a:pt x="5266971" y="419122"/>
+                    <a:pt x="5279672" y="33183"/>
+                    <a:pt x="5291666" y="33889"/>
+                  </a:cubicBezTo>
+                  <a:cubicBezTo>
+                    <a:pt x="5303660" y="34595"/>
+                    <a:pt x="5312127" y="425473"/>
+                    <a:pt x="5325533" y="423356"/>
+                  </a:cubicBezTo>
+                  <a:cubicBezTo>
+                    <a:pt x="5338939" y="421239"/>
+                    <a:pt x="5360811" y="20484"/>
+                    <a:pt x="5372100" y="21189"/>
+                  </a:cubicBezTo>
+                  <a:cubicBezTo>
+                    <a:pt x="5383389" y="21894"/>
+                    <a:pt x="5380566" y="431117"/>
+                    <a:pt x="5393266" y="427589"/>
+                  </a:cubicBezTo>
+                  <a:cubicBezTo>
+                    <a:pt x="5405966" y="424061"/>
+                    <a:pt x="5434894" y="3550"/>
+                    <a:pt x="5448300" y="22"/>
+                  </a:cubicBezTo>
+                  <a:cubicBezTo>
+                    <a:pt x="5461706" y="-3506"/>
+                    <a:pt x="5461000" y="404305"/>
+                    <a:pt x="5473700" y="406422"/>
+                  </a:cubicBezTo>
+                  <a:cubicBezTo>
+                    <a:pt x="5486400" y="408539"/>
+                    <a:pt x="5511095" y="13427"/>
+                    <a:pt x="5524500" y="12722"/>
+                  </a:cubicBezTo>
+                  <a:cubicBezTo>
+                    <a:pt x="5537905" y="12017"/>
+                    <a:pt x="5542139" y="397956"/>
+                    <a:pt x="5554133" y="402189"/>
+                  </a:cubicBezTo>
+                  <a:cubicBezTo>
+                    <a:pt x="5566127" y="406422"/>
+                    <a:pt x="5581650" y="36711"/>
+                    <a:pt x="5596466" y="38122"/>
+                  </a:cubicBezTo>
+                  <a:cubicBezTo>
+                    <a:pt x="5611282" y="39533"/>
+                    <a:pt x="5628922" y="412067"/>
+                    <a:pt x="5643033" y="410656"/>
+                  </a:cubicBezTo>
+                  <a:cubicBezTo>
+                    <a:pt x="5657144" y="409245"/>
+                    <a:pt x="5669139" y="29656"/>
+                    <a:pt x="5681133" y="29656"/>
+                  </a:cubicBezTo>
+                  <a:cubicBezTo>
+                    <a:pt x="5693127" y="29656"/>
+                    <a:pt x="5698772" y="409951"/>
+                    <a:pt x="5715000" y="410656"/>
+                  </a:cubicBezTo>
+                  <a:cubicBezTo>
+                    <a:pt x="5731228" y="411361"/>
+                    <a:pt x="5765095" y="35300"/>
+                    <a:pt x="5778500" y="33889"/>
+                  </a:cubicBezTo>
+                  <a:cubicBezTo>
+                    <a:pt x="5791905" y="32478"/>
+                    <a:pt x="5780617" y="403600"/>
+                    <a:pt x="5795433" y="402189"/>
+                  </a:cubicBezTo>
+                  <a:cubicBezTo>
+                    <a:pt x="5810249" y="400778"/>
+                    <a:pt x="5849761" y="30361"/>
+                    <a:pt x="5867400" y="25422"/>
+                  </a:cubicBezTo>
+                  <a:cubicBezTo>
+                    <a:pt x="5885039" y="20483"/>
+                    <a:pt x="5887861" y="367617"/>
+                    <a:pt x="5901266" y="372556"/>
+                  </a:cubicBezTo>
+                  <a:cubicBezTo>
+                    <a:pt x="5914671" y="377495"/>
+                    <a:pt x="5931252" y="216275"/>
+                    <a:pt x="5947833" y="55056"/>
+                  </a:cubicBezTo>
+                </a:path>
+              </a:pathLst>
+            </a:custGeom>
+            <a:noFill/>
+            <a:ln w="19050"/>
+          </p:spPr>
+          <p:style>
+            <a:lnRef idx="2">
+              <a:schemeClr val="accent1">
+                <a:shade val="50000"/>
+              </a:schemeClr>
+            </a:lnRef>
+            <a:fillRef idx="1">
+              <a:schemeClr val="accent1"/>
+            </a:fillRef>
+            <a:effectRef idx="0">
+              <a:schemeClr val="accent1"/>
+            </a:effectRef>
+            <a:fontRef idx="minor">
+              <a:schemeClr val="lt1"/>
+            </a:fontRef>
+          </p:style>
+          <p:txBody>
+            <a:bodyPr rtlCol="0" anchor="ctr"/>
+            <a:lstStyle/>
+            <a:p>
+              <a:pPr algn="ctr"/>
+              <a:endParaRPr lang="en-US"/>
+            </a:p>
+          </p:txBody>
+        </p:sp>
+        <p:grpSp>
+          <p:nvGrpSpPr>
+            <p:cNvPr id="178" name="Group 177">
+              <a:extLst>
+                <a:ext uri="{FF2B5EF4-FFF2-40B4-BE49-F238E27FC236}">
+                  <a16:creationId xmlns:a16="http://schemas.microsoft.com/office/drawing/2014/main" id="{F939BF0F-EC5A-4A50-B6E8-0021DE6993FF}"/>
+                </a:ext>
+              </a:extLst>
+            </p:cNvPr>
+            <p:cNvGrpSpPr/>
+            <p:nvPr/>
+          </p:nvGrpSpPr>
+          <p:grpSpPr>
+            <a:xfrm>
+              <a:off x="3250595" y="3069456"/>
+              <a:ext cx="5967766" cy="715955"/>
+              <a:chOff x="3739928" y="3342032"/>
+              <a:chExt cx="5967766" cy="715955"/>
+            </a:xfrm>
+          </p:grpSpPr>
+          <p:cxnSp>
+            <p:nvCxnSpPr>
+              <p:cNvPr id="62" name="Connector: Elbow 61">
+                <a:extLst>
+                  <a:ext uri="{FF2B5EF4-FFF2-40B4-BE49-F238E27FC236}">
+                    <a16:creationId xmlns:a16="http://schemas.microsoft.com/office/drawing/2014/main" id="{932F8DF8-1A69-4680-ADD8-D859B50D5041}"/>
+                  </a:ext>
+                </a:extLst>
+              </p:cNvPr>
+              <p:cNvCxnSpPr>
+                <a:cxnSpLocks/>
+              </p:cNvCxnSpPr>
+              <p:nvPr/>
+            </p:nvCxnSpPr>
+            <p:spPr>
+              <a:xfrm flipV="1">
+                <a:off x="3739928" y="3344415"/>
+                <a:ext cx="628872" cy="132348"/>
+              </a:xfrm>
+              <a:prstGeom prst="bentConnector3">
+                <a:avLst/>
+              </a:prstGeom>
+              <a:ln w="28575">
+                <a:solidFill>
+                  <a:srgbClr val="6FAB47"/>
+                </a:solidFill>
+              </a:ln>
+            </p:spPr>
+            <p:style>
+              <a:lnRef idx="1">
+                <a:schemeClr val="accent1"/>
+              </a:lnRef>
+              <a:fillRef idx="0">
+                <a:schemeClr val="accent1"/>
+              </a:fillRef>
+              <a:effectRef idx="0">
+                <a:schemeClr val="accent1"/>
+              </a:effectRef>
+              <a:fontRef idx="minor">
+                <a:schemeClr val="tx1"/>
+              </a:fontRef>
+            </p:style>
+          </p:cxnSp>
+          <p:cxnSp>
+            <p:nvCxnSpPr>
+              <p:cNvPr id="126" name="Connector: Elbow 125">
+                <a:extLst>
+                  <a:ext uri="{FF2B5EF4-FFF2-40B4-BE49-F238E27FC236}">
+                    <a16:creationId xmlns:a16="http://schemas.microsoft.com/office/drawing/2014/main" id="{2E5454B3-E201-4C73-BA06-9B7605284273}"/>
+                  </a:ext>
+                </a:extLst>
+              </p:cNvPr>
+              <p:cNvCxnSpPr>
+                <a:cxnSpLocks/>
+              </p:cNvCxnSpPr>
+              <p:nvPr/>
+            </p:nvCxnSpPr>
+            <p:spPr>
+              <a:xfrm rot="10800000">
+                <a:off x="4342516" y="3344414"/>
+                <a:ext cx="628873" cy="97295"/>
+              </a:xfrm>
+              <a:prstGeom prst="bentConnector3">
+                <a:avLst/>
+              </a:prstGeom>
+              <a:ln w="28575">
+                <a:solidFill>
+                  <a:srgbClr val="6FAB47"/>
+                </a:solidFill>
+              </a:ln>
+            </p:spPr>
+            <p:style>
+              <a:lnRef idx="1">
+                <a:schemeClr val="accent1"/>
+              </a:lnRef>
+              <a:fillRef idx="0">
+                <a:schemeClr val="accent1"/>
+              </a:fillRef>
+              <a:effectRef idx="0">
+                <a:schemeClr val="accent1"/>
+              </a:effectRef>
+              <a:fontRef idx="minor">
+                <a:schemeClr val="tx1"/>
+              </a:fontRef>
+            </p:style>
+          </p:cxnSp>
+          <p:cxnSp>
+            <p:nvCxnSpPr>
+              <p:cNvPr id="129" name="Connector: Elbow 128">
+                <a:extLst>
+                  <a:ext uri="{FF2B5EF4-FFF2-40B4-BE49-F238E27FC236}">
+                    <a16:creationId xmlns:a16="http://schemas.microsoft.com/office/drawing/2014/main" id="{263F2301-109E-4C0E-8469-64D580E8944C}"/>
+                  </a:ext>
+                </a:extLst>
+              </p:cNvPr>
+              <p:cNvCxnSpPr>
+                <a:cxnSpLocks/>
+              </p:cNvCxnSpPr>
+              <p:nvPr/>
+            </p:nvCxnSpPr>
+            <p:spPr>
+              <a:xfrm flipV="1">
+                <a:off x="4971242" y="3383716"/>
+                <a:ext cx="589034" cy="57994"/>
+              </a:xfrm>
+              <a:prstGeom prst="bentConnector3">
+                <a:avLst/>
+              </a:prstGeom>
+              <a:ln w="28575">
+                <a:solidFill>
+                  <a:srgbClr val="6FAB47"/>
+                </a:solidFill>
+              </a:ln>
+            </p:spPr>
+            <p:style>
+              <a:lnRef idx="1">
+                <a:schemeClr val="accent1"/>
+              </a:lnRef>
+              <a:fillRef idx="0">
+                <a:schemeClr val="accent1"/>
+              </a:fillRef>
+              <a:effectRef idx="0">
+                <a:schemeClr val="accent1"/>
+              </a:effectRef>
+              <a:fontRef idx="minor">
+                <a:schemeClr val="tx1"/>
+              </a:fontRef>
+            </p:style>
+          </p:cxnSp>
+          <p:cxnSp>
+            <p:nvCxnSpPr>
+              <p:cNvPr id="130" name="Connector: Elbow 129">
+                <a:extLst>
+                  <a:ext uri="{FF2B5EF4-FFF2-40B4-BE49-F238E27FC236}">
+                    <a16:creationId xmlns:a16="http://schemas.microsoft.com/office/drawing/2014/main" id="{F776F369-1881-4DB1-B1FF-EFB15889122E}"/>
+                  </a:ext>
+                </a:extLst>
+              </p:cNvPr>
+              <p:cNvCxnSpPr>
+                <a:cxnSpLocks/>
+              </p:cNvCxnSpPr>
+              <p:nvPr/>
+            </p:nvCxnSpPr>
+            <p:spPr>
+              <a:xfrm rot="10800000">
+                <a:off x="5547423" y="3382293"/>
+                <a:ext cx="659893" cy="86691"/>
+              </a:xfrm>
+              <a:prstGeom prst="bentConnector3">
+                <a:avLst/>
+              </a:prstGeom>
+              <a:ln w="28575">
+                <a:solidFill>
+                  <a:srgbClr val="6FAB47"/>
+                </a:solidFill>
+              </a:ln>
+            </p:spPr>
+            <p:style>
+              <a:lnRef idx="1">
+                <a:schemeClr val="accent1"/>
+              </a:lnRef>
+              <a:fillRef idx="0">
+                <a:schemeClr val="accent1"/>
+              </a:fillRef>
+              <a:effectRef idx="0">
+                <a:schemeClr val="accent1"/>
+              </a:effectRef>
+              <a:fontRef idx="minor">
+                <a:schemeClr val="tx1"/>
+              </a:fontRef>
+            </p:style>
+          </p:cxnSp>
+          <p:cxnSp>
+            <p:nvCxnSpPr>
+              <p:cNvPr id="138" name="Connector: Elbow 137">
+                <a:extLst>
+                  <a:ext uri="{FF2B5EF4-FFF2-40B4-BE49-F238E27FC236}">
+                    <a16:creationId xmlns:a16="http://schemas.microsoft.com/office/drawing/2014/main" id="{0EB60C85-003E-42C9-B5E3-14B3EE26FC4D}"/>
+                  </a:ext>
+                </a:extLst>
+              </p:cNvPr>
+              <p:cNvCxnSpPr>
+                <a:cxnSpLocks/>
+              </p:cNvCxnSpPr>
+              <p:nvPr/>
+            </p:nvCxnSpPr>
+            <p:spPr>
+              <a:xfrm rot="10800000" flipV="1">
+                <a:off x="6207321" y="3342032"/>
+                <a:ext cx="701077" cy="126952"/>
+              </a:xfrm>
+              <a:prstGeom prst="bentConnector3">
+                <a:avLst/>
+              </a:prstGeom>
+              <a:ln w="28575">
+                <a:solidFill>
+                  <a:srgbClr val="6FAB47"/>
+                </a:solidFill>
+              </a:ln>
+            </p:spPr>
+            <p:style>
+              <a:lnRef idx="1">
+                <a:schemeClr val="accent1"/>
+              </a:lnRef>
+              <a:fillRef idx="0">
+                <a:schemeClr val="accent1"/>
+              </a:fillRef>
+              <a:effectRef idx="0">
+                <a:schemeClr val="accent1"/>
+              </a:effectRef>
+              <a:fontRef idx="minor">
+                <a:schemeClr val="tx1"/>
+              </a:fontRef>
+            </p:style>
+          </p:cxnSp>
+          <p:cxnSp>
+            <p:nvCxnSpPr>
+              <p:cNvPr id="139" name="Connector: Elbow 138">
+                <a:extLst>
+                  <a:ext uri="{FF2B5EF4-FFF2-40B4-BE49-F238E27FC236}">
+                    <a16:creationId xmlns:a16="http://schemas.microsoft.com/office/drawing/2014/main" id="{AD40CA38-C71A-4751-A01C-35D88BCAA783}"/>
+                  </a:ext>
+                </a:extLst>
+              </p:cNvPr>
+              <p:cNvCxnSpPr>
+                <a:cxnSpLocks/>
+              </p:cNvCxnSpPr>
+              <p:nvPr/>
+            </p:nvCxnSpPr>
+            <p:spPr>
+              <a:xfrm rot="10800000">
+                <a:off x="6908397" y="3342033"/>
+                <a:ext cx="588594" cy="209487"/>
+              </a:xfrm>
+              <a:prstGeom prst="bentConnector3">
+                <a:avLst/>
+              </a:prstGeom>
+              <a:ln w="28575">
+                <a:solidFill>
+                  <a:srgbClr val="6FAB47"/>
+                </a:solidFill>
+              </a:ln>
+            </p:spPr>
+            <p:style>
+              <a:lnRef idx="1">
+                <a:schemeClr val="accent1"/>
+              </a:lnRef>
+              <a:fillRef idx="0">
+                <a:schemeClr val="accent1"/>
+              </a:fillRef>
+              <a:effectRef idx="0">
+                <a:schemeClr val="accent1"/>
+              </a:effectRef>
+              <a:fontRef idx="minor">
+                <a:schemeClr val="tx1"/>
+              </a:fontRef>
+            </p:style>
+          </p:cxnSp>
+          <p:cxnSp>
+            <p:nvCxnSpPr>
+              <p:cNvPr id="143" name="Connector: Elbow 142">
+                <a:extLst>
+                  <a:ext uri="{FF2B5EF4-FFF2-40B4-BE49-F238E27FC236}">
+                    <a16:creationId xmlns:a16="http://schemas.microsoft.com/office/drawing/2014/main" id="{C02EADC2-E910-4CB3-8CA8-91A678BBC3FC}"/>
+                  </a:ext>
+                </a:extLst>
+              </p:cNvPr>
+              <p:cNvCxnSpPr>
+                <a:cxnSpLocks/>
+              </p:cNvCxnSpPr>
+              <p:nvPr/>
+            </p:nvCxnSpPr>
+            <p:spPr>
+              <a:xfrm rot="10800000">
+                <a:off x="7483064" y="3551517"/>
+                <a:ext cx="638358" cy="255250"/>
+              </a:xfrm>
+              <a:prstGeom prst="bentConnector3">
+                <a:avLst/>
+              </a:prstGeom>
+              <a:ln w="28575">
+                <a:solidFill>
+                  <a:srgbClr val="6FAB47"/>
+                </a:solidFill>
+              </a:ln>
+            </p:spPr>
+            <p:style>
+              <a:lnRef idx="1">
+                <a:schemeClr val="accent1"/>
+              </a:lnRef>
+              <a:fillRef idx="0">
+                <a:schemeClr val="accent1"/>
+              </a:fillRef>
+              <a:effectRef idx="0">
+                <a:schemeClr val="accent1"/>
+              </a:effectRef>
+              <a:fontRef idx="minor">
+                <a:schemeClr val="tx1"/>
+              </a:fontRef>
+            </p:style>
+          </p:cxnSp>
+          <p:cxnSp>
+            <p:nvCxnSpPr>
+              <p:cNvPr id="160" name="Connector: Elbow 159">
+                <a:extLst>
+                  <a:ext uri="{FF2B5EF4-FFF2-40B4-BE49-F238E27FC236}">
+                    <a16:creationId xmlns:a16="http://schemas.microsoft.com/office/drawing/2014/main" id="{52E2F4CF-1B76-4303-8D11-0F134B83AD6D}"/>
+                  </a:ext>
+                </a:extLst>
+              </p:cNvPr>
+              <p:cNvCxnSpPr>
+                <a:cxnSpLocks/>
+              </p:cNvCxnSpPr>
+              <p:nvPr/>
+            </p:nvCxnSpPr>
+            <p:spPr>
+              <a:xfrm rot="10800000">
+                <a:off x="8077201" y="3806768"/>
+                <a:ext cx="1630493" cy="251219"/>
+              </a:xfrm>
+              <a:prstGeom prst="bentConnector3">
+                <a:avLst>
+                  <a:gd name="adj1" fmla="val 79598"/>
+                </a:avLst>
+              </a:prstGeom>
+              <a:ln w="28575">
+                <a:solidFill>
+                  <a:srgbClr val="6FAB47"/>
+                </a:solidFill>
+              </a:ln>
+            </p:spPr>
+            <p:style>
+              <a:lnRef idx="1">
+                <a:schemeClr val="accent1"/>
+              </a:lnRef>
+              <a:fillRef idx="0">
+                <a:schemeClr val="accent1"/>
+              </a:fillRef>
+              <a:effectRef idx="0">
+                <a:schemeClr val="accent1"/>
+              </a:effectRef>
+              <a:fontRef idx="minor">
+                <a:schemeClr val="tx1"/>
+              </a:fontRef>
+            </p:style>
+          </p:cxnSp>
+        </p:grpSp>
+        <p:grpSp>
+          <p:nvGrpSpPr>
+            <p:cNvPr id="239" name="Group 238">
+              <a:extLst>
+                <a:ext uri="{FF2B5EF4-FFF2-40B4-BE49-F238E27FC236}">
+                  <a16:creationId xmlns:a16="http://schemas.microsoft.com/office/drawing/2014/main" id="{4722D507-A058-4BC0-AA64-84446789F389}"/>
+                </a:ext>
+              </a:extLst>
+            </p:cNvPr>
+            <p:cNvGrpSpPr/>
+            <p:nvPr/>
+          </p:nvGrpSpPr>
+          <p:grpSpPr>
+            <a:xfrm>
+              <a:off x="3242768" y="3018965"/>
+              <a:ext cx="5954824" cy="772812"/>
+              <a:chOff x="3732101" y="3291541"/>
+              <a:chExt cx="5954824" cy="772812"/>
+            </a:xfrm>
+          </p:grpSpPr>
+          <p:grpSp>
+            <p:nvGrpSpPr>
+              <p:cNvPr id="181" name="Group 180">
+                <a:extLst>
+                  <a:ext uri="{FF2B5EF4-FFF2-40B4-BE49-F238E27FC236}">
+                    <a16:creationId xmlns:a16="http://schemas.microsoft.com/office/drawing/2014/main" id="{16A8B887-724A-484E-B2DD-BC62FF536481}"/>
+                  </a:ext>
+                </a:extLst>
+              </p:cNvPr>
+              <p:cNvGrpSpPr/>
+              <p:nvPr/>
+            </p:nvGrpSpPr>
+            <p:grpSpPr>
+              <a:xfrm flipV="1">
+                <a:off x="3732101" y="3291541"/>
+                <a:ext cx="5012298" cy="772812"/>
+                <a:chOff x="3732356" y="3296957"/>
+                <a:chExt cx="4848431" cy="1025853"/>
+              </a:xfrm>
+            </p:grpSpPr>
+            <p:cxnSp>
+              <p:nvCxnSpPr>
+                <p:cNvPr id="186" name="Connector: Elbow 185">
+                  <a:extLst>
+                    <a:ext uri="{FF2B5EF4-FFF2-40B4-BE49-F238E27FC236}">
+                      <a16:creationId xmlns:a16="http://schemas.microsoft.com/office/drawing/2014/main" id="{7AE2E12C-0E22-4D19-995B-0EA3C2044454}"/>
+                    </a:ext>
+                  </a:extLst>
+                </p:cNvPr>
+                <p:cNvCxnSpPr>
+                  <a:cxnSpLocks/>
+                </p:cNvCxnSpPr>
+                <p:nvPr/>
+              </p:nvCxnSpPr>
+              <p:spPr>
+                <a:xfrm rot="10800000">
+                  <a:off x="3732356" y="3296957"/>
+                  <a:ext cx="3366143" cy="175190"/>
+                </a:xfrm>
+                <a:prstGeom prst="bentConnector3">
+                  <a:avLst>
+                    <a:gd name="adj1" fmla="val 230"/>
+                  </a:avLst>
+                </a:prstGeom>
+                <a:ln w="28575">
+                  <a:solidFill>
+                    <a:srgbClr val="A66CD2"/>
+                  </a:solidFill>
+                </a:ln>
+              </p:spPr>
+              <p:style>
+                <a:lnRef idx="1">
+                  <a:schemeClr val="accent1"/>
+                </a:lnRef>
+                <a:fillRef idx="0">
+                  <a:schemeClr val="accent1"/>
+                </a:fillRef>
+                <a:effectRef idx="0">
+                  <a:schemeClr val="accent1"/>
+                </a:effectRef>
+                <a:fontRef idx="minor">
+                  <a:schemeClr val="tx1"/>
+                </a:fontRef>
+              </p:style>
+            </p:cxnSp>
+            <p:cxnSp>
+              <p:nvCxnSpPr>
+                <p:cNvPr id="187" name="Connector: Elbow 186">
+                  <a:extLst>
+                    <a:ext uri="{FF2B5EF4-FFF2-40B4-BE49-F238E27FC236}">
+                      <a16:creationId xmlns:a16="http://schemas.microsoft.com/office/drawing/2014/main" id="{7994A936-3AA1-425C-A7D3-72809F63324D}"/>
+                    </a:ext>
+                  </a:extLst>
+                </p:cNvPr>
+                <p:cNvCxnSpPr>
+                  <a:cxnSpLocks/>
+                </p:cNvCxnSpPr>
+                <p:nvPr/>
+              </p:nvCxnSpPr>
+              <p:spPr>
+                <a:xfrm rot="10800000">
+                  <a:off x="7098504" y="3472147"/>
+                  <a:ext cx="1116991" cy="398465"/>
+                </a:xfrm>
+                <a:prstGeom prst="bentConnector3">
+                  <a:avLst>
+                    <a:gd name="adj1" fmla="val 50000"/>
+                  </a:avLst>
+                </a:prstGeom>
+                <a:ln w="28575">
+                  <a:solidFill>
+                    <a:srgbClr val="A66CD2"/>
+                  </a:solidFill>
+                </a:ln>
+              </p:spPr>
+              <p:style>
+                <a:lnRef idx="1">
+                  <a:schemeClr val="accent1"/>
+                </a:lnRef>
+                <a:fillRef idx="0">
+                  <a:schemeClr val="accent1"/>
+                </a:fillRef>
+                <a:effectRef idx="0">
+                  <a:schemeClr val="accent1"/>
+                </a:effectRef>
+                <a:fontRef idx="minor">
+                  <a:schemeClr val="tx1"/>
+                </a:fontRef>
+              </p:style>
+            </p:cxnSp>
+            <p:cxnSp>
+              <p:nvCxnSpPr>
+                <p:cNvPr id="188" name="Connector: Elbow 187">
+                  <a:extLst>
+                    <a:ext uri="{FF2B5EF4-FFF2-40B4-BE49-F238E27FC236}">
+                      <a16:creationId xmlns:a16="http://schemas.microsoft.com/office/drawing/2014/main" id="{37E82826-8DB9-4E61-B1DD-8C036A668F88}"/>
+                    </a:ext>
+                  </a:extLst>
+                </p:cNvPr>
+                <p:cNvCxnSpPr>
+                  <a:cxnSpLocks/>
+                </p:cNvCxnSpPr>
+                <p:nvPr/>
+              </p:nvCxnSpPr>
+              <p:spPr>
+                <a:xfrm rot="10800000">
+                  <a:off x="7935403" y="3870614"/>
+                  <a:ext cx="645384" cy="452196"/>
+                </a:xfrm>
+                <a:prstGeom prst="bentConnector3">
+                  <a:avLst>
+                    <a:gd name="adj1" fmla="val 50000"/>
+                  </a:avLst>
+                </a:prstGeom>
+                <a:ln w="28575">
+                  <a:solidFill>
+                    <a:srgbClr val="A66CD2"/>
+                  </a:solidFill>
+                </a:ln>
+              </p:spPr>
+              <p:style>
+                <a:lnRef idx="1">
+                  <a:schemeClr val="accent1"/>
+                </a:lnRef>
+                <a:fillRef idx="0">
+                  <a:schemeClr val="accent1"/>
+                </a:fillRef>
+                <a:effectRef idx="0">
+                  <a:schemeClr val="accent1"/>
+                </a:effectRef>
+                <a:fontRef idx="minor">
+                  <a:schemeClr val="tx1"/>
+                </a:fontRef>
+              </p:style>
+            </p:cxnSp>
+          </p:grpSp>
+          <p:cxnSp>
+            <p:nvCxnSpPr>
+              <p:cNvPr id="228" name="Connector: Elbow 227">
+                <a:extLst>
+                  <a:ext uri="{FF2B5EF4-FFF2-40B4-BE49-F238E27FC236}">
+                    <a16:creationId xmlns:a16="http://schemas.microsoft.com/office/drawing/2014/main" id="{BAAEB2A3-F962-4ED5-8E76-4648F9F70295}"/>
+                  </a:ext>
+                </a:extLst>
+              </p:cNvPr>
+              <p:cNvCxnSpPr>
+                <a:cxnSpLocks/>
+              </p:cNvCxnSpPr>
+              <p:nvPr/>
+            </p:nvCxnSpPr>
+            <p:spPr>
+              <a:xfrm rot="10800000">
+                <a:off x="8744402" y="3291552"/>
+                <a:ext cx="463099" cy="112049"/>
+              </a:xfrm>
+              <a:prstGeom prst="bentConnector3">
+                <a:avLst>
+                  <a:gd name="adj1" fmla="val 50000"/>
+                </a:avLst>
+              </a:prstGeom>
+              <a:ln w="28575">
+                <a:solidFill>
+                  <a:srgbClr val="A66CD2"/>
+                </a:solidFill>
+              </a:ln>
+            </p:spPr>
+            <p:style>
+              <a:lnRef idx="1">
+                <a:schemeClr val="accent1"/>
+              </a:lnRef>
+              <a:fillRef idx="0">
+                <a:schemeClr val="accent1"/>
+              </a:fillRef>
+              <a:effectRef idx="0">
+                <a:schemeClr val="accent1"/>
+              </a:effectRef>
+              <a:fontRef idx="minor">
+                <a:schemeClr val="tx1"/>
+              </a:fontRef>
+            </p:style>
+          </p:cxnSp>
+          <p:cxnSp>
+            <p:nvCxnSpPr>
+              <p:cNvPr id="236" name="Connector: Elbow 235">
+                <a:extLst>
+                  <a:ext uri="{FF2B5EF4-FFF2-40B4-BE49-F238E27FC236}">
+                    <a16:creationId xmlns:a16="http://schemas.microsoft.com/office/drawing/2014/main" id="{51448533-D4D4-46E9-B1E4-EA2AB6F59365}"/>
+                  </a:ext>
+                </a:extLst>
+              </p:cNvPr>
+              <p:cNvCxnSpPr>
+                <a:cxnSpLocks/>
+              </p:cNvCxnSpPr>
+              <p:nvPr/>
+            </p:nvCxnSpPr>
+            <p:spPr>
+              <a:xfrm rot="10800000" flipV="1">
+                <a:off x="9207501" y="3342031"/>
+                <a:ext cx="479424" cy="61569"/>
+              </a:xfrm>
+              <a:prstGeom prst="bentConnector3">
+                <a:avLst>
+                  <a:gd name="adj1" fmla="val 50000"/>
+                </a:avLst>
+              </a:prstGeom>
+              <a:ln w="28575">
+                <a:solidFill>
+                  <a:srgbClr val="A66CD2"/>
+                </a:solidFill>
+              </a:ln>
+            </p:spPr>
+            <p:style>
+              <a:lnRef idx="1">
+                <a:schemeClr val="accent1"/>
+              </a:lnRef>
+              <a:fillRef idx="0">
+                <a:schemeClr val="accent1"/>
+              </a:fillRef>
+              <a:effectRef idx="0">
+                <a:schemeClr val="accent1"/>
+              </a:effectRef>
+              <a:fontRef idx="minor">
+                <a:schemeClr val="tx1"/>
+              </a:fontRef>
+            </p:style>
+          </p:cxnSp>
+        </p:grpSp>
+        <p:grpSp>
+          <p:nvGrpSpPr>
+            <p:cNvPr id="290" name="Group 289">
+              <a:extLst>
+                <a:ext uri="{FF2B5EF4-FFF2-40B4-BE49-F238E27FC236}">
+                  <a16:creationId xmlns:a16="http://schemas.microsoft.com/office/drawing/2014/main" id="{C5CA1517-52D6-4997-AFAC-662B0D663AA8}"/>
+                </a:ext>
+              </a:extLst>
+            </p:cNvPr>
+            <p:cNvGrpSpPr/>
+            <p:nvPr/>
+          </p:nvGrpSpPr>
+          <p:grpSpPr>
+            <a:xfrm>
+              <a:off x="4197530" y="524659"/>
+              <a:ext cx="5069403" cy="466128"/>
+              <a:chOff x="4633981" y="873423"/>
+              <a:chExt cx="5069403" cy="466128"/>
+            </a:xfrm>
+          </p:grpSpPr>
+          <p:sp>
+            <p:nvSpPr>
+              <p:cNvPr id="258" name="TextBox 257">
+                <a:extLst>
+                  <a:ext uri="{FF2B5EF4-FFF2-40B4-BE49-F238E27FC236}">
+                    <a16:creationId xmlns:a16="http://schemas.microsoft.com/office/drawing/2014/main" id="{77B8422B-2E6A-45BF-962F-893C8527705D}"/>
+                  </a:ext>
+                </a:extLst>
+              </p:cNvPr>
+              <p:cNvSpPr txBox="1"/>
+              <p:nvPr/>
+            </p:nvSpPr>
+            <p:spPr>
+              <a:xfrm>
+                <a:off x="4633981" y="877886"/>
+                <a:ext cx="1672171" cy="461665"/>
+              </a:xfrm>
+              <a:prstGeom prst="rect">
+                <a:avLst/>
+              </a:prstGeom>
+              <a:noFill/>
+            </p:spPr>
+            <p:txBody>
+              <a:bodyPr wrap="square" rtlCol="0">
+                <a:spAutoFit/>
+              </a:bodyPr>
+              <a:lstStyle/>
+              <a:p>
+                <a:r>
+                  <a:rPr lang="en-US" sz="2400" i="1" dirty="0">
+                    <a:solidFill>
+                      <a:srgbClr val="6FAB47"/>
+                    </a:solidFill>
+                  </a:rPr>
+                  <a:t>Domain A</a:t>
+                </a:r>
+              </a:p>
+            </p:txBody>
+          </p:sp>
+          <p:sp>
+            <p:nvSpPr>
+              <p:cNvPr id="259" name="TextBox 258">
+                <a:extLst>
+                  <a:ext uri="{FF2B5EF4-FFF2-40B4-BE49-F238E27FC236}">
+                    <a16:creationId xmlns:a16="http://schemas.microsoft.com/office/drawing/2014/main" id="{A72E4F6A-71F3-4183-BC6D-CF52A6D93762}"/>
+                  </a:ext>
+                </a:extLst>
+              </p:cNvPr>
+              <p:cNvSpPr txBox="1"/>
+              <p:nvPr/>
+            </p:nvSpPr>
+            <p:spPr>
+              <a:xfrm>
+                <a:off x="8031213" y="873423"/>
+                <a:ext cx="1672171" cy="461665"/>
+              </a:xfrm>
+              <a:prstGeom prst="rect">
+                <a:avLst/>
+              </a:prstGeom>
+              <a:noFill/>
+            </p:spPr>
+            <p:txBody>
+              <a:bodyPr wrap="square" rtlCol="0">
+                <a:spAutoFit/>
+              </a:bodyPr>
+              <a:lstStyle/>
+              <a:p>
+                <a:r>
+                  <a:rPr lang="en-US" sz="2400" i="1" dirty="0">
+                    <a:solidFill>
+                      <a:srgbClr val="A66CD2"/>
+                    </a:solidFill>
+                  </a:rPr>
+                  <a:t>Domain B</a:t>
+                </a:r>
+              </a:p>
+            </p:txBody>
+          </p:sp>
+          <p:sp>
+            <p:nvSpPr>
+              <p:cNvPr id="260" name="TextBox 259">
+                <a:extLst>
+                  <a:ext uri="{FF2B5EF4-FFF2-40B4-BE49-F238E27FC236}">
+                    <a16:creationId xmlns:a16="http://schemas.microsoft.com/office/drawing/2014/main" id="{903D5B25-F555-408D-B0AB-FE2D8577FABF}"/>
+                  </a:ext>
+                </a:extLst>
+              </p:cNvPr>
+              <p:cNvSpPr txBox="1"/>
+              <p:nvPr/>
+            </p:nvSpPr>
+            <p:spPr>
+              <a:xfrm>
+                <a:off x="6786841" y="922047"/>
+                <a:ext cx="1672171" cy="369332"/>
+              </a:xfrm>
+              <a:prstGeom prst="rect">
+                <a:avLst/>
+              </a:prstGeom>
+              <a:noFill/>
+            </p:spPr>
+            <p:txBody>
+              <a:bodyPr wrap="square" rtlCol="0">
+                <a:spAutoFit/>
+              </a:bodyPr>
+              <a:lstStyle/>
+              <a:p>
+                <a:r>
+                  <a:rPr lang="en-US" i="1" dirty="0">
+                    <a:solidFill>
+                      <a:srgbClr val="AFB2AE"/>
+                    </a:solidFill>
+                  </a:rPr>
+                  <a:t>Transition</a:t>
+                </a:r>
+              </a:p>
+            </p:txBody>
+          </p:sp>
+        </p:grpSp>
+        <p:cxnSp>
+          <p:nvCxnSpPr>
+            <p:cNvPr id="269" name="Straight Arrow Connector 268">
+              <a:extLst>
+                <a:ext uri="{FF2B5EF4-FFF2-40B4-BE49-F238E27FC236}">
+                  <a16:creationId xmlns:a16="http://schemas.microsoft.com/office/drawing/2014/main" id="{F516FE2B-BD20-43AC-AF54-620DDF3BA21F}"/>
+                </a:ext>
+              </a:extLst>
+            </p:cNvPr>
+            <p:cNvCxnSpPr>
+              <a:cxnSpLocks/>
+              <a:stCxn id="46" idx="2"/>
+              <a:endCxn id="47" idx="0"/>
+            </p:cNvCxnSpPr>
+            <p:nvPr/>
+          </p:nvCxnSpPr>
+          <p:spPr>
+            <a:xfrm flipH="1">
+              <a:off x="2403937" y="1964249"/>
+              <a:ext cx="3693" cy="284365"/>
+            </a:xfrm>
+            <a:prstGeom prst="straightConnector1">
+              <a:avLst/>
+            </a:prstGeom>
+            <a:ln w="57150">
+              <a:solidFill>
+                <a:schemeClr val="tx1"/>
+              </a:solidFill>
+              <a:tailEnd type="triangle"/>
+            </a:ln>
+          </p:spPr>
+          <p:style>
+            <a:lnRef idx="3">
+              <a:schemeClr val="dk1"/>
+            </a:lnRef>
+            <a:fillRef idx="0">
+              <a:schemeClr val="dk1"/>
+            </a:fillRef>
+            <a:effectRef idx="2">
+              <a:schemeClr val="dk1"/>
+            </a:effectRef>
+            <a:fontRef idx="minor">
+              <a:schemeClr val="tx1"/>
+            </a:fontRef>
+          </p:style>
+        </p:cxnSp>
+        <p:cxnSp>
+          <p:nvCxnSpPr>
+            <p:cNvPr id="274" name="Straight Arrow Connector 273">
+              <a:extLst>
+                <a:ext uri="{FF2B5EF4-FFF2-40B4-BE49-F238E27FC236}">
+                  <a16:creationId xmlns:a16="http://schemas.microsoft.com/office/drawing/2014/main" id="{CE650794-43F8-4420-8453-A06076DF474E}"/>
+                </a:ext>
+              </a:extLst>
+            </p:cNvPr>
+            <p:cNvCxnSpPr>
+              <a:cxnSpLocks/>
+              <a:stCxn id="47" idx="2"/>
+              <a:endCxn id="303" idx="0"/>
+            </p:cNvCxnSpPr>
+            <p:nvPr/>
+          </p:nvCxnSpPr>
+          <p:spPr>
+            <a:xfrm>
+              <a:off x="2403937" y="2663460"/>
+              <a:ext cx="1" cy="299245"/>
+            </a:xfrm>
+            <a:prstGeom prst="straightConnector1">
+              <a:avLst/>
+            </a:prstGeom>
+            <a:ln w="57150">
+              <a:solidFill>
+                <a:schemeClr val="tx1"/>
+              </a:solidFill>
+              <a:tailEnd type="triangle"/>
+            </a:ln>
+          </p:spPr>
+          <p:style>
+            <a:lnRef idx="3">
+              <a:schemeClr val="dk1"/>
+            </a:lnRef>
+            <a:fillRef idx="0">
+              <a:schemeClr val="dk1"/>
+            </a:fillRef>
+            <a:effectRef idx="2">
+              <a:schemeClr val="dk1"/>
+            </a:effectRef>
+            <a:fontRef idx="minor">
+              <a:schemeClr val="tx1"/>
+            </a:fontRef>
+          </p:style>
+        </p:cxnSp>
+        <p:cxnSp>
+          <p:nvCxnSpPr>
+            <p:cNvPr id="277" name="Straight Arrow Connector 276">
+              <a:extLst>
+                <a:ext uri="{FF2B5EF4-FFF2-40B4-BE49-F238E27FC236}">
+                  <a16:creationId xmlns:a16="http://schemas.microsoft.com/office/drawing/2014/main" id="{6D379B1D-3FEB-4393-9C32-9C90CB50C25E}"/>
+                </a:ext>
+              </a:extLst>
+            </p:cNvPr>
+            <p:cNvCxnSpPr>
+              <a:cxnSpLocks/>
+              <a:stCxn id="303" idx="2"/>
+              <a:endCxn id="52" idx="0"/>
+            </p:cNvCxnSpPr>
+            <p:nvPr/>
+          </p:nvCxnSpPr>
+          <p:spPr>
+            <a:xfrm flipH="1">
+              <a:off x="2403937" y="3891235"/>
+              <a:ext cx="1" cy="284477"/>
+            </a:xfrm>
+            <a:prstGeom prst="straightConnector1">
+              <a:avLst/>
+            </a:prstGeom>
+            <a:ln w="57150">
+              <a:solidFill>
+                <a:schemeClr val="tx1"/>
+              </a:solidFill>
+              <a:tailEnd type="triangle"/>
+            </a:ln>
+          </p:spPr>
+          <p:style>
+            <a:lnRef idx="3">
+              <a:schemeClr val="dk1"/>
+            </a:lnRef>
+            <a:fillRef idx="0">
+              <a:schemeClr val="dk1"/>
+            </a:fillRef>
+            <a:effectRef idx="2">
+              <a:schemeClr val="dk1"/>
+            </a:effectRef>
+            <a:fontRef idx="minor">
+              <a:schemeClr val="tx1"/>
+            </a:fontRef>
+          </p:style>
+        </p:cxnSp>
+        <p:cxnSp>
+          <p:nvCxnSpPr>
+            <p:cNvPr id="278" name="Straight Arrow Connector 277">
+              <a:extLst>
+                <a:ext uri="{FF2B5EF4-FFF2-40B4-BE49-F238E27FC236}">
+                  <a16:creationId xmlns:a16="http://schemas.microsoft.com/office/drawing/2014/main" id="{B1EC21EE-D2C9-4244-9987-70882CB02D35}"/>
+                </a:ext>
+              </a:extLst>
+            </p:cNvPr>
+            <p:cNvCxnSpPr>
+              <a:cxnSpLocks/>
+              <a:stCxn id="52" idx="2"/>
+              <a:endCxn id="307" idx="0"/>
+            </p:cNvCxnSpPr>
+            <p:nvPr/>
+          </p:nvCxnSpPr>
+          <p:spPr>
+            <a:xfrm>
+              <a:off x="2403937" y="4590268"/>
+              <a:ext cx="858" cy="279774"/>
+            </a:xfrm>
+            <a:prstGeom prst="straightConnector1">
+              <a:avLst/>
+            </a:prstGeom>
+            <a:ln w="57150">
+              <a:solidFill>
+                <a:schemeClr val="tx1"/>
+              </a:solidFill>
+              <a:tailEnd type="triangle"/>
+            </a:ln>
+          </p:spPr>
+          <p:style>
+            <a:lnRef idx="3">
+              <a:schemeClr val="dk1"/>
+            </a:lnRef>
+            <a:fillRef idx="0">
+              <a:schemeClr val="dk1"/>
+            </a:fillRef>
+            <a:effectRef idx="2">
+              <a:schemeClr val="dk1"/>
+            </a:effectRef>
+            <a:fontRef idx="minor">
+              <a:schemeClr val="tx1"/>
+            </a:fontRef>
+          </p:style>
+        </p:cxnSp>
+        <p:cxnSp>
+          <p:nvCxnSpPr>
+            <p:cNvPr id="49" name="Connector: Elbow 48">
+              <a:extLst>
+                <a:ext uri="{FF2B5EF4-FFF2-40B4-BE49-F238E27FC236}">
+                  <a16:creationId xmlns:a16="http://schemas.microsoft.com/office/drawing/2014/main" id="{6EFB05B8-9226-4010-807D-8B42EB2B2ADA}"/>
+                </a:ext>
+              </a:extLst>
+            </p:cNvPr>
+            <p:cNvCxnSpPr>
+              <a:cxnSpLocks/>
+            </p:cNvCxnSpPr>
+            <p:nvPr/>
+          </p:nvCxnSpPr>
+          <p:spPr>
+            <a:xfrm>
+              <a:off x="3242767" y="2962704"/>
+              <a:ext cx="5971284" cy="930895"/>
+            </a:xfrm>
+            <a:prstGeom prst="bentConnector3">
+              <a:avLst>
+                <a:gd name="adj1" fmla="val 232"/>
+              </a:avLst>
+            </a:prstGeom>
+            <a:ln w="38100"/>
+          </p:spPr>
+          <p:style>
+            <a:lnRef idx="3">
+              <a:schemeClr val="dk1"/>
+            </a:lnRef>
+            <a:fillRef idx="0">
+              <a:schemeClr val="dk1"/>
+            </a:fillRef>
+            <a:effectRef idx="2">
+              <a:schemeClr val="dk1"/>
+            </a:effectRef>
+            <a:fontRef idx="minor">
+              <a:schemeClr val="tx1"/>
+            </a:fontRef>
+          </p:style>
+        </p:cxnSp>
+        <p:cxnSp>
+          <p:nvCxnSpPr>
+            <p:cNvPr id="289" name="Connector: Elbow 288">
+              <a:extLst>
+                <a:ext uri="{FF2B5EF4-FFF2-40B4-BE49-F238E27FC236}">
+                  <a16:creationId xmlns:a16="http://schemas.microsoft.com/office/drawing/2014/main" id="{2192E00D-090C-42EA-9021-80F656259F6A}"/>
+                </a:ext>
+              </a:extLst>
+            </p:cNvPr>
+            <p:cNvCxnSpPr>
+              <a:cxnSpLocks/>
+            </p:cNvCxnSpPr>
+            <p:nvPr/>
+          </p:nvCxnSpPr>
+          <p:spPr>
+            <a:xfrm>
+              <a:off x="3250760" y="1035720"/>
+              <a:ext cx="5971284" cy="930895"/>
+            </a:xfrm>
+            <a:prstGeom prst="bentConnector3">
+              <a:avLst>
+                <a:gd name="adj1" fmla="val 232"/>
+              </a:avLst>
+            </a:prstGeom>
+            <a:ln w="38100"/>
+          </p:spPr>
+          <p:style>
+            <a:lnRef idx="3">
+              <a:schemeClr val="dk1"/>
+            </a:lnRef>
+            <a:fillRef idx="0">
+              <a:schemeClr val="dk1"/>
+            </a:fillRef>
+            <a:effectRef idx="2">
+              <a:schemeClr val="dk1"/>
+            </a:effectRef>
+            <a:fontRef idx="minor">
+              <a:schemeClr val="tx1"/>
+            </a:fontRef>
+          </p:style>
+        </p:cxnSp>
+        <p:sp>
+          <p:nvSpPr>
+            <p:cNvPr id="303" name="Subtitle 2">
+              <a:extLst>
+                <a:ext uri="{FF2B5EF4-FFF2-40B4-BE49-F238E27FC236}">
+                  <a16:creationId xmlns:a16="http://schemas.microsoft.com/office/drawing/2014/main" id="{E6CD0FE1-55D8-40ED-8B74-151CFAC664F3}"/>
+                </a:ext>
+              </a:extLst>
+            </p:cNvPr>
+            <p:cNvSpPr txBox="1">
+              <a:spLocks/>
+            </p:cNvSpPr>
+            <p:nvPr/>
+          </p:nvSpPr>
+          <p:spPr>
+            <a:xfrm rot="16200000">
+              <a:off x="1939672" y="2571916"/>
+              <a:ext cx="928530" cy="1710107"/>
+            </a:xfrm>
+            <a:prstGeom prst="round2SameRect">
+              <a:avLst>
+                <a:gd name="adj1" fmla="val 35867"/>
+                <a:gd name="adj2" fmla="val 0"/>
+              </a:avLst>
+            </a:prstGeom>
+            <a:ln w="38100">
+              <a:solidFill>
+                <a:schemeClr val="tx1"/>
+              </a:solidFill>
+            </a:ln>
+          </p:spPr>
+          <p:txBody>
+            <a:bodyPr vert="vert" lIns="91440" tIns="45720" rIns="91440" bIns="45720" rtlCol="0" anchor="ctr">
+              <a:normAutofit/>
+            </a:bodyPr>
+            <a:lstStyle>
+              <a:lvl1pPr marL="0" indent="0" algn="ctr" defTabSz="914400" rtl="0" eaLnBrk="1" latinLnBrk="0" hangingPunct="1">
+                <a:lnSpc>
+                  <a:spcPct val="90000"/>
+                </a:lnSpc>
+                <a:spcBef>
+                  <a:spcPts val="1000"/>
+                </a:spcBef>
+                <a:buFont typeface="Arial" panose="020B0604020202020204" pitchFamily="34" charset="0"/>
+                <a:buNone/>
+                <a:defRPr sz="2400" kern="1200">
+                  <a:solidFill>
+                    <a:schemeClr val="tx1"/>
+                  </a:solidFill>
+                  <a:latin typeface="+mn-lt"/>
+                  <a:ea typeface="+mn-ea"/>
+                  <a:cs typeface="+mn-cs"/>
+                </a:defRPr>
+              </a:lvl1pPr>
+              <a:lvl2pPr marL="457200" indent="0" algn="ctr" defTabSz="914400" rtl="0" eaLnBrk="1" latinLnBrk="0" hangingPunct="1">
+                <a:lnSpc>
+                  <a:spcPct val="90000"/>
+                </a:lnSpc>
+                <a:spcBef>
+                  <a:spcPts val="500"/>
+                </a:spcBef>
+                <a:buFont typeface="Arial" panose="020B0604020202020204" pitchFamily="34" charset="0"/>
+                <a:buNone/>
+                <a:defRPr sz="2000" kern="1200">
+                  <a:solidFill>
+                    <a:schemeClr val="tx1"/>
+                  </a:solidFill>
+                  <a:latin typeface="+mn-lt"/>
+                  <a:ea typeface="+mn-ea"/>
+                  <a:cs typeface="+mn-cs"/>
+                </a:defRPr>
+              </a:lvl2pPr>
+              <a:lvl3pPr marL="914400" indent="0" algn="ctr" defTabSz="914400" rtl="0" eaLnBrk="1" latinLnBrk="0" hangingPunct="1">
+                <a:lnSpc>
+                  <a:spcPct val="90000"/>
+                </a:lnSpc>
+                <a:spcBef>
+                  <a:spcPts val="500"/>
+                </a:spcBef>
+                <a:buFont typeface="Arial" panose="020B0604020202020204" pitchFamily="34" charset="0"/>
+                <a:buNone/>
+                <a:defRPr sz="1800" kern="1200">
+                  <a:solidFill>
+                    <a:schemeClr val="tx1"/>
+                  </a:solidFill>
+                  <a:latin typeface="+mn-lt"/>
+                  <a:ea typeface="+mn-ea"/>
+                  <a:cs typeface="+mn-cs"/>
+                </a:defRPr>
+              </a:lvl3pPr>
+              <a:lvl4pPr marL="1371600" indent="0" algn="ctr" defTabSz="914400" rtl="0" eaLnBrk="1" latinLnBrk="0" hangingPunct="1">
+                <a:lnSpc>
+                  <a:spcPct val="90000"/>
+                </a:lnSpc>
+                <a:spcBef>
+                  <a:spcPts val="500"/>
+                </a:spcBef>
+                <a:buFont typeface="Arial" panose="020B0604020202020204" pitchFamily="34" charset="0"/>
+                <a:buNone/>
+                <a:defRPr sz="1600" kern="1200">
+                  <a:solidFill>
+                    <a:schemeClr val="tx1"/>
+                  </a:solidFill>
+                  <a:latin typeface="+mn-lt"/>
+                  <a:ea typeface="+mn-ea"/>
+                  <a:cs typeface="+mn-cs"/>
+                </a:defRPr>
+              </a:lvl4pPr>
+              <a:lvl5pPr marL="1828800" indent="0" algn="ctr" defTabSz="914400" rtl="0" eaLnBrk="1" latinLnBrk="0" hangingPunct="1">
+                <a:lnSpc>
+                  <a:spcPct val="90000"/>
+                </a:lnSpc>
+                <a:spcBef>
+                  <a:spcPts val="500"/>
+                </a:spcBef>
+                <a:buFont typeface="Arial" panose="020B0604020202020204" pitchFamily="34" charset="0"/>
+                <a:buNone/>
+                <a:defRPr sz="1600" kern="1200">
+                  <a:solidFill>
+                    <a:schemeClr val="tx1"/>
+                  </a:solidFill>
+                  <a:latin typeface="+mn-lt"/>
+                  <a:ea typeface="+mn-ea"/>
+                  <a:cs typeface="+mn-cs"/>
+                </a:defRPr>
+              </a:lvl5pPr>
+              <a:lvl6pPr marL="2286000" indent="0" algn="ctr" defTabSz="914400" rtl="0" eaLnBrk="1" latinLnBrk="0" hangingPunct="1">
+                <a:lnSpc>
+                  <a:spcPct val="90000"/>
+                </a:lnSpc>
+                <a:spcBef>
+                  <a:spcPts val="500"/>
+                </a:spcBef>
+                <a:buFont typeface="Arial" panose="020B0604020202020204" pitchFamily="34" charset="0"/>
+                <a:buNone/>
+                <a:defRPr sz="1600" kern="1200">
+                  <a:solidFill>
+                    <a:schemeClr val="tx1"/>
+                  </a:solidFill>
+                  <a:latin typeface="+mn-lt"/>
+                  <a:ea typeface="+mn-ea"/>
+                  <a:cs typeface="+mn-cs"/>
+                </a:defRPr>
+              </a:lvl6pPr>
+              <a:lvl7pPr marL="2743200" indent="0" algn="ctr" defTabSz="914400" rtl="0" eaLnBrk="1" latinLnBrk="0" hangingPunct="1">
+                <a:lnSpc>
+                  <a:spcPct val="90000"/>
+                </a:lnSpc>
+                <a:spcBef>
+                  <a:spcPts val="500"/>
+                </a:spcBef>
+                <a:buFont typeface="Arial" panose="020B0604020202020204" pitchFamily="34" charset="0"/>
+                <a:buNone/>
+                <a:defRPr sz="1600" kern="1200">
+                  <a:solidFill>
+                    <a:schemeClr val="tx1"/>
+                  </a:solidFill>
+                  <a:latin typeface="+mn-lt"/>
+                  <a:ea typeface="+mn-ea"/>
+                  <a:cs typeface="+mn-cs"/>
+                </a:defRPr>
+              </a:lvl7pPr>
+              <a:lvl8pPr marL="3200400" indent="0" algn="ctr" defTabSz="914400" rtl="0" eaLnBrk="1" latinLnBrk="0" hangingPunct="1">
+                <a:lnSpc>
+                  <a:spcPct val="90000"/>
+                </a:lnSpc>
+                <a:spcBef>
+                  <a:spcPts val="500"/>
+                </a:spcBef>
+                <a:buFont typeface="Arial" panose="020B0604020202020204" pitchFamily="34" charset="0"/>
+                <a:buNone/>
+                <a:defRPr sz="1600" kern="1200">
+                  <a:solidFill>
+                    <a:schemeClr val="tx1"/>
+                  </a:solidFill>
+                  <a:latin typeface="+mn-lt"/>
+                  <a:ea typeface="+mn-ea"/>
+                  <a:cs typeface="+mn-cs"/>
+                </a:defRPr>
+              </a:lvl8pPr>
+              <a:lvl9pPr marL="3657600" indent="0" algn="ctr" defTabSz="914400" rtl="0" eaLnBrk="1" latinLnBrk="0" hangingPunct="1">
+                <a:lnSpc>
+                  <a:spcPct val="90000"/>
+                </a:lnSpc>
+                <a:spcBef>
+                  <a:spcPts val="500"/>
+                </a:spcBef>
+                <a:buFont typeface="Arial" panose="020B0604020202020204" pitchFamily="34" charset="0"/>
+                <a:buNone/>
+                <a:defRPr sz="1600" kern="1200">
+                  <a:solidFill>
+                    <a:schemeClr val="tx1"/>
+                  </a:solidFill>
+                  <a:latin typeface="+mn-lt"/>
+                  <a:ea typeface="+mn-ea"/>
+                  <a:cs typeface="+mn-cs"/>
+                </a:defRPr>
+              </a:lvl9pPr>
+            </a:lstStyle>
+            <a:p>
+              <a:r>
+                <a:rPr lang="en-US" sz="2000" b="1" dirty="0"/>
+                <a:t>Model Output</a:t>
+              </a:r>
+            </a:p>
+          </p:txBody>
+        </p:sp>
+        <p:grpSp>
+          <p:nvGrpSpPr>
+            <p:cNvPr id="326" name="Group 325">
+              <a:extLst>
+                <a:ext uri="{FF2B5EF4-FFF2-40B4-BE49-F238E27FC236}">
+                  <a16:creationId xmlns:a16="http://schemas.microsoft.com/office/drawing/2014/main" id="{BBB4EC8E-4261-4314-9E8D-216E059394C5}"/>
+                </a:ext>
+              </a:extLst>
+            </p:cNvPr>
+            <p:cNvGrpSpPr/>
+            <p:nvPr/>
+          </p:nvGrpSpPr>
+          <p:grpSpPr>
+            <a:xfrm>
+              <a:off x="1549740" y="4867677"/>
+              <a:ext cx="9409695" cy="930895"/>
+              <a:chOff x="1557642" y="4776956"/>
+              <a:chExt cx="9409695" cy="930895"/>
+            </a:xfrm>
+          </p:grpSpPr>
+          <p:cxnSp>
+            <p:nvCxnSpPr>
+              <p:cNvPr id="245" name="Straight Connector 244">
+                <a:extLst>
+                  <a:ext uri="{FF2B5EF4-FFF2-40B4-BE49-F238E27FC236}">
+                    <a16:creationId xmlns:a16="http://schemas.microsoft.com/office/drawing/2014/main" id="{F56642F6-F2ED-4F37-B20E-F9CBF56058BC}"/>
+                  </a:ext>
+                </a:extLst>
+              </p:cNvPr>
+              <p:cNvCxnSpPr>
+                <a:cxnSpLocks/>
+                <a:endCxn id="255" idx="1"/>
+              </p:cNvCxnSpPr>
+              <p:nvPr/>
+            </p:nvCxnSpPr>
+            <p:spPr>
+              <a:xfrm>
+                <a:off x="3267749" y="5168643"/>
+                <a:ext cx="6192521" cy="9507"/>
+              </a:xfrm>
+              <a:prstGeom prst="line">
+                <a:avLst/>
+              </a:prstGeom>
+              <a:ln w="28575">
+                <a:solidFill>
+                  <a:srgbClr val="FF6565"/>
+                </a:solidFill>
+                <a:prstDash val="dash"/>
+              </a:ln>
+            </p:spPr>
+            <p:style>
+              <a:lnRef idx="1">
+                <a:schemeClr val="accent1"/>
+              </a:lnRef>
+              <a:fillRef idx="0">
+                <a:schemeClr val="accent1"/>
+              </a:fillRef>
+              <a:effectRef idx="0">
+                <a:schemeClr val="accent1"/>
+              </a:effectRef>
+              <a:fontRef idx="minor">
+                <a:schemeClr val="tx1"/>
+              </a:fontRef>
+            </p:style>
+          </p:cxnSp>
+          <p:sp>
+            <p:nvSpPr>
+              <p:cNvPr id="251" name="Freeform: Shape 250">
+                <a:extLst>
+                  <a:ext uri="{FF2B5EF4-FFF2-40B4-BE49-F238E27FC236}">
+                    <a16:creationId xmlns:a16="http://schemas.microsoft.com/office/drawing/2014/main" id="{757B461F-7432-4842-AAE1-77CCE665F332}"/>
+                  </a:ext>
+                </a:extLst>
+              </p:cNvPr>
+              <p:cNvSpPr/>
+              <p:nvPr/>
+            </p:nvSpPr>
+            <p:spPr>
+              <a:xfrm>
+                <a:off x="3267749" y="4917637"/>
+                <a:ext cx="5940213" cy="653603"/>
+              </a:xfrm>
+              <a:custGeom>
+                <a:avLst/>
+                <a:gdLst>
+                  <a:gd name="connsiteX0" fmla="*/ 0 w 6191250"/>
+                  <a:gd name="connsiteY0" fmla="*/ 0 h 650198"/>
+                  <a:gd name="connsiteX1" fmla="*/ 457200 w 6191250"/>
+                  <a:gd name="connsiteY1" fmla="*/ 76200 h 650198"/>
+                  <a:gd name="connsiteX2" fmla="*/ 1133475 w 6191250"/>
+                  <a:gd name="connsiteY2" fmla="*/ 19050 h 650198"/>
+                  <a:gd name="connsiteX3" fmla="*/ 1762125 w 6191250"/>
+                  <a:gd name="connsiteY3" fmla="*/ 85725 h 650198"/>
+                  <a:gd name="connsiteX4" fmla="*/ 2457450 w 6191250"/>
+                  <a:gd name="connsiteY4" fmla="*/ 28575 h 650198"/>
+                  <a:gd name="connsiteX5" fmla="*/ 3019425 w 6191250"/>
+                  <a:gd name="connsiteY5" fmla="*/ 85725 h 650198"/>
+                  <a:gd name="connsiteX6" fmla="*/ 3305175 w 6191250"/>
+                  <a:gd name="connsiteY6" fmla="*/ 19050 h 650198"/>
+                  <a:gd name="connsiteX7" fmla="*/ 3571875 w 6191250"/>
+                  <a:gd name="connsiteY7" fmla="*/ 295275 h 650198"/>
+                  <a:gd name="connsiteX8" fmla="*/ 3886200 w 6191250"/>
+                  <a:gd name="connsiteY8" fmla="*/ 409575 h 650198"/>
+                  <a:gd name="connsiteX9" fmla="*/ 4324350 w 6191250"/>
+                  <a:gd name="connsiteY9" fmla="*/ 314325 h 650198"/>
+                  <a:gd name="connsiteX10" fmla="*/ 4572000 w 6191250"/>
+                  <a:gd name="connsiteY10" fmla="*/ 561975 h 650198"/>
+                  <a:gd name="connsiteX11" fmla="*/ 4991100 w 6191250"/>
+                  <a:gd name="connsiteY11" fmla="*/ 561975 h 650198"/>
+                  <a:gd name="connsiteX12" fmla="*/ 5267325 w 6191250"/>
+                  <a:gd name="connsiteY12" fmla="*/ 638175 h 650198"/>
+                  <a:gd name="connsiteX13" fmla="*/ 6000750 w 6191250"/>
+                  <a:gd name="connsiteY13" fmla="*/ 638175 h 650198"/>
+                  <a:gd name="connsiteX14" fmla="*/ 6191250 w 6191250"/>
+                  <a:gd name="connsiteY14" fmla="*/ 523875 h 650198"/>
+                  <a:gd name="connsiteX0" fmla="*/ 0 w 6191250"/>
+                  <a:gd name="connsiteY0" fmla="*/ 0 h 650198"/>
+                  <a:gd name="connsiteX1" fmla="*/ 457200 w 6191250"/>
+                  <a:gd name="connsiteY1" fmla="*/ 76200 h 650198"/>
+                  <a:gd name="connsiteX2" fmla="*/ 1133475 w 6191250"/>
+                  <a:gd name="connsiteY2" fmla="*/ 19050 h 650198"/>
+                  <a:gd name="connsiteX3" fmla="*/ 1762125 w 6191250"/>
+                  <a:gd name="connsiteY3" fmla="*/ 85725 h 650198"/>
+                  <a:gd name="connsiteX4" fmla="*/ 2457450 w 6191250"/>
+                  <a:gd name="connsiteY4" fmla="*/ 28575 h 650198"/>
+                  <a:gd name="connsiteX5" fmla="*/ 3019425 w 6191250"/>
+                  <a:gd name="connsiteY5" fmla="*/ 85725 h 650198"/>
+                  <a:gd name="connsiteX6" fmla="*/ 3305175 w 6191250"/>
+                  <a:gd name="connsiteY6" fmla="*/ 19050 h 650198"/>
+                  <a:gd name="connsiteX7" fmla="*/ 3571875 w 6191250"/>
+                  <a:gd name="connsiteY7" fmla="*/ 295275 h 650198"/>
+                  <a:gd name="connsiteX8" fmla="*/ 3886200 w 6191250"/>
+                  <a:gd name="connsiteY8" fmla="*/ 409575 h 650198"/>
+                  <a:gd name="connsiteX9" fmla="*/ 4324350 w 6191250"/>
+                  <a:gd name="connsiteY9" fmla="*/ 377825 h 650198"/>
+                  <a:gd name="connsiteX10" fmla="*/ 4572000 w 6191250"/>
+                  <a:gd name="connsiteY10" fmla="*/ 561975 h 650198"/>
+                  <a:gd name="connsiteX11" fmla="*/ 4991100 w 6191250"/>
+                  <a:gd name="connsiteY11" fmla="*/ 561975 h 650198"/>
+                  <a:gd name="connsiteX12" fmla="*/ 5267325 w 6191250"/>
+                  <a:gd name="connsiteY12" fmla="*/ 638175 h 650198"/>
+                  <a:gd name="connsiteX13" fmla="*/ 6000750 w 6191250"/>
+                  <a:gd name="connsiteY13" fmla="*/ 638175 h 650198"/>
+                  <a:gd name="connsiteX14" fmla="*/ 6191250 w 6191250"/>
+                  <a:gd name="connsiteY14" fmla="*/ 523875 h 650198"/>
+                  <a:gd name="connsiteX0" fmla="*/ 0 w 6534150"/>
+                  <a:gd name="connsiteY0" fmla="*/ 0 h 650198"/>
+                  <a:gd name="connsiteX1" fmla="*/ 457200 w 6534150"/>
+                  <a:gd name="connsiteY1" fmla="*/ 76200 h 650198"/>
+                  <a:gd name="connsiteX2" fmla="*/ 1133475 w 6534150"/>
+                  <a:gd name="connsiteY2" fmla="*/ 19050 h 650198"/>
+                  <a:gd name="connsiteX3" fmla="*/ 1762125 w 6534150"/>
+                  <a:gd name="connsiteY3" fmla="*/ 85725 h 650198"/>
+                  <a:gd name="connsiteX4" fmla="*/ 2457450 w 6534150"/>
+                  <a:gd name="connsiteY4" fmla="*/ 28575 h 650198"/>
+                  <a:gd name="connsiteX5" fmla="*/ 3019425 w 6534150"/>
+                  <a:gd name="connsiteY5" fmla="*/ 85725 h 650198"/>
+                  <a:gd name="connsiteX6" fmla="*/ 3305175 w 6534150"/>
+                  <a:gd name="connsiteY6" fmla="*/ 19050 h 650198"/>
+                  <a:gd name="connsiteX7" fmla="*/ 3571875 w 6534150"/>
+                  <a:gd name="connsiteY7" fmla="*/ 295275 h 650198"/>
+                  <a:gd name="connsiteX8" fmla="*/ 3886200 w 6534150"/>
+                  <a:gd name="connsiteY8" fmla="*/ 409575 h 650198"/>
+                  <a:gd name="connsiteX9" fmla="*/ 4324350 w 6534150"/>
+                  <a:gd name="connsiteY9" fmla="*/ 377825 h 650198"/>
+                  <a:gd name="connsiteX10" fmla="*/ 4572000 w 6534150"/>
+                  <a:gd name="connsiteY10" fmla="*/ 561975 h 650198"/>
+                  <a:gd name="connsiteX11" fmla="*/ 4991100 w 6534150"/>
+                  <a:gd name="connsiteY11" fmla="*/ 561975 h 650198"/>
+                  <a:gd name="connsiteX12" fmla="*/ 5267325 w 6534150"/>
+                  <a:gd name="connsiteY12" fmla="*/ 638175 h 650198"/>
+                  <a:gd name="connsiteX13" fmla="*/ 6000750 w 6534150"/>
+                  <a:gd name="connsiteY13" fmla="*/ 638175 h 650198"/>
+                  <a:gd name="connsiteX14" fmla="*/ 6534150 w 6534150"/>
+                  <a:gd name="connsiteY14" fmla="*/ 485775 h 650198"/>
+                  <a:gd name="connsiteX0" fmla="*/ 0 w 6534150"/>
+                  <a:gd name="connsiteY0" fmla="*/ 0 h 650198"/>
+                  <a:gd name="connsiteX1" fmla="*/ 457200 w 6534150"/>
+                  <a:gd name="connsiteY1" fmla="*/ 76200 h 650198"/>
+                  <a:gd name="connsiteX2" fmla="*/ 1133475 w 6534150"/>
+                  <a:gd name="connsiteY2" fmla="*/ 19050 h 650198"/>
+                  <a:gd name="connsiteX3" fmla="*/ 1762125 w 6534150"/>
+                  <a:gd name="connsiteY3" fmla="*/ 85725 h 650198"/>
+                  <a:gd name="connsiteX4" fmla="*/ 2457450 w 6534150"/>
+                  <a:gd name="connsiteY4" fmla="*/ 28575 h 650198"/>
+                  <a:gd name="connsiteX5" fmla="*/ 3019425 w 6534150"/>
+                  <a:gd name="connsiteY5" fmla="*/ 85725 h 650198"/>
+                  <a:gd name="connsiteX6" fmla="*/ 3305175 w 6534150"/>
+                  <a:gd name="connsiteY6" fmla="*/ 19050 h 650198"/>
+                  <a:gd name="connsiteX7" fmla="*/ 3571875 w 6534150"/>
+                  <a:gd name="connsiteY7" fmla="*/ 295275 h 650198"/>
+                  <a:gd name="connsiteX8" fmla="*/ 3886200 w 6534150"/>
+                  <a:gd name="connsiteY8" fmla="*/ 409575 h 650198"/>
+                  <a:gd name="connsiteX9" fmla="*/ 4324350 w 6534150"/>
+                  <a:gd name="connsiteY9" fmla="*/ 377825 h 650198"/>
+                  <a:gd name="connsiteX10" fmla="*/ 4572000 w 6534150"/>
+                  <a:gd name="connsiteY10" fmla="*/ 561975 h 650198"/>
+                  <a:gd name="connsiteX11" fmla="*/ 4991100 w 6534150"/>
+                  <a:gd name="connsiteY11" fmla="*/ 561975 h 650198"/>
+                  <a:gd name="connsiteX12" fmla="*/ 5267325 w 6534150"/>
+                  <a:gd name="connsiteY12" fmla="*/ 638175 h 650198"/>
+                  <a:gd name="connsiteX13" fmla="*/ 6000750 w 6534150"/>
+                  <a:gd name="connsiteY13" fmla="*/ 638175 h 650198"/>
+                  <a:gd name="connsiteX14" fmla="*/ 6534150 w 6534150"/>
+                  <a:gd name="connsiteY14" fmla="*/ 485775 h 650198"/>
+                  <a:gd name="connsiteX0" fmla="*/ 0 w 6400800"/>
+                  <a:gd name="connsiteY0" fmla="*/ 0 h 650198"/>
+                  <a:gd name="connsiteX1" fmla="*/ 457200 w 6400800"/>
+                  <a:gd name="connsiteY1" fmla="*/ 76200 h 650198"/>
+                  <a:gd name="connsiteX2" fmla="*/ 1133475 w 6400800"/>
+                  <a:gd name="connsiteY2" fmla="*/ 19050 h 650198"/>
+                  <a:gd name="connsiteX3" fmla="*/ 1762125 w 6400800"/>
+                  <a:gd name="connsiteY3" fmla="*/ 85725 h 650198"/>
+                  <a:gd name="connsiteX4" fmla="*/ 2457450 w 6400800"/>
+                  <a:gd name="connsiteY4" fmla="*/ 28575 h 650198"/>
+                  <a:gd name="connsiteX5" fmla="*/ 3019425 w 6400800"/>
+                  <a:gd name="connsiteY5" fmla="*/ 85725 h 650198"/>
+                  <a:gd name="connsiteX6" fmla="*/ 3305175 w 6400800"/>
+                  <a:gd name="connsiteY6" fmla="*/ 19050 h 650198"/>
+                  <a:gd name="connsiteX7" fmla="*/ 3571875 w 6400800"/>
+                  <a:gd name="connsiteY7" fmla="*/ 295275 h 650198"/>
+                  <a:gd name="connsiteX8" fmla="*/ 3886200 w 6400800"/>
+                  <a:gd name="connsiteY8" fmla="*/ 409575 h 650198"/>
+                  <a:gd name="connsiteX9" fmla="*/ 4324350 w 6400800"/>
+                  <a:gd name="connsiteY9" fmla="*/ 377825 h 650198"/>
+                  <a:gd name="connsiteX10" fmla="*/ 4572000 w 6400800"/>
+                  <a:gd name="connsiteY10" fmla="*/ 561975 h 650198"/>
+                  <a:gd name="connsiteX11" fmla="*/ 4991100 w 6400800"/>
+                  <a:gd name="connsiteY11" fmla="*/ 561975 h 650198"/>
+                  <a:gd name="connsiteX12" fmla="*/ 5267325 w 6400800"/>
+                  <a:gd name="connsiteY12" fmla="*/ 638175 h 650198"/>
+                  <a:gd name="connsiteX13" fmla="*/ 6000750 w 6400800"/>
+                  <a:gd name="connsiteY13" fmla="*/ 638175 h 650198"/>
+                  <a:gd name="connsiteX14" fmla="*/ 6400800 w 6400800"/>
+                  <a:gd name="connsiteY14" fmla="*/ 495300 h 650198"/>
+                  <a:gd name="connsiteX0" fmla="*/ 0 w 6299200"/>
+                  <a:gd name="connsiteY0" fmla="*/ 0 h 650198"/>
+                  <a:gd name="connsiteX1" fmla="*/ 457200 w 6299200"/>
+                  <a:gd name="connsiteY1" fmla="*/ 76200 h 650198"/>
+                  <a:gd name="connsiteX2" fmla="*/ 1133475 w 6299200"/>
+                  <a:gd name="connsiteY2" fmla="*/ 19050 h 650198"/>
+                  <a:gd name="connsiteX3" fmla="*/ 1762125 w 6299200"/>
+                  <a:gd name="connsiteY3" fmla="*/ 85725 h 650198"/>
+                  <a:gd name="connsiteX4" fmla="*/ 2457450 w 6299200"/>
+                  <a:gd name="connsiteY4" fmla="*/ 28575 h 650198"/>
+                  <a:gd name="connsiteX5" fmla="*/ 3019425 w 6299200"/>
+                  <a:gd name="connsiteY5" fmla="*/ 85725 h 650198"/>
+                  <a:gd name="connsiteX6" fmla="*/ 3305175 w 6299200"/>
+                  <a:gd name="connsiteY6" fmla="*/ 19050 h 650198"/>
+                  <a:gd name="connsiteX7" fmla="*/ 3571875 w 6299200"/>
+                  <a:gd name="connsiteY7" fmla="*/ 295275 h 650198"/>
+                  <a:gd name="connsiteX8" fmla="*/ 3886200 w 6299200"/>
+                  <a:gd name="connsiteY8" fmla="*/ 409575 h 650198"/>
+                  <a:gd name="connsiteX9" fmla="*/ 4324350 w 6299200"/>
+                  <a:gd name="connsiteY9" fmla="*/ 377825 h 650198"/>
+                  <a:gd name="connsiteX10" fmla="*/ 4572000 w 6299200"/>
+                  <a:gd name="connsiteY10" fmla="*/ 561975 h 650198"/>
+                  <a:gd name="connsiteX11" fmla="*/ 4991100 w 6299200"/>
+                  <a:gd name="connsiteY11" fmla="*/ 561975 h 650198"/>
+                  <a:gd name="connsiteX12" fmla="*/ 5267325 w 6299200"/>
+                  <a:gd name="connsiteY12" fmla="*/ 638175 h 650198"/>
+                  <a:gd name="connsiteX13" fmla="*/ 6000750 w 6299200"/>
+                  <a:gd name="connsiteY13" fmla="*/ 638175 h 650198"/>
+                  <a:gd name="connsiteX14" fmla="*/ 6299200 w 6299200"/>
+                  <a:gd name="connsiteY14" fmla="*/ 410634 h 650198"/>
+                  <a:gd name="connsiteX0" fmla="*/ 0 w 6206067"/>
+                  <a:gd name="connsiteY0" fmla="*/ 0 h 650198"/>
+                  <a:gd name="connsiteX1" fmla="*/ 457200 w 6206067"/>
+                  <a:gd name="connsiteY1" fmla="*/ 76200 h 650198"/>
+                  <a:gd name="connsiteX2" fmla="*/ 1133475 w 6206067"/>
+                  <a:gd name="connsiteY2" fmla="*/ 19050 h 650198"/>
+                  <a:gd name="connsiteX3" fmla="*/ 1762125 w 6206067"/>
+                  <a:gd name="connsiteY3" fmla="*/ 85725 h 650198"/>
+                  <a:gd name="connsiteX4" fmla="*/ 2457450 w 6206067"/>
+                  <a:gd name="connsiteY4" fmla="*/ 28575 h 650198"/>
+                  <a:gd name="connsiteX5" fmla="*/ 3019425 w 6206067"/>
+                  <a:gd name="connsiteY5" fmla="*/ 85725 h 650198"/>
+                  <a:gd name="connsiteX6" fmla="*/ 3305175 w 6206067"/>
+                  <a:gd name="connsiteY6" fmla="*/ 19050 h 650198"/>
+                  <a:gd name="connsiteX7" fmla="*/ 3571875 w 6206067"/>
+                  <a:gd name="connsiteY7" fmla="*/ 295275 h 650198"/>
+                  <a:gd name="connsiteX8" fmla="*/ 3886200 w 6206067"/>
+                  <a:gd name="connsiteY8" fmla="*/ 409575 h 650198"/>
+                  <a:gd name="connsiteX9" fmla="*/ 4324350 w 6206067"/>
+                  <a:gd name="connsiteY9" fmla="*/ 377825 h 650198"/>
+                  <a:gd name="connsiteX10" fmla="*/ 4572000 w 6206067"/>
+                  <a:gd name="connsiteY10" fmla="*/ 561975 h 650198"/>
+                  <a:gd name="connsiteX11" fmla="*/ 4991100 w 6206067"/>
+                  <a:gd name="connsiteY11" fmla="*/ 561975 h 650198"/>
+                  <a:gd name="connsiteX12" fmla="*/ 5267325 w 6206067"/>
+                  <a:gd name="connsiteY12" fmla="*/ 638175 h 650198"/>
+                  <a:gd name="connsiteX13" fmla="*/ 6000750 w 6206067"/>
+                  <a:gd name="connsiteY13" fmla="*/ 638175 h 650198"/>
+                  <a:gd name="connsiteX14" fmla="*/ 6206067 w 6206067"/>
+                  <a:gd name="connsiteY14" fmla="*/ 554567 h 650198"/>
+                  <a:gd name="connsiteX0" fmla="*/ 0 w 6206067"/>
+                  <a:gd name="connsiteY0" fmla="*/ 0 h 650198"/>
+                  <a:gd name="connsiteX1" fmla="*/ 457200 w 6206067"/>
+                  <a:gd name="connsiteY1" fmla="*/ 76200 h 650198"/>
+                  <a:gd name="connsiteX2" fmla="*/ 1133475 w 6206067"/>
+                  <a:gd name="connsiteY2" fmla="*/ 19050 h 650198"/>
+                  <a:gd name="connsiteX3" fmla="*/ 1762125 w 6206067"/>
+                  <a:gd name="connsiteY3" fmla="*/ 85725 h 650198"/>
+                  <a:gd name="connsiteX4" fmla="*/ 2457450 w 6206067"/>
+                  <a:gd name="connsiteY4" fmla="*/ 28575 h 650198"/>
+                  <a:gd name="connsiteX5" fmla="*/ 3019425 w 6206067"/>
+                  <a:gd name="connsiteY5" fmla="*/ 85725 h 650198"/>
+                  <a:gd name="connsiteX6" fmla="*/ 3305175 w 6206067"/>
+                  <a:gd name="connsiteY6" fmla="*/ 19050 h 650198"/>
+                  <a:gd name="connsiteX7" fmla="*/ 3571875 w 6206067"/>
+                  <a:gd name="connsiteY7" fmla="*/ 295275 h 650198"/>
+                  <a:gd name="connsiteX8" fmla="*/ 3886200 w 6206067"/>
+                  <a:gd name="connsiteY8" fmla="*/ 409575 h 650198"/>
+                  <a:gd name="connsiteX9" fmla="*/ 4324350 w 6206067"/>
+                  <a:gd name="connsiteY9" fmla="*/ 377825 h 650198"/>
+                  <a:gd name="connsiteX10" fmla="*/ 4572000 w 6206067"/>
+                  <a:gd name="connsiteY10" fmla="*/ 561975 h 650198"/>
+                  <a:gd name="connsiteX11" fmla="*/ 4991100 w 6206067"/>
+                  <a:gd name="connsiteY11" fmla="*/ 561975 h 650198"/>
+                  <a:gd name="connsiteX12" fmla="*/ 5267325 w 6206067"/>
+                  <a:gd name="connsiteY12" fmla="*/ 638175 h 650198"/>
+                  <a:gd name="connsiteX13" fmla="*/ 5806017 w 6206067"/>
+                  <a:gd name="connsiteY13" fmla="*/ 638175 h 650198"/>
+                  <a:gd name="connsiteX14" fmla="*/ 6206067 w 6206067"/>
+                  <a:gd name="connsiteY14" fmla="*/ 554567 h 650198"/>
+                  <a:gd name="connsiteX0" fmla="*/ 0 w 6062133"/>
+                  <a:gd name="connsiteY0" fmla="*/ 0 h 650198"/>
+                  <a:gd name="connsiteX1" fmla="*/ 457200 w 6062133"/>
+                  <a:gd name="connsiteY1" fmla="*/ 76200 h 650198"/>
+                  <a:gd name="connsiteX2" fmla="*/ 1133475 w 6062133"/>
+                  <a:gd name="connsiteY2" fmla="*/ 19050 h 650198"/>
+                  <a:gd name="connsiteX3" fmla="*/ 1762125 w 6062133"/>
+                  <a:gd name="connsiteY3" fmla="*/ 85725 h 650198"/>
+                  <a:gd name="connsiteX4" fmla="*/ 2457450 w 6062133"/>
+                  <a:gd name="connsiteY4" fmla="*/ 28575 h 650198"/>
+                  <a:gd name="connsiteX5" fmla="*/ 3019425 w 6062133"/>
+                  <a:gd name="connsiteY5" fmla="*/ 85725 h 650198"/>
+                  <a:gd name="connsiteX6" fmla="*/ 3305175 w 6062133"/>
+                  <a:gd name="connsiteY6" fmla="*/ 19050 h 650198"/>
+                  <a:gd name="connsiteX7" fmla="*/ 3571875 w 6062133"/>
+                  <a:gd name="connsiteY7" fmla="*/ 295275 h 650198"/>
+                  <a:gd name="connsiteX8" fmla="*/ 3886200 w 6062133"/>
+                  <a:gd name="connsiteY8" fmla="*/ 409575 h 650198"/>
+                  <a:gd name="connsiteX9" fmla="*/ 4324350 w 6062133"/>
+                  <a:gd name="connsiteY9" fmla="*/ 377825 h 650198"/>
+                  <a:gd name="connsiteX10" fmla="*/ 4572000 w 6062133"/>
+                  <a:gd name="connsiteY10" fmla="*/ 561975 h 650198"/>
+                  <a:gd name="connsiteX11" fmla="*/ 4991100 w 6062133"/>
+                  <a:gd name="connsiteY11" fmla="*/ 561975 h 650198"/>
+                  <a:gd name="connsiteX12" fmla="*/ 5267325 w 6062133"/>
+                  <a:gd name="connsiteY12" fmla="*/ 638175 h 650198"/>
+                  <a:gd name="connsiteX13" fmla="*/ 5806017 w 6062133"/>
+                  <a:gd name="connsiteY13" fmla="*/ 638175 h 650198"/>
+                  <a:gd name="connsiteX14" fmla="*/ 6062133 w 6062133"/>
+                  <a:gd name="connsiteY14" fmla="*/ 546101 h 650198"/>
+                  <a:gd name="connsiteX0" fmla="*/ 0 w 5955453"/>
+                  <a:gd name="connsiteY0" fmla="*/ 0 h 650198"/>
+                  <a:gd name="connsiteX1" fmla="*/ 457200 w 5955453"/>
+                  <a:gd name="connsiteY1" fmla="*/ 76200 h 650198"/>
+                  <a:gd name="connsiteX2" fmla="*/ 1133475 w 5955453"/>
+                  <a:gd name="connsiteY2" fmla="*/ 19050 h 650198"/>
+                  <a:gd name="connsiteX3" fmla="*/ 1762125 w 5955453"/>
+                  <a:gd name="connsiteY3" fmla="*/ 85725 h 650198"/>
+                  <a:gd name="connsiteX4" fmla="*/ 2457450 w 5955453"/>
+                  <a:gd name="connsiteY4" fmla="*/ 28575 h 650198"/>
+                  <a:gd name="connsiteX5" fmla="*/ 3019425 w 5955453"/>
+                  <a:gd name="connsiteY5" fmla="*/ 85725 h 650198"/>
+                  <a:gd name="connsiteX6" fmla="*/ 3305175 w 5955453"/>
+                  <a:gd name="connsiteY6" fmla="*/ 19050 h 650198"/>
+                  <a:gd name="connsiteX7" fmla="*/ 3571875 w 5955453"/>
+                  <a:gd name="connsiteY7" fmla="*/ 295275 h 650198"/>
+                  <a:gd name="connsiteX8" fmla="*/ 3886200 w 5955453"/>
+                  <a:gd name="connsiteY8" fmla="*/ 409575 h 650198"/>
+                  <a:gd name="connsiteX9" fmla="*/ 4324350 w 5955453"/>
+                  <a:gd name="connsiteY9" fmla="*/ 377825 h 650198"/>
+                  <a:gd name="connsiteX10" fmla="*/ 4572000 w 5955453"/>
+                  <a:gd name="connsiteY10" fmla="*/ 561975 h 650198"/>
+                  <a:gd name="connsiteX11" fmla="*/ 4991100 w 5955453"/>
+                  <a:gd name="connsiteY11" fmla="*/ 561975 h 650198"/>
+                  <a:gd name="connsiteX12" fmla="*/ 5267325 w 5955453"/>
+                  <a:gd name="connsiteY12" fmla="*/ 638175 h 650198"/>
+                  <a:gd name="connsiteX13" fmla="*/ 5806017 w 5955453"/>
+                  <a:gd name="connsiteY13" fmla="*/ 638175 h 650198"/>
+                  <a:gd name="connsiteX14" fmla="*/ 5955453 w 5955453"/>
+                  <a:gd name="connsiteY14" fmla="*/ 485141 h 650198"/>
+                  <a:gd name="connsiteX0" fmla="*/ 0 w 5955453"/>
+                  <a:gd name="connsiteY0" fmla="*/ 0 h 653603"/>
+                  <a:gd name="connsiteX1" fmla="*/ 457200 w 5955453"/>
+                  <a:gd name="connsiteY1" fmla="*/ 76200 h 653603"/>
+                  <a:gd name="connsiteX2" fmla="*/ 1133475 w 5955453"/>
+                  <a:gd name="connsiteY2" fmla="*/ 19050 h 653603"/>
+                  <a:gd name="connsiteX3" fmla="*/ 1762125 w 5955453"/>
+                  <a:gd name="connsiteY3" fmla="*/ 85725 h 653603"/>
+                  <a:gd name="connsiteX4" fmla="*/ 2457450 w 5955453"/>
+                  <a:gd name="connsiteY4" fmla="*/ 28575 h 653603"/>
+                  <a:gd name="connsiteX5" fmla="*/ 3019425 w 5955453"/>
+                  <a:gd name="connsiteY5" fmla="*/ 85725 h 653603"/>
+                  <a:gd name="connsiteX6" fmla="*/ 3305175 w 5955453"/>
+                  <a:gd name="connsiteY6" fmla="*/ 19050 h 653603"/>
+                  <a:gd name="connsiteX7" fmla="*/ 3571875 w 5955453"/>
+                  <a:gd name="connsiteY7" fmla="*/ 295275 h 653603"/>
+                  <a:gd name="connsiteX8" fmla="*/ 3886200 w 5955453"/>
+                  <a:gd name="connsiteY8" fmla="*/ 409575 h 653603"/>
+                  <a:gd name="connsiteX9" fmla="*/ 4324350 w 5955453"/>
+                  <a:gd name="connsiteY9" fmla="*/ 377825 h 653603"/>
+                  <a:gd name="connsiteX10" fmla="*/ 4572000 w 5955453"/>
+                  <a:gd name="connsiteY10" fmla="*/ 561975 h 653603"/>
+                  <a:gd name="connsiteX11" fmla="*/ 4991100 w 5955453"/>
+                  <a:gd name="connsiteY11" fmla="*/ 561975 h 653603"/>
+                  <a:gd name="connsiteX12" fmla="*/ 5267325 w 5955453"/>
+                  <a:gd name="connsiteY12" fmla="*/ 638175 h 653603"/>
+                  <a:gd name="connsiteX13" fmla="*/ 5587577 w 5955453"/>
+                  <a:gd name="connsiteY13" fmla="*/ 643255 h 653603"/>
+                  <a:gd name="connsiteX14" fmla="*/ 5955453 w 5955453"/>
+                  <a:gd name="connsiteY14" fmla="*/ 485141 h 653603"/>
+                  <a:gd name="connsiteX0" fmla="*/ 0 w 5940213"/>
+                  <a:gd name="connsiteY0" fmla="*/ 0 h 653603"/>
+                  <a:gd name="connsiteX1" fmla="*/ 457200 w 5940213"/>
+                  <a:gd name="connsiteY1" fmla="*/ 76200 h 653603"/>
+                  <a:gd name="connsiteX2" fmla="*/ 1133475 w 5940213"/>
+                  <a:gd name="connsiteY2" fmla="*/ 19050 h 653603"/>
+                  <a:gd name="connsiteX3" fmla="*/ 1762125 w 5940213"/>
+                  <a:gd name="connsiteY3" fmla="*/ 85725 h 653603"/>
+                  <a:gd name="connsiteX4" fmla="*/ 2457450 w 5940213"/>
+                  <a:gd name="connsiteY4" fmla="*/ 28575 h 653603"/>
+                  <a:gd name="connsiteX5" fmla="*/ 3019425 w 5940213"/>
+                  <a:gd name="connsiteY5" fmla="*/ 85725 h 653603"/>
+                  <a:gd name="connsiteX6" fmla="*/ 3305175 w 5940213"/>
+                  <a:gd name="connsiteY6" fmla="*/ 19050 h 653603"/>
+                  <a:gd name="connsiteX7" fmla="*/ 3571875 w 5940213"/>
+                  <a:gd name="connsiteY7" fmla="*/ 295275 h 653603"/>
+                  <a:gd name="connsiteX8" fmla="*/ 3886200 w 5940213"/>
+                  <a:gd name="connsiteY8" fmla="*/ 409575 h 653603"/>
+                  <a:gd name="connsiteX9" fmla="*/ 4324350 w 5940213"/>
+                  <a:gd name="connsiteY9" fmla="*/ 377825 h 653603"/>
+                  <a:gd name="connsiteX10" fmla="*/ 4572000 w 5940213"/>
+                  <a:gd name="connsiteY10" fmla="*/ 561975 h 653603"/>
+                  <a:gd name="connsiteX11" fmla="*/ 4991100 w 5940213"/>
+                  <a:gd name="connsiteY11" fmla="*/ 561975 h 653603"/>
+                  <a:gd name="connsiteX12" fmla="*/ 5267325 w 5940213"/>
+                  <a:gd name="connsiteY12" fmla="*/ 638175 h 653603"/>
+                  <a:gd name="connsiteX13" fmla="*/ 5587577 w 5940213"/>
+                  <a:gd name="connsiteY13" fmla="*/ 643255 h 653603"/>
+                  <a:gd name="connsiteX14" fmla="*/ 5940213 w 5940213"/>
+                  <a:gd name="connsiteY14" fmla="*/ 551181 h 653603"/>
+                </a:gdLst>
+                <a:ahLst/>
+                <a:cxnLst>
+                  <a:cxn ang="0">
+                    <a:pos x="connsiteX0" y="connsiteY0"/>
+                  </a:cxn>
+                  <a:cxn ang="0">
+                    <a:pos x="connsiteX1" y="connsiteY1"/>
+                  </a:cxn>
+                  <a:cxn ang="0">
+                    <a:pos x="connsiteX2" y="connsiteY2"/>
+                  </a:cxn>
+                  <a:cxn ang="0">
+                    <a:pos x="connsiteX3" y="connsiteY3"/>
+                  </a:cxn>
+                  <a:cxn ang="0">
+                    <a:pos x="connsiteX4" y="connsiteY4"/>
+                  </a:cxn>
+                  <a:cxn ang="0">
+                    <a:pos x="connsiteX5" y="connsiteY5"/>
+                  </a:cxn>
+                  <a:cxn ang="0">
+                    <a:pos x="connsiteX6" y="connsiteY6"/>
+                  </a:cxn>
+                  <a:cxn ang="0">
+                    <a:pos x="connsiteX7" y="connsiteY7"/>
+                  </a:cxn>
+                  <a:cxn ang="0">
+                    <a:pos x="connsiteX8" y="connsiteY8"/>
+                  </a:cxn>
+                  <a:cxn ang="0">
+                    <a:pos x="connsiteX9" y="connsiteY9"/>
+                  </a:cxn>
+                  <a:cxn ang="0">
+                    <a:pos x="connsiteX10" y="connsiteY10"/>
+                  </a:cxn>
+                  <a:cxn ang="0">
+                    <a:pos x="connsiteX11" y="connsiteY11"/>
+                  </a:cxn>
+                  <a:cxn ang="0">
+                    <a:pos x="connsiteX12" y="connsiteY12"/>
+                  </a:cxn>
+                  <a:cxn ang="0">
+                    <a:pos x="connsiteX13" y="connsiteY13"/>
+                  </a:cxn>
+                  <a:cxn ang="0">
+                    <a:pos x="connsiteX14" y="connsiteY14"/>
+                  </a:cxn>
+                </a:cxnLst>
+                <a:rect l="l" t="t" r="r" b="b"/>
+                <a:pathLst>
+                  <a:path w="5940213" h="653603">
+                    <a:moveTo>
+                      <a:pt x="0" y="0"/>
+                    </a:moveTo>
+                    <a:cubicBezTo>
+                      <a:pt x="134144" y="36512"/>
+                      <a:pt x="268288" y="73025"/>
+                      <a:pt x="457200" y="76200"/>
+                    </a:cubicBezTo>
+                    <a:cubicBezTo>
+                      <a:pt x="646112" y="79375"/>
+                      <a:pt x="915988" y="17463"/>
+                      <a:pt x="1133475" y="19050"/>
+                    </a:cubicBezTo>
+                    <a:cubicBezTo>
+                      <a:pt x="1350963" y="20638"/>
+                      <a:pt x="1541463" y="84138"/>
+                      <a:pt x="1762125" y="85725"/>
+                    </a:cubicBezTo>
+                    <a:cubicBezTo>
+                      <a:pt x="1982787" y="87312"/>
+                      <a:pt x="2247900" y="28575"/>
+                      <a:pt x="2457450" y="28575"/>
+                    </a:cubicBezTo>
+                    <a:cubicBezTo>
+                      <a:pt x="2667000" y="28575"/>
+                      <a:pt x="2878138" y="87312"/>
+                      <a:pt x="3019425" y="85725"/>
+                    </a:cubicBezTo>
+                    <a:cubicBezTo>
+                      <a:pt x="3160712" y="84138"/>
+                      <a:pt x="3213100" y="-15875"/>
+                      <a:pt x="3305175" y="19050"/>
+                    </a:cubicBezTo>
+                    <a:cubicBezTo>
+                      <a:pt x="3397250" y="53975"/>
+                      <a:pt x="3475038" y="230188"/>
+                      <a:pt x="3571875" y="295275"/>
+                    </a:cubicBezTo>
+                    <a:cubicBezTo>
+                      <a:pt x="3668712" y="360362"/>
+                      <a:pt x="3760788" y="395817"/>
+                      <a:pt x="3886200" y="409575"/>
+                    </a:cubicBezTo>
+                    <a:cubicBezTo>
+                      <a:pt x="4011612" y="423333"/>
+                      <a:pt x="4210050" y="352425"/>
+                      <a:pt x="4324350" y="377825"/>
+                    </a:cubicBezTo>
+                    <a:cubicBezTo>
+                      <a:pt x="4438650" y="403225"/>
+                      <a:pt x="4460875" y="531283"/>
+                      <a:pt x="4572000" y="561975"/>
+                    </a:cubicBezTo>
+                    <a:cubicBezTo>
+                      <a:pt x="4683125" y="592667"/>
+                      <a:pt x="4875213" y="549275"/>
+                      <a:pt x="4991100" y="561975"/>
+                    </a:cubicBezTo>
+                    <a:cubicBezTo>
+                      <a:pt x="5106987" y="574675"/>
+                      <a:pt x="5167912" y="624628"/>
+                      <a:pt x="5267325" y="638175"/>
+                    </a:cubicBezTo>
+                    <a:cubicBezTo>
+                      <a:pt x="5366738" y="651722"/>
+                      <a:pt x="5433590" y="662305"/>
+                      <a:pt x="5587577" y="643255"/>
+                    </a:cubicBezTo>
+                    <a:cubicBezTo>
+                      <a:pt x="5741565" y="624205"/>
+                      <a:pt x="5808451" y="576581"/>
+                      <a:pt x="5940213" y="551181"/>
+                    </a:cubicBezTo>
+                  </a:path>
+                </a:pathLst>
+              </a:custGeom>
+              <a:noFill/>
+              <a:ln w="57150">
+                <a:solidFill>
+                  <a:schemeClr val="bg2">
+                    <a:lumMod val="50000"/>
+                  </a:schemeClr>
+                </a:solidFill>
+              </a:ln>
+            </p:spPr>
+            <p:style>
+              <a:lnRef idx="2">
+                <a:schemeClr val="accent1">
+                  <a:shade val="50000"/>
+                </a:schemeClr>
+              </a:lnRef>
+              <a:fillRef idx="1">
+                <a:schemeClr val="accent1"/>
+              </a:fillRef>
+              <a:effectRef idx="0">
+                <a:schemeClr val="accent1"/>
+              </a:effectRef>
+              <a:fontRef idx="minor">
+                <a:schemeClr val="lt1"/>
+              </a:fontRef>
+            </p:style>
+            <p:txBody>
+              <a:bodyPr rtlCol="0" anchor="ctr"/>
+              <a:lstStyle/>
+              <a:p>
+                <a:pPr algn="ctr"/>
+                <a:endParaRPr lang="en-US" dirty="0"/>
+              </a:p>
+            </p:txBody>
+          </p:sp>
+          <p:sp>
+            <p:nvSpPr>
+              <p:cNvPr id="255" name="TextBox 254">
+                <a:extLst>
+                  <a:ext uri="{FF2B5EF4-FFF2-40B4-BE49-F238E27FC236}">
+                    <a16:creationId xmlns:a16="http://schemas.microsoft.com/office/drawing/2014/main" id="{ACC54FE0-6197-496E-AC6D-95F3F408C531}"/>
+                  </a:ext>
+                </a:extLst>
+              </p:cNvPr>
+              <p:cNvSpPr txBox="1"/>
+              <p:nvPr/>
+            </p:nvSpPr>
+            <p:spPr>
+              <a:xfrm>
+                <a:off x="9460270" y="4854984"/>
+                <a:ext cx="1507067" cy="646331"/>
+              </a:xfrm>
+              <a:prstGeom prst="rect">
+                <a:avLst/>
+              </a:prstGeom>
+              <a:noFill/>
+              <a:ln w="28575">
+                <a:solidFill>
+                  <a:srgbClr val="FF6565"/>
+                </a:solidFill>
+              </a:ln>
+            </p:spPr>
+            <p:txBody>
+              <a:bodyPr wrap="square" rtlCol="0" anchor="ctr">
+                <a:spAutoFit/>
+              </a:bodyPr>
+              <a:lstStyle/>
+              <a:p>
+                <a:pPr algn="ctr"/>
+                <a:r>
+                  <a:rPr lang="en-US" b="1" dirty="0">
+                    <a:solidFill>
+                      <a:srgbClr val="FF6565"/>
+                    </a:solidFill>
+                  </a:rPr>
+                  <a:t>Early Warning Threshold</a:t>
+                </a:r>
+              </a:p>
+            </p:txBody>
+          </p:sp>
+          <p:cxnSp>
+            <p:nvCxnSpPr>
+              <p:cNvPr id="288" name="Connector: Elbow 287">
+                <a:extLst>
+                  <a:ext uri="{FF2B5EF4-FFF2-40B4-BE49-F238E27FC236}">
+                    <a16:creationId xmlns:a16="http://schemas.microsoft.com/office/drawing/2014/main" id="{BFD97516-9950-47A2-B073-74F760795BF7}"/>
+                  </a:ext>
+                </a:extLst>
+              </p:cNvPr>
+              <p:cNvCxnSpPr>
+                <a:cxnSpLocks/>
+              </p:cNvCxnSpPr>
+              <p:nvPr/>
+            </p:nvCxnSpPr>
+            <p:spPr>
+              <a:xfrm>
+                <a:off x="3250595" y="4776956"/>
+                <a:ext cx="5971284" cy="930895"/>
+              </a:xfrm>
+              <a:prstGeom prst="bentConnector3">
+                <a:avLst>
+                  <a:gd name="adj1" fmla="val 232"/>
+                </a:avLst>
+              </a:prstGeom>
+              <a:ln w="38100"/>
+            </p:spPr>
+            <p:style>
+              <a:lnRef idx="3">
+                <a:schemeClr val="dk1"/>
+              </a:lnRef>
+              <a:fillRef idx="0">
+                <a:schemeClr val="dk1"/>
+              </a:fillRef>
+              <a:effectRef idx="2">
+                <a:schemeClr val="dk1"/>
+              </a:effectRef>
+              <a:fontRef idx="minor">
+                <a:schemeClr val="tx1"/>
+              </a:fontRef>
+            </p:style>
+          </p:cxnSp>
+          <p:sp>
+            <p:nvSpPr>
+              <p:cNvPr id="307" name="Subtitle 2">
+                <a:extLst>
+                  <a:ext uri="{FF2B5EF4-FFF2-40B4-BE49-F238E27FC236}">
+                    <a16:creationId xmlns:a16="http://schemas.microsoft.com/office/drawing/2014/main" id="{0B1B1C9B-C048-4A86-8B50-26ECC4879A33}"/>
+                  </a:ext>
+                </a:extLst>
+              </p:cNvPr>
+              <p:cNvSpPr txBox="1">
+                <a:spLocks/>
+              </p:cNvSpPr>
+              <p:nvPr/>
+            </p:nvSpPr>
+            <p:spPr>
+              <a:xfrm rot="16200000">
+                <a:off x="1948431" y="4388532"/>
+                <a:ext cx="928530" cy="1710107"/>
+              </a:xfrm>
+              <a:prstGeom prst="round2SameRect">
+                <a:avLst>
+                  <a:gd name="adj1" fmla="val 35867"/>
+                  <a:gd name="adj2" fmla="val 0"/>
+                </a:avLst>
+              </a:prstGeom>
+              <a:ln w="38100">
+                <a:solidFill>
+                  <a:schemeClr val="tx1"/>
+                </a:solidFill>
+              </a:ln>
+            </p:spPr>
+            <p:txBody>
+              <a:bodyPr vert="vert" lIns="91440" tIns="45720" rIns="91440" bIns="45720" rtlCol="0" anchor="ctr">
+                <a:normAutofit/>
+              </a:bodyPr>
+              <a:lstStyle>
+                <a:lvl1pPr marL="0" indent="0" algn="ctr" defTabSz="914400" rtl="0" eaLnBrk="1" latinLnBrk="0" hangingPunct="1">
+                  <a:lnSpc>
+                    <a:spcPct val="90000"/>
+                  </a:lnSpc>
+                  <a:spcBef>
+                    <a:spcPts val="1000"/>
+                  </a:spcBef>
+                  <a:buFont typeface="Arial" panose="020B0604020202020204" pitchFamily="34" charset="0"/>
+                  <a:buNone/>
+                  <a:defRPr sz="2400" kern="1200">
+                    <a:solidFill>
+                      <a:schemeClr val="tx1"/>
+                    </a:solidFill>
+                    <a:latin typeface="+mn-lt"/>
+                    <a:ea typeface="+mn-ea"/>
+                    <a:cs typeface="+mn-cs"/>
+                  </a:defRPr>
+                </a:lvl1pPr>
+                <a:lvl2pPr marL="457200" indent="0" algn="ctr" defTabSz="914400" rtl="0" eaLnBrk="1" latinLnBrk="0" hangingPunct="1">
+                  <a:lnSpc>
+                    <a:spcPct val="90000"/>
+                  </a:lnSpc>
+                  <a:spcBef>
+                    <a:spcPts val="500"/>
+                  </a:spcBef>
+                  <a:buFont typeface="Arial" panose="020B0604020202020204" pitchFamily="34" charset="0"/>
+                  <a:buNone/>
+                  <a:defRPr sz="2000" kern="1200">
+                    <a:solidFill>
+                      <a:schemeClr val="tx1"/>
+                    </a:solidFill>
+                    <a:latin typeface="+mn-lt"/>
+                    <a:ea typeface="+mn-ea"/>
+                    <a:cs typeface="+mn-cs"/>
+                  </a:defRPr>
+                </a:lvl2pPr>
+                <a:lvl3pPr marL="914400" indent="0" algn="ctr" defTabSz="914400" rtl="0" eaLnBrk="1" latinLnBrk="0" hangingPunct="1">
+                  <a:lnSpc>
+                    <a:spcPct val="90000"/>
+                  </a:lnSpc>
+                  <a:spcBef>
+                    <a:spcPts val="500"/>
+                  </a:spcBef>
+                  <a:buFont typeface="Arial" panose="020B0604020202020204" pitchFamily="34" charset="0"/>
+                  <a:buNone/>
+                  <a:defRPr sz="1800" kern="1200">
+                    <a:solidFill>
+                      <a:schemeClr val="tx1"/>
+                    </a:solidFill>
+                    <a:latin typeface="+mn-lt"/>
+                    <a:ea typeface="+mn-ea"/>
+                    <a:cs typeface="+mn-cs"/>
+                  </a:defRPr>
+                </a:lvl3pPr>
+                <a:lvl4pPr marL="1371600" indent="0" algn="ctr" defTabSz="914400" rtl="0" eaLnBrk="1" latinLnBrk="0" hangingPunct="1">
+                  <a:lnSpc>
+                    <a:spcPct val="90000"/>
+                  </a:lnSpc>
+                  <a:spcBef>
+                    <a:spcPts val="500"/>
+                  </a:spcBef>
+                  <a:buFont typeface="Arial" panose="020B0604020202020204" pitchFamily="34" charset="0"/>
+                  <a:buNone/>
+                  <a:defRPr sz="1600" kern="1200">
+                    <a:solidFill>
+                      <a:schemeClr val="tx1"/>
+                    </a:solidFill>
+                    <a:latin typeface="+mn-lt"/>
+                    <a:ea typeface="+mn-ea"/>
+                    <a:cs typeface="+mn-cs"/>
+                  </a:defRPr>
+                </a:lvl4pPr>
+                <a:lvl5pPr marL="1828800" indent="0" algn="ctr" defTabSz="914400" rtl="0" eaLnBrk="1" latinLnBrk="0" hangingPunct="1">
+                  <a:lnSpc>
+                    <a:spcPct val="90000"/>
+                  </a:lnSpc>
+                  <a:spcBef>
+                    <a:spcPts val="500"/>
+                  </a:spcBef>
+                  <a:buFont typeface="Arial" panose="020B0604020202020204" pitchFamily="34" charset="0"/>
+                  <a:buNone/>
+                  <a:defRPr sz="1600" kern="1200">
+                    <a:solidFill>
+                      <a:schemeClr val="tx1"/>
+                    </a:solidFill>
+                    <a:latin typeface="+mn-lt"/>
+                    <a:ea typeface="+mn-ea"/>
+                    <a:cs typeface="+mn-cs"/>
+                  </a:defRPr>
+                </a:lvl5pPr>
+                <a:lvl6pPr marL="2286000" indent="0" algn="ctr" defTabSz="914400" rtl="0" eaLnBrk="1" latinLnBrk="0" hangingPunct="1">
+                  <a:lnSpc>
+                    <a:spcPct val="90000"/>
+                  </a:lnSpc>
+                  <a:spcBef>
+                    <a:spcPts val="500"/>
+                  </a:spcBef>
+                  <a:buFont typeface="Arial" panose="020B0604020202020204" pitchFamily="34" charset="0"/>
+                  <a:buNone/>
+                  <a:defRPr sz="1600" kern="1200">
+                    <a:solidFill>
+                      <a:schemeClr val="tx1"/>
+                    </a:solidFill>
+                    <a:latin typeface="+mn-lt"/>
+                    <a:ea typeface="+mn-ea"/>
+                    <a:cs typeface="+mn-cs"/>
+                  </a:defRPr>
+                </a:lvl6pPr>
+                <a:lvl7pPr marL="2743200" indent="0" algn="ctr" defTabSz="914400" rtl="0" eaLnBrk="1" latinLnBrk="0" hangingPunct="1">
+                  <a:lnSpc>
+                    <a:spcPct val="90000"/>
+                  </a:lnSpc>
+                  <a:spcBef>
+                    <a:spcPts val="500"/>
+                  </a:spcBef>
+                  <a:buFont typeface="Arial" panose="020B0604020202020204" pitchFamily="34" charset="0"/>
+                  <a:buNone/>
+                  <a:defRPr sz="1600" kern="1200">
+                    <a:solidFill>
+                      <a:schemeClr val="tx1"/>
+                    </a:solidFill>
+                    <a:latin typeface="+mn-lt"/>
+                    <a:ea typeface="+mn-ea"/>
+                    <a:cs typeface="+mn-cs"/>
+                  </a:defRPr>
+                </a:lvl7pPr>
+                <a:lvl8pPr marL="3200400" indent="0" algn="ctr" defTabSz="914400" rtl="0" eaLnBrk="1" latinLnBrk="0" hangingPunct="1">
+                  <a:lnSpc>
+                    <a:spcPct val="90000"/>
+                  </a:lnSpc>
+                  <a:spcBef>
+                    <a:spcPts val="500"/>
+                  </a:spcBef>
+                  <a:buFont typeface="Arial" panose="020B0604020202020204" pitchFamily="34" charset="0"/>
+                  <a:buNone/>
+                  <a:defRPr sz="1600" kern="1200">
+                    <a:solidFill>
+                      <a:schemeClr val="tx1"/>
+                    </a:solidFill>
+                    <a:latin typeface="+mn-lt"/>
+                    <a:ea typeface="+mn-ea"/>
+                    <a:cs typeface="+mn-cs"/>
+                  </a:defRPr>
+                </a:lvl8pPr>
+                <a:lvl9pPr marL="3657600" indent="0" algn="ctr" defTabSz="914400" rtl="0" eaLnBrk="1" latinLnBrk="0" hangingPunct="1">
+                  <a:lnSpc>
+                    <a:spcPct val="90000"/>
+                  </a:lnSpc>
+                  <a:spcBef>
+                    <a:spcPts val="500"/>
+                  </a:spcBef>
+                  <a:buFont typeface="Arial" panose="020B0604020202020204" pitchFamily="34" charset="0"/>
+                  <a:buNone/>
+                  <a:defRPr sz="1600" kern="1200">
+                    <a:solidFill>
+                      <a:schemeClr val="tx1"/>
+                    </a:solidFill>
+                    <a:latin typeface="+mn-lt"/>
+                    <a:ea typeface="+mn-ea"/>
+                    <a:cs typeface="+mn-cs"/>
+                  </a:defRPr>
+                </a:lvl9pPr>
+              </a:lstStyle>
+              <a:p>
+                <a:r>
+                  <a:rPr lang="en-US" sz="2000" b="1" dirty="0"/>
+                  <a:t>Likelihood</a:t>
+                </a:r>
+              </a:p>
+            </p:txBody>
+          </p:sp>
+        </p:grpSp>
+        <p:sp>
+          <p:nvSpPr>
+            <p:cNvPr id="348" name="Rectangle 347">
+              <a:extLst>
+                <a:ext uri="{FF2B5EF4-FFF2-40B4-BE49-F238E27FC236}">
+                  <a16:creationId xmlns:a16="http://schemas.microsoft.com/office/drawing/2014/main" id="{C8A99366-507F-46F3-9A0A-4CCE50D6D4B1}"/>
+                </a:ext>
+              </a:extLst>
+            </p:cNvPr>
+            <p:cNvSpPr/>
+            <p:nvPr/>
+          </p:nvSpPr>
+          <p:spPr>
+            <a:xfrm>
+              <a:off x="6447291" y="4852227"/>
+              <a:ext cx="2765425" cy="948554"/>
+            </a:xfrm>
+            <a:prstGeom prst="rect">
+              <a:avLst/>
+            </a:prstGeom>
+            <a:solidFill>
+              <a:srgbClr val="7030A0">
+                <a:alpha val="25882"/>
+              </a:srgbClr>
+            </a:solidFill>
+            <a:ln>
+              <a:noFill/>
+            </a:ln>
+          </p:spPr>
+          <p:style>
+            <a:lnRef idx="2">
+              <a:schemeClr val="accent1">
+                <a:shade val="50000"/>
+              </a:schemeClr>
+            </a:lnRef>
+            <a:fillRef idx="1">
+              <a:schemeClr val="accent1"/>
+            </a:fillRef>
+            <a:effectRef idx="0">
+              <a:schemeClr val="accent1"/>
+            </a:effectRef>
+            <a:fontRef idx="minor">
+              <a:schemeClr val="lt1"/>
+            </a:fontRef>
+          </p:style>
+          <p:txBody>
+            <a:bodyPr rtlCol="0" anchor="ctr"/>
+            <a:lstStyle/>
+            <a:p>
+              <a:pPr algn="ctr"/>
+              <a:endParaRPr lang="en-US" dirty="0"/>
+            </a:p>
+          </p:txBody>
+        </p:sp>
+      </p:grpSp>
+    </p:spTree>
+    <p:extLst>
+      <p:ext uri="{BB962C8B-B14F-4D97-AF65-F5344CB8AC3E}">
+        <p14:creationId xmlns:p14="http://schemas.microsoft.com/office/powerpoint/2010/main" val="1093288604"/>
+      </p:ext>
+    </p:extLst>
+  </p:cSld>
+  <p:clrMapOvr>
+    <a:masterClrMapping/>
+  </p:clrMapOvr>
+</p:sld>
+</file>
+
+<file path=ppt/slides/slide3.xml><?xml version="1.0" encoding="utf-8"?>
 <p:sld xmlns:a="http://schemas.openxmlformats.org/drawingml/2006/main" xmlns:r="http://schemas.openxmlformats.org/officeDocument/2006/relationships" xmlns:p="http://schemas.openxmlformats.org/presentationml/2006/main">
   <p:cSld>
     <p:spTree>
@@ -9580,7 +14930,7 @@
 </p:sld>
 </file>
 
-<file path=ppt/slides/slide3.xml><?xml version="1.0" encoding="utf-8"?>
+<file path=ppt/slides/slide4.xml><?xml version="1.0" encoding="utf-8"?>
 <p:sld xmlns:a="http://schemas.openxmlformats.org/drawingml/2006/main" xmlns:r="http://schemas.openxmlformats.org/officeDocument/2006/relationships" xmlns:p="http://schemas.openxmlformats.org/presentationml/2006/main">
   <p:cSld>
     <p:spTree>
@@ -11354,7 +16704,7 @@
 </p:sld>
 </file>
 
-<file path=ppt/slides/slide4.xml><?xml version="1.0" encoding="utf-8"?>
+<file path=ppt/slides/slide5.xml><?xml version="1.0" encoding="utf-8"?>
 <p:sld xmlns:a="http://schemas.openxmlformats.org/drawingml/2006/main" xmlns:r="http://schemas.openxmlformats.org/officeDocument/2006/relationships" xmlns:p="http://schemas.openxmlformats.org/presentationml/2006/main">
   <p:cSld>
     <p:spTree>
@@ -11995,7 +17345,7 @@
 </p:sld>
 </file>
 
-<file path=ppt/slides/slide5.xml><?xml version="1.0" encoding="utf-8"?>
+<file path=ppt/slides/slide6.xml><?xml version="1.0" encoding="utf-8"?>
 <p:sld xmlns:a="http://schemas.openxmlformats.org/drawingml/2006/main" xmlns:r="http://schemas.openxmlformats.org/officeDocument/2006/relationships" xmlns:p="http://schemas.openxmlformats.org/presentationml/2006/main">
   <p:cSld>
     <p:spTree>
@@ -12085,7 +17435,7 @@
 </p:sld>
 </file>
 
-<file path=ppt/slides/slide6.xml><?xml version="1.0" encoding="utf-8"?>
+<file path=ppt/slides/slide7.xml><?xml version="1.0" encoding="utf-8"?>
 <p:sld xmlns:a="http://schemas.openxmlformats.org/drawingml/2006/main" xmlns:r="http://schemas.openxmlformats.org/officeDocument/2006/relationships" xmlns:p="http://schemas.openxmlformats.org/presentationml/2006/main">
   <p:cSld>
     <p:spTree>

--- a/TRFigures.pptx
+++ b/TRFigures.pptx
@@ -8,10 +8,11 @@
     <p:sldId id="256" r:id="rId2"/>
     <p:sldId id="262" r:id="rId3"/>
     <p:sldId id="257" r:id="rId4"/>
-    <p:sldId id="258" r:id="rId5"/>
-    <p:sldId id="259" r:id="rId6"/>
-    <p:sldId id="260" r:id="rId7"/>
-    <p:sldId id="261" r:id="rId8"/>
+    <p:sldId id="263" r:id="rId5"/>
+    <p:sldId id="258" r:id="rId6"/>
+    <p:sldId id="259" r:id="rId7"/>
+    <p:sldId id="260" r:id="rId8"/>
+    <p:sldId id="261" r:id="rId9"/>
   </p:sldIdLst>
   <p:sldSz cx="12192000" cy="6858000"/>
   <p:notesSz cx="6858000" cy="9144000"/>
@@ -123,10 +124,96 @@
   <pc:docChgLst>
     <pc:chgData name="Ryan Taylor" userId="d8e9bb2a620fd165" providerId="LiveId" clId="{75F59A67-119A-47EF-BF0A-974FACE50850}"/>
     <pc:docChg chg="undo redo custSel addSld modSld">
-      <pc:chgData name="Ryan Taylor" userId="d8e9bb2a620fd165" providerId="LiveId" clId="{75F59A67-119A-47EF-BF0A-974FACE50850}" dt="2020-04-22T00:41:42.640" v="1146" actId="164"/>
+      <pc:chgData name="Ryan Taylor" userId="d8e9bb2a620fd165" providerId="LiveId" clId="{75F59A67-119A-47EF-BF0A-974FACE50850}" dt="2020-05-01T04:31:32.645" v="1173"/>
       <pc:docMkLst>
         <pc:docMk/>
       </pc:docMkLst>
+      <pc:sldChg chg="modSp">
+        <pc:chgData name="Ryan Taylor" userId="d8e9bb2a620fd165" providerId="LiveId" clId="{75F59A67-119A-47EF-BF0A-974FACE50850}" dt="2020-05-01T04:28:54.049" v="1151" actId="207"/>
+        <pc:sldMkLst>
+          <pc:docMk/>
+          <pc:sldMk cId="1678964675" sldId="256"/>
+        </pc:sldMkLst>
+        <pc:spChg chg="mod ord">
+          <ac:chgData name="Ryan Taylor" userId="d8e9bb2a620fd165" providerId="LiveId" clId="{75F59A67-119A-47EF-BF0A-974FACE50850}" dt="2020-05-01T04:28:46.060" v="1150" actId="207"/>
+          <ac:spMkLst>
+            <pc:docMk/>
+            <pc:sldMk cId="1678964675" sldId="256"/>
+            <ac:spMk id="3" creationId="{FDFB6919-BCE3-4E1D-A6BB-F2160059AFDC}"/>
+          </ac:spMkLst>
+        </pc:spChg>
+        <pc:spChg chg="mod">
+          <ac:chgData name="Ryan Taylor" userId="d8e9bb2a620fd165" providerId="LiveId" clId="{75F59A67-119A-47EF-BF0A-974FACE50850}" dt="2020-05-01T04:28:54.049" v="1151" actId="207"/>
+          <ac:spMkLst>
+            <pc:docMk/>
+            <pc:sldMk cId="1678964675" sldId="256"/>
+            <ac:spMk id="21" creationId="{659D080D-6145-4E36-A526-57C501BE5C85}"/>
+          </ac:spMkLst>
+        </pc:spChg>
+      </pc:sldChg>
+      <pc:sldChg chg="modSp">
+        <pc:chgData name="Ryan Taylor" userId="d8e9bb2a620fd165" providerId="LiveId" clId="{75F59A67-119A-47EF-BF0A-974FACE50850}" dt="2020-05-01T04:31:22.742" v="1170" actId="1076"/>
+        <pc:sldMkLst>
+          <pc:docMk/>
+          <pc:sldMk cId="1188328832" sldId="257"/>
+        </pc:sldMkLst>
+        <pc:spChg chg="mod ord">
+          <ac:chgData name="Ryan Taylor" userId="d8e9bb2a620fd165" providerId="LiveId" clId="{75F59A67-119A-47EF-BF0A-974FACE50850}" dt="2020-05-01T04:29:28.115" v="1153" actId="166"/>
+          <ac:spMkLst>
+            <pc:docMk/>
+            <pc:sldMk cId="1188328832" sldId="257"/>
+            <ac:spMk id="3" creationId="{FDFB6919-BCE3-4E1D-A6BB-F2160059AFDC}"/>
+          </ac:spMkLst>
+        </pc:spChg>
+        <pc:spChg chg="mod">
+          <ac:chgData name="Ryan Taylor" userId="d8e9bb2a620fd165" providerId="LiveId" clId="{75F59A67-119A-47EF-BF0A-974FACE50850}" dt="2020-05-01T04:31:02.213" v="1165" actId="1076"/>
+          <ac:spMkLst>
+            <pc:docMk/>
+            <pc:sldMk cId="1188328832" sldId="257"/>
+            <ac:spMk id="10" creationId="{45EEFF2B-9F5B-4757-BAF8-E8693E6743CD}"/>
+          </ac:spMkLst>
+        </pc:spChg>
+        <pc:spChg chg="mod">
+          <ac:chgData name="Ryan Taylor" userId="d8e9bb2a620fd165" providerId="LiveId" clId="{75F59A67-119A-47EF-BF0A-974FACE50850}" dt="2020-05-01T04:30:54.061" v="1164" actId="14100"/>
+          <ac:spMkLst>
+            <pc:docMk/>
+            <pc:sldMk cId="1188328832" sldId="257"/>
+            <ac:spMk id="11" creationId="{CD4C1419-BC5C-44FC-AA73-0255B495D99A}"/>
+          </ac:spMkLst>
+        </pc:spChg>
+        <pc:spChg chg="mod">
+          <ac:chgData name="Ryan Taylor" userId="d8e9bb2a620fd165" providerId="LiveId" clId="{75F59A67-119A-47EF-BF0A-974FACE50850}" dt="2020-05-01T04:31:10.700" v="1167" actId="14100"/>
+          <ac:spMkLst>
+            <pc:docMk/>
+            <pc:sldMk cId="1188328832" sldId="257"/>
+            <ac:spMk id="17" creationId="{087173BB-6DA0-4A63-A29E-CFD23B3993B0}"/>
+          </ac:spMkLst>
+        </pc:spChg>
+        <pc:spChg chg="mod">
+          <ac:chgData name="Ryan Taylor" userId="d8e9bb2a620fd165" providerId="LiveId" clId="{75F59A67-119A-47EF-BF0A-974FACE50850}" dt="2020-05-01T04:29:20.190" v="1152" actId="207"/>
+          <ac:spMkLst>
+            <pc:docMk/>
+            <pc:sldMk cId="1188328832" sldId="257"/>
+            <ac:spMk id="21" creationId="{659D080D-6145-4E36-A526-57C501BE5C85}"/>
+          </ac:spMkLst>
+        </pc:spChg>
+        <pc:spChg chg="mod">
+          <ac:chgData name="Ryan Taylor" userId="d8e9bb2a620fd165" providerId="LiveId" clId="{75F59A67-119A-47EF-BF0A-974FACE50850}" dt="2020-05-01T04:30:47.440" v="1162" actId="14100"/>
+          <ac:spMkLst>
+            <pc:docMk/>
+            <pc:sldMk cId="1188328832" sldId="257"/>
+            <ac:spMk id="48" creationId="{72D8FB27-EE6A-428C-BED9-35022A4D5CF4}"/>
+          </ac:spMkLst>
+        </pc:spChg>
+        <pc:cxnChg chg="mod">
+          <ac:chgData name="Ryan Taylor" userId="d8e9bb2a620fd165" providerId="LiveId" clId="{75F59A67-119A-47EF-BF0A-974FACE50850}" dt="2020-05-01T04:31:22.742" v="1170" actId="1076"/>
+          <ac:cxnSpMkLst>
+            <pc:docMk/>
+            <pc:sldMk cId="1188328832" sldId="257"/>
+            <ac:cxnSpMk id="9" creationId="{8258B89F-68D5-4F40-955D-0C596575081C}"/>
+          </ac:cxnSpMkLst>
+        </pc:cxnChg>
+      </pc:sldChg>
       <pc:sldChg chg="addSp delSp modSp add">
         <pc:chgData name="Ryan Taylor" userId="d8e9bb2a620fd165" providerId="LiveId" clId="{75F59A67-119A-47EF-BF0A-974FACE50850}" dt="2020-04-22T00:41:42.640" v="1146" actId="164"/>
         <pc:sldMkLst>
@@ -1342,6 +1429,205 @@
           </ac:cxnSpMkLst>
         </pc:cxnChg>
       </pc:sldChg>
+      <pc:sldChg chg="addSp delSp modSp add">
+        <pc:chgData name="Ryan Taylor" userId="d8e9bb2a620fd165" providerId="LiveId" clId="{75F59A67-119A-47EF-BF0A-974FACE50850}" dt="2020-05-01T04:31:32.645" v="1173"/>
+        <pc:sldMkLst>
+          <pc:docMk/>
+          <pc:sldMk cId="2774898293" sldId="263"/>
+        </pc:sldMkLst>
+        <pc:spChg chg="del">
+          <ac:chgData name="Ryan Taylor" userId="d8e9bb2a620fd165" providerId="LiveId" clId="{75F59A67-119A-47EF-BF0A-974FACE50850}" dt="2020-05-01T04:31:31.122" v="1172" actId="21"/>
+          <ac:spMkLst>
+            <pc:docMk/>
+            <pc:sldMk cId="2774898293" sldId="263"/>
+            <ac:spMk id="3" creationId="{FDFB6919-BCE3-4E1D-A6BB-F2160059AFDC}"/>
+          </ac:spMkLst>
+        </pc:spChg>
+        <pc:spChg chg="del">
+          <ac:chgData name="Ryan Taylor" userId="d8e9bb2a620fd165" providerId="LiveId" clId="{75F59A67-119A-47EF-BF0A-974FACE50850}" dt="2020-05-01T04:31:31.122" v="1172" actId="21"/>
+          <ac:spMkLst>
+            <pc:docMk/>
+            <pc:sldMk cId="2774898293" sldId="263"/>
+            <ac:spMk id="4" creationId="{30BCFF73-4DE9-4405-BD7E-C1020D9BA54A}"/>
+          </ac:spMkLst>
+        </pc:spChg>
+        <pc:spChg chg="add mod">
+          <ac:chgData name="Ryan Taylor" userId="d8e9bb2a620fd165" providerId="LiveId" clId="{75F59A67-119A-47EF-BF0A-974FACE50850}" dt="2020-05-01T04:31:31.122" v="1172" actId="21"/>
+          <ac:spMkLst>
+            <pc:docMk/>
+            <pc:sldMk cId="2774898293" sldId="263"/>
+            <ac:spMk id="6" creationId="{BFBCCB9D-F2DB-477E-8184-DB05E935047E}"/>
+          </ac:spMkLst>
+        </pc:spChg>
+        <pc:spChg chg="del">
+          <ac:chgData name="Ryan Taylor" userId="d8e9bb2a620fd165" providerId="LiveId" clId="{75F59A67-119A-47EF-BF0A-974FACE50850}" dt="2020-05-01T04:31:31.122" v="1172" actId="21"/>
+          <ac:spMkLst>
+            <pc:docMk/>
+            <pc:sldMk cId="2774898293" sldId="263"/>
+            <ac:spMk id="14" creationId="{2B2E6FF1-4EFB-4766-8FD7-44E7950DC35F}"/>
+          </ac:spMkLst>
+        </pc:spChg>
+        <pc:spChg chg="del">
+          <ac:chgData name="Ryan Taylor" userId="d8e9bb2a620fd165" providerId="LiveId" clId="{75F59A67-119A-47EF-BF0A-974FACE50850}" dt="2020-05-01T04:31:31.122" v="1172" actId="21"/>
+          <ac:spMkLst>
+            <pc:docMk/>
+            <pc:sldMk cId="2774898293" sldId="263"/>
+            <ac:spMk id="17" creationId="{087173BB-6DA0-4A63-A29E-CFD23B3993B0}"/>
+          </ac:spMkLst>
+        </pc:spChg>
+        <pc:spChg chg="del">
+          <ac:chgData name="Ryan Taylor" userId="d8e9bb2a620fd165" providerId="LiveId" clId="{75F59A67-119A-47EF-BF0A-974FACE50850}" dt="2020-05-01T04:31:31.122" v="1172" actId="21"/>
+          <ac:spMkLst>
+            <pc:docMk/>
+            <pc:sldMk cId="2774898293" sldId="263"/>
+            <ac:spMk id="21" creationId="{659D080D-6145-4E36-A526-57C501BE5C85}"/>
+          </ac:spMkLst>
+        </pc:spChg>
+        <pc:spChg chg="del">
+          <ac:chgData name="Ryan Taylor" userId="d8e9bb2a620fd165" providerId="LiveId" clId="{75F59A67-119A-47EF-BF0A-974FACE50850}" dt="2020-05-01T04:31:31.122" v="1172" actId="21"/>
+          <ac:spMkLst>
+            <pc:docMk/>
+            <pc:sldMk cId="2774898293" sldId="263"/>
+            <ac:spMk id="23" creationId="{C6538DFD-ED29-4DE5-AFBB-574CA89EDF69}"/>
+          </ac:spMkLst>
+        </pc:spChg>
+        <pc:spChg chg="del">
+          <ac:chgData name="Ryan Taylor" userId="d8e9bb2a620fd165" providerId="LiveId" clId="{75F59A67-119A-47EF-BF0A-974FACE50850}" dt="2020-05-01T04:31:31.122" v="1172" actId="21"/>
+          <ac:spMkLst>
+            <pc:docMk/>
+            <pc:sldMk cId="2774898293" sldId="263"/>
+            <ac:spMk id="45" creationId="{F44BED04-DE49-4958-A0CB-7919AADD118C}"/>
+          </ac:spMkLst>
+        </pc:spChg>
+        <pc:spChg chg="del">
+          <ac:chgData name="Ryan Taylor" userId="d8e9bb2a620fd165" providerId="LiveId" clId="{75F59A67-119A-47EF-BF0A-974FACE50850}" dt="2020-05-01T04:31:31.122" v="1172" actId="21"/>
+          <ac:spMkLst>
+            <pc:docMk/>
+            <pc:sldMk cId="2774898293" sldId="263"/>
+            <ac:spMk id="46" creationId="{1089820A-C4EF-4BF9-A84B-38F130B9A25C}"/>
+          </ac:spMkLst>
+        </pc:spChg>
+        <pc:spChg chg="del">
+          <ac:chgData name="Ryan Taylor" userId="d8e9bb2a620fd165" providerId="LiveId" clId="{75F59A67-119A-47EF-BF0A-974FACE50850}" dt="2020-05-01T04:31:31.122" v="1172" actId="21"/>
+          <ac:spMkLst>
+            <pc:docMk/>
+            <pc:sldMk cId="2774898293" sldId="263"/>
+            <ac:spMk id="81" creationId="{0BDD36D5-F687-4F18-A35D-A18DCDC7D42E}"/>
+          </ac:spMkLst>
+        </pc:spChg>
+        <pc:spChg chg="del">
+          <ac:chgData name="Ryan Taylor" userId="d8e9bb2a620fd165" providerId="LiveId" clId="{75F59A67-119A-47EF-BF0A-974FACE50850}" dt="2020-05-01T04:31:31.122" v="1172" actId="21"/>
+          <ac:spMkLst>
+            <pc:docMk/>
+            <pc:sldMk cId="2774898293" sldId="263"/>
+            <ac:spMk id="90" creationId="{516B770E-68DC-4878-95ED-CBB3EE597A93}"/>
+          </ac:spMkLst>
+        </pc:spChg>
+        <pc:spChg chg="del">
+          <ac:chgData name="Ryan Taylor" userId="d8e9bb2a620fd165" providerId="LiveId" clId="{75F59A67-119A-47EF-BF0A-974FACE50850}" dt="2020-05-01T04:31:31.122" v="1172" actId="21"/>
+          <ac:spMkLst>
+            <pc:docMk/>
+            <pc:sldMk cId="2774898293" sldId="263"/>
+            <ac:spMk id="102" creationId="{1C737CE7-073B-401A-B1CB-EB79DEF28211}"/>
+          </ac:spMkLst>
+        </pc:spChg>
+        <pc:grpChg chg="del">
+          <ac:chgData name="Ryan Taylor" userId="d8e9bb2a620fd165" providerId="LiveId" clId="{75F59A67-119A-47EF-BF0A-974FACE50850}" dt="2020-05-01T04:31:31.122" v="1172" actId="21"/>
+          <ac:grpSpMkLst>
+            <pc:docMk/>
+            <pc:sldMk cId="2774898293" sldId="263"/>
+            <ac:grpSpMk id="5" creationId="{5FA3E979-C240-4D8E-A02A-B3779A455ACC}"/>
+          </ac:grpSpMkLst>
+        </pc:grpChg>
+        <pc:picChg chg="add">
+          <ac:chgData name="Ryan Taylor" userId="d8e9bb2a620fd165" providerId="LiveId" clId="{75F59A67-119A-47EF-BF0A-974FACE50850}" dt="2020-05-01T04:31:32.645" v="1173"/>
+          <ac:picMkLst>
+            <pc:docMk/>
+            <pc:sldMk cId="2774898293" sldId="263"/>
+            <ac:picMk id="7" creationId="{2AAB06A4-5D2C-4609-BA2B-B18BD8667A5F}"/>
+          </ac:picMkLst>
+        </pc:picChg>
+        <pc:cxnChg chg="del">
+          <ac:chgData name="Ryan Taylor" userId="d8e9bb2a620fd165" providerId="LiveId" clId="{75F59A67-119A-47EF-BF0A-974FACE50850}" dt="2020-05-01T04:31:31.122" v="1172" actId="21"/>
+          <ac:cxnSpMkLst>
+            <pc:docMk/>
+            <pc:sldMk cId="2774898293" sldId="263"/>
+            <ac:cxnSpMk id="9" creationId="{8258B89F-68D5-4F40-955D-0C596575081C}"/>
+          </ac:cxnSpMkLst>
+        </pc:cxnChg>
+        <pc:cxnChg chg="del">
+          <ac:chgData name="Ryan Taylor" userId="d8e9bb2a620fd165" providerId="LiveId" clId="{75F59A67-119A-47EF-BF0A-974FACE50850}" dt="2020-05-01T04:31:31.122" v="1172" actId="21"/>
+          <ac:cxnSpMkLst>
+            <pc:docMk/>
+            <pc:sldMk cId="2774898293" sldId="263"/>
+            <ac:cxnSpMk id="16" creationId="{0D001656-48DC-476D-B475-70538230E7D0}"/>
+          </ac:cxnSpMkLst>
+        </pc:cxnChg>
+        <pc:cxnChg chg="del">
+          <ac:chgData name="Ryan Taylor" userId="d8e9bb2a620fd165" providerId="LiveId" clId="{75F59A67-119A-47EF-BF0A-974FACE50850}" dt="2020-05-01T04:31:31.122" v="1172" actId="21"/>
+          <ac:cxnSpMkLst>
+            <pc:docMk/>
+            <pc:sldMk cId="2774898293" sldId="263"/>
+            <ac:cxnSpMk id="39" creationId="{6569B12C-E465-463F-BC7B-73BDE7EF8CDC}"/>
+          </ac:cxnSpMkLst>
+        </pc:cxnChg>
+        <pc:cxnChg chg="del mod">
+          <ac:chgData name="Ryan Taylor" userId="d8e9bb2a620fd165" providerId="LiveId" clId="{75F59A67-119A-47EF-BF0A-974FACE50850}" dt="2020-05-01T04:31:31.122" v="1172" actId="21"/>
+          <ac:cxnSpMkLst>
+            <pc:docMk/>
+            <pc:sldMk cId="2774898293" sldId="263"/>
+            <ac:cxnSpMk id="42" creationId="{477CD4FC-8C6D-467C-934E-DB8855B82F9B}"/>
+          </ac:cxnSpMkLst>
+        </pc:cxnChg>
+        <pc:cxnChg chg="del mod">
+          <ac:chgData name="Ryan Taylor" userId="d8e9bb2a620fd165" providerId="LiveId" clId="{75F59A67-119A-47EF-BF0A-974FACE50850}" dt="2020-05-01T04:31:31.122" v="1172" actId="21"/>
+          <ac:cxnSpMkLst>
+            <pc:docMk/>
+            <pc:sldMk cId="2774898293" sldId="263"/>
+            <ac:cxnSpMk id="52" creationId="{07C07546-E4A7-4ADF-B3F9-6E21B5B78BBD}"/>
+          </ac:cxnSpMkLst>
+        </pc:cxnChg>
+        <pc:cxnChg chg="del mod">
+          <ac:chgData name="Ryan Taylor" userId="d8e9bb2a620fd165" providerId="LiveId" clId="{75F59A67-119A-47EF-BF0A-974FACE50850}" dt="2020-05-01T04:31:31.122" v="1172" actId="21"/>
+          <ac:cxnSpMkLst>
+            <pc:docMk/>
+            <pc:sldMk cId="2774898293" sldId="263"/>
+            <ac:cxnSpMk id="55" creationId="{7F5FBFB8-8A96-41A4-8573-96967C1283F7}"/>
+          </ac:cxnSpMkLst>
+        </pc:cxnChg>
+        <pc:cxnChg chg="del mod">
+          <ac:chgData name="Ryan Taylor" userId="d8e9bb2a620fd165" providerId="LiveId" clId="{75F59A67-119A-47EF-BF0A-974FACE50850}" dt="2020-05-01T04:31:31.122" v="1172" actId="21"/>
+          <ac:cxnSpMkLst>
+            <pc:docMk/>
+            <pc:sldMk cId="2774898293" sldId="263"/>
+            <ac:cxnSpMk id="63" creationId="{8147E5BA-2D2C-47CA-9985-B9DA631BFDC9}"/>
+          </ac:cxnSpMkLst>
+        </pc:cxnChg>
+        <pc:cxnChg chg="del mod">
+          <ac:chgData name="Ryan Taylor" userId="d8e9bb2a620fd165" providerId="LiveId" clId="{75F59A67-119A-47EF-BF0A-974FACE50850}" dt="2020-05-01T04:31:31.122" v="1172" actId="21"/>
+          <ac:cxnSpMkLst>
+            <pc:docMk/>
+            <pc:sldMk cId="2774898293" sldId="263"/>
+            <ac:cxnSpMk id="83" creationId="{CDB901AE-8F30-4E60-9BBA-1E0679944999}"/>
+          </ac:cxnSpMkLst>
+        </pc:cxnChg>
+        <pc:cxnChg chg="del mod">
+          <ac:chgData name="Ryan Taylor" userId="d8e9bb2a620fd165" providerId="LiveId" clId="{75F59A67-119A-47EF-BF0A-974FACE50850}" dt="2020-05-01T04:31:31.122" v="1172" actId="21"/>
+          <ac:cxnSpMkLst>
+            <pc:docMk/>
+            <pc:sldMk cId="2774898293" sldId="263"/>
+            <ac:cxnSpMk id="91" creationId="{10D14D9A-0179-4BA5-A9A5-83E646BDC9A3}"/>
+          </ac:cxnSpMkLst>
+        </pc:cxnChg>
+        <pc:cxnChg chg="del mod">
+          <ac:chgData name="Ryan Taylor" userId="d8e9bb2a620fd165" providerId="LiveId" clId="{75F59A67-119A-47EF-BF0A-974FACE50850}" dt="2020-05-01T04:31:31.122" v="1172" actId="21"/>
+          <ac:cxnSpMkLst>
+            <pc:docMk/>
+            <pc:sldMk cId="2774898293" sldId="263"/>
+            <ac:cxnSpMk id="99" creationId="{6DAA26D7-889C-46DA-97A6-5E019128F7E9}"/>
+          </ac:cxnSpMkLst>
+        </pc:cxnChg>
+      </pc:sldChg>
     </pc:docChg>
   </pc:docChgLst>
 </pc:chgInfo>
@@ -1494,7 +1780,7 @@
           <a:p>
             <a:fld id="{5F8A3AD5-B0D3-4CFC-B7F2-54C9D912026E}" type="datetimeFigureOut">
               <a:rPr lang="en-US" smtClean="0"/>
-              <a:t>4/21/2020</a:t>
+              <a:t>5/1/2020</a:t>
             </a:fld>
             <a:endParaRPr lang="en-US"/>
           </a:p>
@@ -1692,7 +1978,7 @@
           <a:p>
             <a:fld id="{5F8A3AD5-B0D3-4CFC-B7F2-54C9D912026E}" type="datetimeFigureOut">
               <a:rPr lang="en-US" smtClean="0"/>
-              <a:t>4/21/2020</a:t>
+              <a:t>5/1/2020</a:t>
             </a:fld>
             <a:endParaRPr lang="en-US"/>
           </a:p>
@@ -1900,7 +2186,7 @@
           <a:p>
             <a:fld id="{5F8A3AD5-B0D3-4CFC-B7F2-54C9D912026E}" type="datetimeFigureOut">
               <a:rPr lang="en-US" smtClean="0"/>
-              <a:t>4/21/2020</a:t>
+              <a:t>5/1/2020</a:t>
             </a:fld>
             <a:endParaRPr lang="en-US"/>
           </a:p>
@@ -2098,7 +2384,7 @@
           <a:p>
             <a:fld id="{5F8A3AD5-B0D3-4CFC-B7F2-54C9D912026E}" type="datetimeFigureOut">
               <a:rPr lang="en-US" smtClean="0"/>
-              <a:t>4/21/2020</a:t>
+              <a:t>5/1/2020</a:t>
             </a:fld>
             <a:endParaRPr lang="en-US"/>
           </a:p>
@@ -2373,7 +2659,7 @@
           <a:p>
             <a:fld id="{5F8A3AD5-B0D3-4CFC-B7F2-54C9D912026E}" type="datetimeFigureOut">
               <a:rPr lang="en-US" smtClean="0"/>
-              <a:t>4/21/2020</a:t>
+              <a:t>5/1/2020</a:t>
             </a:fld>
             <a:endParaRPr lang="en-US"/>
           </a:p>
@@ -2638,7 +2924,7 @@
           <a:p>
             <a:fld id="{5F8A3AD5-B0D3-4CFC-B7F2-54C9D912026E}" type="datetimeFigureOut">
               <a:rPr lang="en-US" smtClean="0"/>
-              <a:t>4/21/2020</a:t>
+              <a:t>5/1/2020</a:t>
             </a:fld>
             <a:endParaRPr lang="en-US"/>
           </a:p>
@@ -3050,7 +3336,7 @@
           <a:p>
             <a:fld id="{5F8A3AD5-B0D3-4CFC-B7F2-54C9D912026E}" type="datetimeFigureOut">
               <a:rPr lang="en-US" smtClean="0"/>
-              <a:t>4/21/2020</a:t>
+              <a:t>5/1/2020</a:t>
             </a:fld>
             <a:endParaRPr lang="en-US"/>
           </a:p>
@@ -3191,7 +3477,7 @@
           <a:p>
             <a:fld id="{5F8A3AD5-B0D3-4CFC-B7F2-54C9D912026E}" type="datetimeFigureOut">
               <a:rPr lang="en-US" smtClean="0"/>
-              <a:t>4/21/2020</a:t>
+              <a:t>5/1/2020</a:t>
             </a:fld>
             <a:endParaRPr lang="en-US"/>
           </a:p>
@@ -3304,7 +3590,7 @@
           <a:p>
             <a:fld id="{5F8A3AD5-B0D3-4CFC-B7F2-54C9D912026E}" type="datetimeFigureOut">
               <a:rPr lang="en-US" smtClean="0"/>
-              <a:t>4/21/2020</a:t>
+              <a:t>5/1/2020</a:t>
             </a:fld>
             <a:endParaRPr lang="en-US"/>
           </a:p>
@@ -3615,7 +3901,7 @@
           <a:p>
             <a:fld id="{5F8A3AD5-B0D3-4CFC-B7F2-54C9D912026E}" type="datetimeFigureOut">
               <a:rPr lang="en-US" smtClean="0"/>
-              <a:t>4/21/2020</a:t>
+              <a:t>5/1/2020</a:t>
             </a:fld>
             <a:endParaRPr lang="en-US"/>
           </a:p>
@@ -3903,7 +4189,7 @@
           <a:p>
             <a:fld id="{5F8A3AD5-B0D3-4CFC-B7F2-54C9D912026E}" type="datetimeFigureOut">
               <a:rPr lang="en-US" smtClean="0"/>
-              <a:t>4/21/2020</a:t>
+              <a:t>5/1/2020</a:t>
             </a:fld>
             <a:endParaRPr lang="en-US"/>
           </a:p>
@@ -4144,7 +4430,7 @@
           <a:p>
             <a:fld id="{5F8A3AD5-B0D3-4CFC-B7F2-54C9D912026E}" type="datetimeFigureOut">
               <a:rPr lang="en-US" smtClean="0"/>
-              <a:t>4/21/2020</a:t>
+              <a:t>5/1/2020</a:t>
             </a:fld>
             <a:endParaRPr lang="en-US"/>
           </a:p>
@@ -4563,59 +4849,6 @@
       </p:grpSpPr>
       <p:sp>
         <p:nvSpPr>
-          <p:cNvPr id="3" name="Subtitle 2">
-            <a:extLst>
-              <a:ext uri="{FF2B5EF4-FFF2-40B4-BE49-F238E27FC236}">
-                <a16:creationId xmlns:a16="http://schemas.microsoft.com/office/drawing/2014/main" id="{FDFB6919-BCE3-4E1D-A6BB-F2160059AFDC}"/>
-              </a:ext>
-            </a:extLst>
-          </p:cNvPr>
-          <p:cNvSpPr>
-            <a:spLocks noGrp="1"/>
-          </p:cNvSpPr>
-          <p:nvPr>
-            <p:ph type="subTitle" idx="1"/>
-          </p:nvPr>
-        </p:nvSpPr>
-        <p:spPr>
-          <a:xfrm>
-            <a:off x="2098039" y="2887584"/>
-            <a:ext cx="1701800" cy="406477"/>
-          </a:xfrm>
-          <a:prstGeom prst="roundRect">
-            <a:avLst/>
-          </a:prstGeom>
-          <a:ln w="28575"/>
-        </p:spPr>
-        <p:style>
-          <a:lnRef idx="2">
-            <a:schemeClr val="dk1"/>
-          </a:lnRef>
-          <a:fillRef idx="1">
-            <a:schemeClr val="lt1"/>
-          </a:fillRef>
-          <a:effectRef idx="0">
-            <a:schemeClr val="dk1"/>
-          </a:effectRef>
-          <a:fontRef idx="minor">
-            <a:schemeClr val="dk1"/>
-          </a:fontRef>
-        </p:style>
-        <p:txBody>
-          <a:bodyPr anchor="ctr">
-            <a:normAutofit fontScale="92500" lnSpcReduction="10000"/>
-          </a:bodyPr>
-          <a:lstStyle/>
-          <a:p>
-            <a:r>
-              <a:rPr lang="en-US" dirty="0"/>
-              <a:t>Timeseries</a:t>
-            </a:r>
-          </a:p>
-        </p:txBody>
-      </p:sp>
-      <p:sp>
-        <p:nvSpPr>
           <p:cNvPr id="4" name="Subtitle 2">
             <a:extLst>
               <a:ext uri="{FF2B5EF4-FFF2-40B4-BE49-F238E27FC236}">
@@ -5584,6 +5817,12 @@
           <a:prstGeom prst="roundRect">
             <a:avLst/>
           </a:prstGeom>
+          <a:solidFill>
+            <a:schemeClr val="accent1">
+              <a:lumMod val="60000"/>
+              <a:lumOff val="40000"/>
+            </a:schemeClr>
+          </a:solidFill>
           <a:ln w="28575"/>
         </p:spPr>
         <p:style>
@@ -7661,6 +7900,65 @@
             <a:r>
               <a:rPr lang="en-US" dirty="0"/>
               <a:t>Predicted Labels</a:t>
+            </a:r>
+          </a:p>
+        </p:txBody>
+      </p:sp>
+      <p:sp>
+        <p:nvSpPr>
+          <p:cNvPr id="3" name="Subtitle 2">
+            <a:extLst>
+              <a:ext uri="{FF2B5EF4-FFF2-40B4-BE49-F238E27FC236}">
+                <a16:creationId xmlns:a16="http://schemas.microsoft.com/office/drawing/2014/main" id="{FDFB6919-BCE3-4E1D-A6BB-F2160059AFDC}"/>
+              </a:ext>
+            </a:extLst>
+          </p:cNvPr>
+          <p:cNvSpPr>
+            <a:spLocks noGrp="1"/>
+          </p:cNvSpPr>
+          <p:nvPr>
+            <p:ph type="subTitle" idx="1"/>
+          </p:nvPr>
+        </p:nvSpPr>
+        <p:spPr>
+          <a:xfrm>
+            <a:off x="2098039" y="2887584"/>
+            <a:ext cx="1701800" cy="406477"/>
+          </a:xfrm>
+          <a:prstGeom prst="roundRect">
+            <a:avLst/>
+          </a:prstGeom>
+          <a:solidFill>
+            <a:schemeClr val="accent1">
+              <a:lumMod val="60000"/>
+              <a:lumOff val="40000"/>
+            </a:schemeClr>
+          </a:solidFill>
+          <a:ln w="28575"/>
+        </p:spPr>
+        <p:style>
+          <a:lnRef idx="2">
+            <a:schemeClr val="dk1"/>
+          </a:lnRef>
+          <a:fillRef idx="1">
+            <a:schemeClr val="lt1"/>
+          </a:fillRef>
+          <a:effectRef idx="0">
+            <a:schemeClr val="dk1"/>
+          </a:effectRef>
+          <a:fontRef idx="minor">
+            <a:schemeClr val="dk1"/>
+          </a:fontRef>
+        </p:style>
+        <p:txBody>
+          <a:bodyPr anchor="ctr">
+            <a:normAutofit fontScale="92500" lnSpcReduction="10000"/>
+          </a:bodyPr>
+          <a:lstStyle/>
+          <a:p>
+            <a:r>
+              <a:rPr lang="en-US" dirty="0"/>
+              <a:t>Timeseries</a:t>
             </a:r>
           </a:p>
         </p:txBody>
@@ -11812,59 +12110,6 @@
       </p:grpSpPr>
       <p:sp>
         <p:nvSpPr>
-          <p:cNvPr id="3" name="Subtitle 2">
-            <a:extLst>
-              <a:ext uri="{FF2B5EF4-FFF2-40B4-BE49-F238E27FC236}">
-                <a16:creationId xmlns:a16="http://schemas.microsoft.com/office/drawing/2014/main" id="{FDFB6919-BCE3-4E1D-A6BB-F2160059AFDC}"/>
-              </a:ext>
-            </a:extLst>
-          </p:cNvPr>
-          <p:cNvSpPr>
-            <a:spLocks noGrp="1"/>
-          </p:cNvSpPr>
-          <p:nvPr>
-            <p:ph type="subTitle" idx="1"/>
-          </p:nvPr>
-        </p:nvSpPr>
-        <p:spPr>
-          <a:xfrm>
-            <a:off x="1945639" y="5173584"/>
-            <a:ext cx="1701800" cy="406477"/>
-          </a:xfrm>
-          <a:prstGeom prst="roundRect">
-            <a:avLst/>
-          </a:prstGeom>
-          <a:ln w="28575"/>
-        </p:spPr>
-        <p:style>
-          <a:lnRef idx="2">
-            <a:schemeClr val="dk1"/>
-          </a:lnRef>
-          <a:fillRef idx="1">
-            <a:schemeClr val="lt1"/>
-          </a:fillRef>
-          <a:effectRef idx="0">
-            <a:schemeClr val="dk1"/>
-          </a:effectRef>
-          <a:fontRef idx="minor">
-            <a:schemeClr val="dk1"/>
-          </a:fontRef>
-        </p:style>
-        <p:txBody>
-          <a:bodyPr anchor="ctr">
-            <a:normAutofit fontScale="92500" lnSpcReduction="10000"/>
-          </a:bodyPr>
-          <a:lstStyle/>
-          <a:p>
-            <a:r>
-              <a:rPr lang="en-US" dirty="0"/>
-              <a:t>Timeseries</a:t>
-            </a:r>
-          </a:p>
-        </p:txBody>
-      </p:sp>
-      <p:sp>
-        <p:nvSpPr>
           <p:cNvPr id="4" name="Subtitle 2">
             <a:extLst>
               <a:ext uri="{FF2B5EF4-FFF2-40B4-BE49-F238E27FC236}">
@@ -12355,6 +12600,12 @@
           <a:prstGeom prst="roundRect">
             <a:avLst/>
           </a:prstGeom>
+          <a:solidFill>
+            <a:schemeClr val="accent1">
+              <a:lumMod val="60000"/>
+              <a:lumOff val="40000"/>
+            </a:schemeClr>
+          </a:solidFill>
           <a:ln w="28575"/>
         </p:spPr>
         <p:style>
@@ -13291,10 +13542,10 @@
         </p:nvGrpSpPr>
         <p:grpSpPr>
           <a:xfrm>
-            <a:off x="-266881" y="3001003"/>
-            <a:ext cx="1976876" cy="3005965"/>
-            <a:chOff x="-451892" y="715003"/>
-            <a:chExt cx="2339618" cy="3005965"/>
+            <a:off x="-475737" y="3001003"/>
+            <a:ext cx="2047674" cy="3011970"/>
+            <a:chOff x="-699072" y="715003"/>
+            <a:chExt cx="2423407" cy="3011970"/>
           </a:xfrm>
         </p:grpSpPr>
         <p:sp>
@@ -13313,8 +13564,8 @@
           </p:nvSpPr>
           <p:spPr>
             <a:xfrm>
-              <a:off x="-27443" y="1902741"/>
-              <a:ext cx="1751787" cy="655002"/>
+              <a:off x="-27442" y="1936699"/>
+              <a:ext cx="1751773" cy="655002"/>
             </a:xfrm>
             <a:prstGeom prst="rect">
               <a:avLst/>
@@ -13517,8 +13768,8 @@
           </p:nvSpPr>
           <p:spPr>
             <a:xfrm>
-              <a:off x="-451892" y="3065966"/>
-              <a:ext cx="2339618" cy="655002"/>
+              <a:off x="-699072" y="3071971"/>
+              <a:ext cx="2423402" cy="655002"/>
             </a:xfrm>
             <a:prstGeom prst="rect">
               <a:avLst/>
@@ -13696,7 +13947,7 @@
               <a:pPr algn="r"/>
               <a:r>
                 <a:rPr lang="en-US" b="1" dirty="0"/>
-                <a:t>Labeled Data</a:t>
+                <a:t>Data</a:t>
               </a:r>
             </a:p>
           </p:txBody>
@@ -13718,7 +13969,7 @@
           <p:spPr>
             <a:xfrm>
               <a:off x="45731" y="715003"/>
-              <a:ext cx="1557008" cy="655002"/>
+              <a:ext cx="1678604" cy="655002"/>
             </a:xfrm>
             <a:prstGeom prst="rect">
               <a:avLst/>
@@ -13904,7 +14155,7 @@
               </a:r>
             </a:p>
             <a:p>
-              <a:pPr algn="l"/>
+              <a:pPr algn="r"/>
               <a:endParaRPr lang="en-US" dirty="0"/>
             </a:p>
           </p:txBody>
@@ -14843,8 +15094,8 @@
         </p:nvCxnSpPr>
         <p:spPr>
           <a:xfrm>
-            <a:off x="1688783" y="2286000"/>
-            <a:ext cx="0" cy="4196451"/>
+            <a:off x="1708034" y="2629005"/>
+            <a:ext cx="0" cy="3462944"/>
           </a:xfrm>
           <a:prstGeom prst="line">
             <a:avLst/>
@@ -14879,8 +15130,8 @@
         </p:nvSpPr>
         <p:spPr>
           <a:xfrm>
-            <a:off x="-139700" y="2205793"/>
-            <a:ext cx="12471400" cy="4385507"/>
+            <a:off x="0" y="2286000"/>
+            <a:ext cx="12331700" cy="4196452"/>
           </a:xfrm>
           <a:prstGeom prst="roundRect">
             <a:avLst/>
@@ -14917,6 +15168,65 @@
           </a:p>
         </p:txBody>
       </p:sp>
+      <p:sp>
+        <p:nvSpPr>
+          <p:cNvPr id="3" name="Subtitle 2">
+            <a:extLst>
+              <a:ext uri="{FF2B5EF4-FFF2-40B4-BE49-F238E27FC236}">
+                <a16:creationId xmlns:a16="http://schemas.microsoft.com/office/drawing/2014/main" id="{FDFB6919-BCE3-4E1D-A6BB-F2160059AFDC}"/>
+              </a:ext>
+            </a:extLst>
+          </p:cNvPr>
+          <p:cNvSpPr>
+            <a:spLocks noGrp="1"/>
+          </p:cNvSpPr>
+          <p:nvPr>
+            <p:ph type="subTitle" idx="1"/>
+          </p:nvPr>
+        </p:nvSpPr>
+        <p:spPr>
+          <a:xfrm>
+            <a:off x="1945639" y="5173584"/>
+            <a:ext cx="1701800" cy="406477"/>
+          </a:xfrm>
+          <a:prstGeom prst="roundRect">
+            <a:avLst/>
+          </a:prstGeom>
+          <a:solidFill>
+            <a:schemeClr val="accent1">
+              <a:lumMod val="60000"/>
+              <a:lumOff val="40000"/>
+            </a:schemeClr>
+          </a:solidFill>
+          <a:ln w="28575"/>
+        </p:spPr>
+        <p:style>
+          <a:lnRef idx="2">
+            <a:schemeClr val="dk1"/>
+          </a:lnRef>
+          <a:fillRef idx="1">
+            <a:schemeClr val="lt1"/>
+          </a:fillRef>
+          <a:effectRef idx="0">
+            <a:schemeClr val="dk1"/>
+          </a:effectRef>
+          <a:fontRef idx="minor">
+            <a:schemeClr val="dk1"/>
+          </a:fontRef>
+        </p:style>
+        <p:txBody>
+          <a:bodyPr anchor="ctr">
+            <a:normAutofit fontScale="92500" lnSpcReduction="10000"/>
+          </a:bodyPr>
+          <a:lstStyle/>
+          <a:p>
+            <a:r>
+              <a:rPr lang="en-US" dirty="0"/>
+              <a:t>Timeseries</a:t>
+            </a:r>
+          </a:p>
+        </p:txBody>
+      </p:sp>
     </p:spTree>
     <p:extLst>
       <p:ext uri="{BB962C8B-B14F-4D97-AF65-F5344CB8AC3E}">
@@ -14931,6 +15241,91 @@
 </file>
 
 <file path=ppt/slides/slide4.xml><?xml version="1.0" encoding="utf-8"?>
+<p:sld xmlns:a="http://schemas.openxmlformats.org/drawingml/2006/main" xmlns:r="http://schemas.openxmlformats.org/officeDocument/2006/relationships" xmlns:p="http://schemas.openxmlformats.org/presentationml/2006/main">
+  <p:cSld>
+    <p:spTree>
+      <p:nvGrpSpPr>
+        <p:cNvPr id="1" name=""/>
+        <p:cNvGrpSpPr/>
+        <p:nvPr/>
+      </p:nvGrpSpPr>
+      <p:grpSpPr>
+        <a:xfrm>
+          <a:off x="0" y="0"/>
+          <a:ext cx="0" cy="0"/>
+          <a:chOff x="0" y="0"/>
+          <a:chExt cx="0" cy="0"/>
+        </a:xfrm>
+      </p:grpSpPr>
+      <p:sp>
+        <p:nvSpPr>
+          <p:cNvPr id="6" name="Subtitle 5">
+            <a:extLst>
+              <a:ext uri="{FF2B5EF4-FFF2-40B4-BE49-F238E27FC236}">
+                <a16:creationId xmlns:a16="http://schemas.microsoft.com/office/drawing/2014/main" id="{BFBCCB9D-F2DB-477E-8184-DB05E935047E}"/>
+              </a:ext>
+            </a:extLst>
+          </p:cNvPr>
+          <p:cNvSpPr>
+            <a:spLocks noGrp="1"/>
+          </p:cNvSpPr>
+          <p:nvPr>
+            <p:ph type="subTitle" idx="1"/>
+          </p:nvPr>
+        </p:nvSpPr>
+        <p:spPr/>
+        <p:txBody>
+          <a:bodyPr/>
+          <a:lstStyle/>
+          <a:p>
+            <a:endParaRPr lang="en-US"/>
+          </a:p>
+        </p:txBody>
+      </p:sp>
+      <p:pic>
+        <p:nvPicPr>
+          <p:cNvPr id="7" name="Picture 6">
+            <a:extLst>
+              <a:ext uri="{FF2B5EF4-FFF2-40B4-BE49-F238E27FC236}">
+                <a16:creationId xmlns:a16="http://schemas.microsoft.com/office/drawing/2014/main" id="{2AAB06A4-5D2C-4609-BA2B-B18BD8667A5F}"/>
+              </a:ext>
+            </a:extLst>
+          </p:cNvPr>
+          <p:cNvPicPr>
+            <a:picLocks noChangeAspect="1"/>
+          </p:cNvPicPr>
+          <p:nvPr/>
+        </p:nvPicPr>
+        <p:blipFill>
+          <a:blip r:embed="rId2"/>
+          <a:stretch>
+            <a:fillRect/>
+          </a:stretch>
+        </p:blipFill>
+        <p:spPr>
+          <a:xfrm>
+            <a:off x="0" y="1401820"/>
+            <a:ext cx="12192000" cy="4054360"/>
+          </a:xfrm>
+          <a:prstGeom prst="rect">
+            <a:avLst/>
+          </a:prstGeom>
+        </p:spPr>
+      </p:pic>
+    </p:spTree>
+    <p:extLst>
+      <p:ext uri="{BB962C8B-B14F-4D97-AF65-F5344CB8AC3E}">
+        <p14:creationId xmlns:p14="http://schemas.microsoft.com/office/powerpoint/2010/main" val="2774898293"/>
+      </p:ext>
+    </p:extLst>
+  </p:cSld>
+  <p:clrMapOvr>
+    <a:masterClrMapping/>
+  </p:clrMapOvr>
+</p:sld>
+</file>
+
+<file path=ppt/slides/slide5.xml><?xml version="1.0" encoding="utf-8"?>
 <p:sld xmlns:a="http://schemas.openxmlformats.org/drawingml/2006/main" xmlns:r="http://schemas.openxmlformats.org/officeDocument/2006/relationships" xmlns:p="http://schemas.openxmlformats.org/presentationml/2006/main">
   <p:cSld>
     <p:spTree>
@@ -16704,7 +17099,7 @@
 </p:sld>
 </file>
 
-<file path=ppt/slides/slide5.xml><?xml version="1.0" encoding="utf-8"?>
+<file path=ppt/slides/slide6.xml><?xml version="1.0" encoding="utf-8"?>
 <p:sld xmlns:a="http://schemas.openxmlformats.org/drawingml/2006/main" xmlns:r="http://schemas.openxmlformats.org/officeDocument/2006/relationships" xmlns:p="http://schemas.openxmlformats.org/presentationml/2006/main">
   <p:cSld>
     <p:spTree>
@@ -17345,7 +17740,7 @@
 </p:sld>
 </file>
 
-<file path=ppt/slides/slide6.xml><?xml version="1.0" encoding="utf-8"?>
+<file path=ppt/slides/slide7.xml><?xml version="1.0" encoding="utf-8"?>
 <p:sld xmlns:a="http://schemas.openxmlformats.org/drawingml/2006/main" xmlns:r="http://schemas.openxmlformats.org/officeDocument/2006/relationships" xmlns:p="http://schemas.openxmlformats.org/presentationml/2006/main">
   <p:cSld>
     <p:spTree>
@@ -17435,7 +17830,7 @@
 </p:sld>
 </file>
 
-<file path=ppt/slides/slide7.xml><?xml version="1.0" encoding="utf-8"?>
+<file path=ppt/slides/slide8.xml><?xml version="1.0" encoding="utf-8"?>
 <p:sld xmlns:a="http://schemas.openxmlformats.org/drawingml/2006/main" xmlns:r="http://schemas.openxmlformats.org/officeDocument/2006/relationships" xmlns:p="http://schemas.openxmlformats.org/presentationml/2006/main">
   <p:cSld>
     <p:spTree>
